--- a/Presentation .pptx
+++ b/Presentation .pptx
@@ -2543,7 +2543,756 @@
 </file>
 
 <file path=ppt/diagrams/colors4.xml><?xml version="1.0" encoding="utf-8"?>
-<dgm:colorsDef xmlns:dgm="http://schemas.openxmlformats.org/drawingml/2006/diagram" xmlns:a="http://schemas.openxmlformats.org/drawingml/2006/main" uniqueId="urn:microsoft.com/office/officeart/2018/5/colors/Iconchunking_neutralicon_colorful1">
+<dgm:colorsDef xmlns:dgm="http://schemas.openxmlformats.org/drawingml/2006/diagram" xmlns:a="http://schemas.openxmlformats.org/drawingml/2006/main" uniqueId="urn:microsoft.com/office/officeart/2018/5/colors/Iconchunking_neutralbg_accent6_2">
+  <dgm:title val=""/>
+  <dgm:desc val=""/>
+  <dgm:catLst>
+    <dgm:cat type="accent6" pri="16200"/>
+  </dgm:catLst>
+  <dgm:styleLbl name="node0">
+    <dgm:fillClrLst meth="repeat">
+      <a:schemeClr val="accent6"/>
+    </dgm:fillClrLst>
+    <dgm:linClrLst meth="repeat">
+      <a:schemeClr val="lt1"/>
+    </dgm:linClrLst>
+    <dgm:effectClrLst/>
+    <dgm:txLinClrLst/>
+    <dgm:txFillClrLst/>
+    <dgm:txEffectClrLst/>
+  </dgm:styleLbl>
+  <dgm:styleLbl name="node1">
+    <dgm:fillClrLst meth="repeat">
+      <a:schemeClr val="accent6"/>
+    </dgm:fillClrLst>
+    <dgm:linClrLst meth="repeat">
+      <a:schemeClr val="lt1">
+        <a:alpha val="0"/>
+      </a:schemeClr>
+    </dgm:linClrLst>
+    <dgm:effectClrLst/>
+    <dgm:txLinClrLst/>
+    <dgm:txFillClrLst/>
+    <dgm:txEffectClrLst/>
+  </dgm:styleLbl>
+  <dgm:styleLbl name="alignNode1">
+    <dgm:fillClrLst meth="repeat">
+      <a:schemeClr val="accent6"/>
+    </dgm:fillClrLst>
+    <dgm:linClrLst meth="repeat">
+      <a:schemeClr val="accent6"/>
+    </dgm:linClrLst>
+    <dgm:effectClrLst/>
+    <dgm:txLinClrLst/>
+    <dgm:txFillClrLst/>
+    <dgm:txEffectClrLst/>
+  </dgm:styleLbl>
+  <dgm:styleLbl name="lnNode1">
+    <dgm:fillClrLst meth="repeat">
+      <a:schemeClr val="accent6"/>
+    </dgm:fillClrLst>
+    <dgm:linClrLst meth="repeat">
+      <a:schemeClr val="lt1"/>
+    </dgm:linClrLst>
+    <dgm:effectClrLst/>
+    <dgm:txLinClrLst/>
+    <dgm:txFillClrLst/>
+    <dgm:txEffectClrLst/>
+  </dgm:styleLbl>
+  <dgm:styleLbl name="vennNode1">
+    <dgm:fillClrLst meth="repeat">
+      <a:schemeClr val="accent6">
+        <a:alpha val="50000"/>
+      </a:schemeClr>
+    </dgm:fillClrLst>
+    <dgm:linClrLst meth="repeat">
+      <a:schemeClr val="lt1"/>
+    </dgm:linClrLst>
+    <dgm:effectClrLst/>
+    <dgm:txLinClrLst/>
+    <dgm:txFillClrLst/>
+    <dgm:txEffectClrLst/>
+  </dgm:styleLbl>
+  <dgm:styleLbl name="node2">
+    <dgm:fillClrLst meth="repeat">
+      <a:schemeClr val="accent6"/>
+    </dgm:fillClrLst>
+    <dgm:linClrLst meth="repeat">
+      <a:schemeClr val="lt1"/>
+    </dgm:linClrLst>
+    <dgm:effectClrLst/>
+    <dgm:txLinClrLst/>
+    <dgm:txFillClrLst/>
+    <dgm:txEffectClrLst/>
+  </dgm:styleLbl>
+  <dgm:styleLbl name="node3">
+    <dgm:fillClrLst meth="repeat">
+      <a:schemeClr val="accent6"/>
+    </dgm:fillClrLst>
+    <dgm:linClrLst meth="repeat">
+      <a:schemeClr val="lt1"/>
+    </dgm:linClrLst>
+    <dgm:effectClrLst/>
+    <dgm:txLinClrLst/>
+    <dgm:txFillClrLst/>
+    <dgm:txEffectClrLst/>
+  </dgm:styleLbl>
+  <dgm:styleLbl name="node4">
+    <dgm:fillClrLst meth="repeat">
+      <a:schemeClr val="accent6"/>
+    </dgm:fillClrLst>
+    <dgm:linClrLst meth="repeat">
+      <a:schemeClr val="lt1"/>
+    </dgm:linClrLst>
+    <dgm:effectClrLst/>
+    <dgm:txLinClrLst/>
+    <dgm:txFillClrLst/>
+    <dgm:txEffectClrLst/>
+  </dgm:styleLbl>
+  <dgm:styleLbl name="fgImgPlace1">
+    <dgm:fillClrLst meth="repeat">
+      <a:schemeClr val="accent6">
+        <a:tint val="50000"/>
+      </a:schemeClr>
+    </dgm:fillClrLst>
+    <dgm:linClrLst meth="repeat">
+      <a:schemeClr val="lt1"/>
+    </dgm:linClrLst>
+    <dgm:effectClrLst/>
+    <dgm:txLinClrLst/>
+    <dgm:txFillClrLst meth="repeat">
+      <a:schemeClr val="lt1"/>
+    </dgm:txFillClrLst>
+    <dgm:txEffectClrLst/>
+  </dgm:styleLbl>
+  <dgm:styleLbl name="alignImgPlace1">
+    <dgm:fillClrLst meth="repeat">
+      <a:schemeClr val="accent6">
+        <a:tint val="50000"/>
+      </a:schemeClr>
+    </dgm:fillClrLst>
+    <dgm:linClrLst meth="repeat">
+      <a:schemeClr val="lt1"/>
+    </dgm:linClrLst>
+    <dgm:effectClrLst/>
+    <dgm:txLinClrLst/>
+    <dgm:txFillClrLst meth="repeat">
+      <a:schemeClr val="lt1"/>
+    </dgm:txFillClrLst>
+    <dgm:txEffectClrLst/>
+  </dgm:styleLbl>
+  <dgm:styleLbl name="bgImgPlace1">
+    <dgm:fillClrLst meth="repeat">
+      <a:schemeClr val="accent6">
+        <a:tint val="50000"/>
+      </a:schemeClr>
+    </dgm:fillClrLst>
+    <dgm:linClrLst meth="repeat">
+      <a:schemeClr val="lt1"/>
+    </dgm:linClrLst>
+    <dgm:effectClrLst/>
+    <dgm:txLinClrLst/>
+    <dgm:txFillClrLst meth="repeat">
+      <a:schemeClr val="lt1"/>
+    </dgm:txFillClrLst>
+    <dgm:txEffectClrLst/>
+  </dgm:styleLbl>
+  <dgm:styleLbl name="sibTrans2D1">
+    <dgm:fillClrLst meth="repeat">
+      <a:schemeClr val="accent6">
+        <a:tint val="60000"/>
+      </a:schemeClr>
+    </dgm:fillClrLst>
+    <dgm:linClrLst meth="repeat">
+      <a:schemeClr val="accent6">
+        <a:tint val="60000"/>
+      </a:schemeClr>
+    </dgm:linClrLst>
+    <dgm:effectClrLst/>
+    <dgm:txLinClrLst/>
+    <dgm:txFillClrLst/>
+    <dgm:txEffectClrLst/>
+  </dgm:styleLbl>
+  <dgm:styleLbl name="fgSibTrans2D1">
+    <dgm:fillClrLst meth="repeat">
+      <a:schemeClr val="accent6">
+        <a:tint val="60000"/>
+      </a:schemeClr>
+    </dgm:fillClrLst>
+    <dgm:linClrLst meth="repeat">
+      <a:schemeClr val="accent6">
+        <a:tint val="60000"/>
+      </a:schemeClr>
+    </dgm:linClrLst>
+    <dgm:effectClrLst/>
+    <dgm:txLinClrLst/>
+    <dgm:txFillClrLst/>
+    <dgm:txEffectClrLst/>
+  </dgm:styleLbl>
+  <dgm:styleLbl name="bgSibTrans2D1">
+    <dgm:fillClrLst meth="repeat">
+      <a:schemeClr val="accent6">
+        <a:tint val="60000"/>
+      </a:schemeClr>
+    </dgm:fillClrLst>
+    <dgm:linClrLst meth="repeat">
+      <a:schemeClr val="accent6">
+        <a:tint val="60000"/>
+      </a:schemeClr>
+    </dgm:linClrLst>
+    <dgm:effectClrLst/>
+    <dgm:txLinClrLst/>
+    <dgm:txFillClrLst/>
+    <dgm:txEffectClrLst/>
+  </dgm:styleLbl>
+  <dgm:styleLbl name="sibTrans1D1">
+    <dgm:fillClrLst meth="repeat">
+      <a:schemeClr val="accent6"/>
+    </dgm:fillClrLst>
+    <dgm:linClrLst meth="repeat">
+      <a:schemeClr val="accent6"/>
+    </dgm:linClrLst>
+    <dgm:effectClrLst/>
+    <dgm:txLinClrLst/>
+    <dgm:txFillClrLst meth="repeat">
+      <a:schemeClr val="tx1"/>
+    </dgm:txFillClrLst>
+    <dgm:txEffectClrLst/>
+  </dgm:styleLbl>
+  <dgm:styleLbl name="callout">
+    <dgm:fillClrLst meth="repeat">
+      <a:schemeClr val="accent6"/>
+    </dgm:fillClrLst>
+    <dgm:linClrLst meth="repeat">
+      <a:schemeClr val="accent6">
+        <a:tint val="50000"/>
+      </a:schemeClr>
+    </dgm:linClrLst>
+    <dgm:effectClrLst/>
+    <dgm:txLinClrLst/>
+    <dgm:txFillClrLst meth="repeat">
+      <a:schemeClr val="tx1"/>
+    </dgm:txFillClrLst>
+    <dgm:txEffectClrLst/>
+  </dgm:styleLbl>
+  <dgm:styleLbl name="asst0">
+    <dgm:fillClrLst meth="repeat">
+      <a:schemeClr val="accent6"/>
+    </dgm:fillClrLst>
+    <dgm:linClrLst meth="repeat">
+      <a:schemeClr val="lt1"/>
+    </dgm:linClrLst>
+    <dgm:effectClrLst/>
+    <dgm:txLinClrLst/>
+    <dgm:txFillClrLst/>
+    <dgm:txEffectClrLst/>
+  </dgm:styleLbl>
+  <dgm:styleLbl name="asst1">
+    <dgm:fillClrLst meth="repeat">
+      <a:schemeClr val="accent6"/>
+    </dgm:fillClrLst>
+    <dgm:linClrLst meth="repeat">
+      <a:schemeClr val="lt1"/>
+    </dgm:linClrLst>
+    <dgm:effectClrLst/>
+    <dgm:txLinClrLst/>
+    <dgm:txFillClrLst/>
+    <dgm:txEffectClrLst/>
+  </dgm:styleLbl>
+  <dgm:styleLbl name="asst2">
+    <dgm:fillClrLst meth="repeat">
+      <a:schemeClr val="accent6"/>
+    </dgm:fillClrLst>
+    <dgm:linClrLst meth="repeat">
+      <a:schemeClr val="lt1"/>
+    </dgm:linClrLst>
+    <dgm:effectClrLst/>
+    <dgm:txLinClrLst/>
+    <dgm:txFillClrLst/>
+    <dgm:txEffectClrLst/>
+  </dgm:styleLbl>
+  <dgm:styleLbl name="asst3">
+    <dgm:fillClrLst meth="repeat">
+      <a:schemeClr val="accent6"/>
+    </dgm:fillClrLst>
+    <dgm:linClrLst meth="repeat">
+      <a:schemeClr val="lt1"/>
+    </dgm:linClrLst>
+    <dgm:effectClrLst/>
+    <dgm:txLinClrLst/>
+    <dgm:txFillClrLst/>
+    <dgm:txEffectClrLst/>
+  </dgm:styleLbl>
+  <dgm:styleLbl name="asst4">
+    <dgm:fillClrLst meth="repeat">
+      <a:schemeClr val="accent6"/>
+    </dgm:fillClrLst>
+    <dgm:linClrLst meth="repeat">
+      <a:schemeClr val="lt1"/>
+    </dgm:linClrLst>
+    <dgm:effectClrLst/>
+    <dgm:txLinClrLst/>
+    <dgm:txFillClrLst/>
+    <dgm:txEffectClrLst/>
+  </dgm:styleLbl>
+  <dgm:styleLbl name="parChTrans2D1">
+    <dgm:fillClrLst meth="repeat">
+      <a:schemeClr val="accent6">
+        <a:tint val="60000"/>
+      </a:schemeClr>
+    </dgm:fillClrLst>
+    <dgm:linClrLst meth="repeat">
+      <a:schemeClr val="accent6">
+        <a:tint val="60000"/>
+      </a:schemeClr>
+    </dgm:linClrLst>
+    <dgm:effectClrLst/>
+    <dgm:txLinClrLst/>
+    <dgm:txFillClrLst meth="repeat">
+      <a:schemeClr val="lt1"/>
+    </dgm:txFillClrLst>
+    <dgm:txEffectClrLst/>
+  </dgm:styleLbl>
+  <dgm:styleLbl name="parChTrans2D2">
+    <dgm:fillClrLst meth="repeat">
+      <a:schemeClr val="accent6"/>
+    </dgm:fillClrLst>
+    <dgm:linClrLst meth="repeat">
+      <a:schemeClr val="accent6"/>
+    </dgm:linClrLst>
+    <dgm:effectClrLst/>
+    <dgm:txLinClrLst/>
+    <dgm:txFillClrLst meth="repeat">
+      <a:schemeClr val="lt1"/>
+    </dgm:txFillClrLst>
+    <dgm:txEffectClrLst/>
+  </dgm:styleLbl>
+  <dgm:styleLbl name="parChTrans2D3">
+    <dgm:fillClrLst meth="repeat">
+      <a:schemeClr val="accent6"/>
+    </dgm:fillClrLst>
+    <dgm:linClrLst meth="repeat">
+      <a:schemeClr val="accent6"/>
+    </dgm:linClrLst>
+    <dgm:effectClrLst/>
+    <dgm:txLinClrLst/>
+    <dgm:txFillClrLst meth="repeat">
+      <a:schemeClr val="lt1"/>
+    </dgm:txFillClrLst>
+    <dgm:txEffectClrLst/>
+  </dgm:styleLbl>
+  <dgm:styleLbl name="parChTrans2D4">
+    <dgm:fillClrLst meth="repeat">
+      <a:schemeClr val="accent6"/>
+    </dgm:fillClrLst>
+    <dgm:linClrLst meth="repeat">
+      <a:schemeClr val="accent6"/>
+    </dgm:linClrLst>
+    <dgm:effectClrLst/>
+    <dgm:txLinClrLst/>
+    <dgm:txFillClrLst meth="repeat">
+      <a:schemeClr val="lt1"/>
+    </dgm:txFillClrLst>
+    <dgm:txEffectClrLst/>
+  </dgm:styleLbl>
+  <dgm:styleLbl name="parChTrans1D1">
+    <dgm:fillClrLst meth="repeat">
+      <a:schemeClr val="accent6"/>
+    </dgm:fillClrLst>
+    <dgm:linClrLst meth="repeat">
+      <a:schemeClr val="accent6">
+        <a:shade val="60000"/>
+      </a:schemeClr>
+    </dgm:linClrLst>
+    <dgm:effectClrLst/>
+    <dgm:txLinClrLst/>
+    <dgm:txFillClrLst meth="repeat">
+      <a:schemeClr val="tx1"/>
+    </dgm:txFillClrLst>
+    <dgm:txEffectClrLst/>
+  </dgm:styleLbl>
+  <dgm:styleLbl name="parChTrans1D2">
+    <dgm:fillClrLst meth="repeat">
+      <a:schemeClr val="accent6"/>
+    </dgm:fillClrLst>
+    <dgm:linClrLst meth="repeat">
+      <a:schemeClr val="accent6">
+        <a:shade val="60000"/>
+      </a:schemeClr>
+    </dgm:linClrLst>
+    <dgm:effectClrLst/>
+    <dgm:txLinClrLst/>
+    <dgm:txFillClrLst meth="repeat">
+      <a:schemeClr val="tx1"/>
+    </dgm:txFillClrLst>
+    <dgm:txEffectClrLst/>
+  </dgm:styleLbl>
+  <dgm:styleLbl name="parChTrans1D3">
+    <dgm:fillClrLst meth="repeat">
+      <a:schemeClr val="accent6"/>
+    </dgm:fillClrLst>
+    <dgm:linClrLst meth="repeat">
+      <a:schemeClr val="accent6">
+        <a:shade val="80000"/>
+      </a:schemeClr>
+    </dgm:linClrLst>
+    <dgm:effectClrLst/>
+    <dgm:txLinClrLst/>
+    <dgm:txFillClrLst meth="repeat">
+      <a:schemeClr val="tx1"/>
+    </dgm:txFillClrLst>
+    <dgm:txEffectClrLst/>
+  </dgm:styleLbl>
+  <dgm:styleLbl name="parChTrans1D4">
+    <dgm:fillClrLst meth="repeat">
+      <a:schemeClr val="accent6"/>
+    </dgm:fillClrLst>
+    <dgm:linClrLst meth="repeat">
+      <a:schemeClr val="accent6">
+        <a:shade val="80000"/>
+      </a:schemeClr>
+    </dgm:linClrLst>
+    <dgm:effectClrLst/>
+    <dgm:txLinClrLst/>
+    <dgm:txFillClrLst meth="repeat">
+      <a:schemeClr val="tx1"/>
+    </dgm:txFillClrLst>
+    <dgm:txEffectClrLst/>
+  </dgm:styleLbl>
+  <dgm:styleLbl name="fgAcc1">
+    <dgm:fillClrLst meth="repeat">
+      <a:schemeClr val="lt1">
+        <a:alpha val="90000"/>
+      </a:schemeClr>
+    </dgm:fillClrLst>
+    <dgm:linClrLst meth="repeat">
+      <a:schemeClr val="accent6"/>
+    </dgm:linClrLst>
+    <dgm:effectClrLst/>
+    <dgm:txLinClrLst/>
+    <dgm:txFillClrLst meth="repeat">
+      <a:schemeClr val="dk1"/>
+    </dgm:txFillClrLst>
+    <dgm:txEffectClrLst/>
+  </dgm:styleLbl>
+  <dgm:styleLbl name="conFgAcc1">
+    <dgm:fillClrLst meth="repeat">
+      <a:schemeClr val="lt1">
+        <a:alpha val="90000"/>
+      </a:schemeClr>
+    </dgm:fillClrLst>
+    <dgm:linClrLst meth="repeat">
+      <a:schemeClr val="accent6"/>
+    </dgm:linClrLst>
+    <dgm:effectClrLst/>
+    <dgm:txLinClrLst/>
+    <dgm:txFillClrLst meth="repeat">
+      <a:schemeClr val="dk1"/>
+    </dgm:txFillClrLst>
+    <dgm:txEffectClrLst/>
+  </dgm:styleLbl>
+  <dgm:styleLbl name="alignAcc1">
+    <dgm:fillClrLst meth="repeat">
+      <a:schemeClr val="lt1">
+        <a:alpha val="90000"/>
+      </a:schemeClr>
+    </dgm:fillClrLst>
+    <dgm:linClrLst meth="repeat">
+      <a:schemeClr val="accent6"/>
+    </dgm:linClrLst>
+    <dgm:effectClrLst/>
+    <dgm:txLinClrLst/>
+    <dgm:txFillClrLst meth="repeat">
+      <a:schemeClr val="dk1"/>
+    </dgm:txFillClrLst>
+    <dgm:txEffectClrLst/>
+  </dgm:styleLbl>
+  <dgm:styleLbl name="trAlignAcc1">
+    <dgm:fillClrLst meth="repeat">
+      <a:schemeClr val="lt1">
+        <a:alpha val="40000"/>
+      </a:schemeClr>
+    </dgm:fillClrLst>
+    <dgm:linClrLst meth="repeat">
+      <a:schemeClr val="accent6"/>
+    </dgm:linClrLst>
+    <dgm:effectClrLst/>
+    <dgm:txLinClrLst/>
+    <dgm:txFillClrLst meth="repeat">
+      <a:schemeClr val="dk1"/>
+    </dgm:txFillClrLst>
+    <dgm:txEffectClrLst/>
+  </dgm:styleLbl>
+  <dgm:styleLbl name="bgAcc1">
+    <dgm:fillClrLst meth="repeat">
+      <a:schemeClr val="lt1">
+        <a:alpha val="90000"/>
+      </a:schemeClr>
+    </dgm:fillClrLst>
+    <dgm:linClrLst meth="repeat">
+      <a:schemeClr val="accent6"/>
+    </dgm:linClrLst>
+    <dgm:effectClrLst/>
+    <dgm:txLinClrLst/>
+    <dgm:txFillClrLst meth="repeat">
+      <a:schemeClr val="dk1"/>
+    </dgm:txFillClrLst>
+    <dgm:txEffectClrLst/>
+  </dgm:styleLbl>
+  <dgm:styleLbl name="solidFgAcc1">
+    <dgm:fillClrLst meth="repeat">
+      <a:schemeClr val="lt1"/>
+    </dgm:fillClrLst>
+    <dgm:linClrLst meth="repeat">
+      <a:schemeClr val="accent6"/>
+    </dgm:linClrLst>
+    <dgm:effectClrLst/>
+    <dgm:txLinClrLst/>
+    <dgm:txFillClrLst meth="repeat">
+      <a:schemeClr val="dk1"/>
+    </dgm:txFillClrLst>
+    <dgm:txEffectClrLst/>
+  </dgm:styleLbl>
+  <dgm:styleLbl name="solidAlignAcc1">
+    <dgm:fillClrLst meth="repeat">
+      <a:schemeClr val="lt1"/>
+    </dgm:fillClrLst>
+    <dgm:linClrLst meth="repeat">
+      <a:schemeClr val="accent6"/>
+    </dgm:linClrLst>
+    <dgm:effectClrLst/>
+    <dgm:txLinClrLst/>
+    <dgm:txFillClrLst meth="repeat">
+      <a:schemeClr val="dk1"/>
+    </dgm:txFillClrLst>
+    <dgm:txEffectClrLst/>
+  </dgm:styleLbl>
+  <dgm:styleLbl name="solidBgAcc1">
+    <dgm:fillClrLst meth="repeat">
+      <a:schemeClr val="lt1"/>
+    </dgm:fillClrLst>
+    <dgm:linClrLst meth="repeat">
+      <a:schemeClr val="accent6"/>
+    </dgm:linClrLst>
+    <dgm:effectClrLst/>
+    <dgm:txLinClrLst/>
+    <dgm:txFillClrLst meth="repeat">
+      <a:schemeClr val="dk1"/>
+    </dgm:txFillClrLst>
+    <dgm:txEffectClrLst/>
+  </dgm:styleLbl>
+  <dgm:styleLbl name="fgAccFollowNode1">
+    <dgm:fillClrLst meth="repeat">
+      <a:schemeClr val="accent6">
+        <a:alpha val="90000"/>
+        <a:tint val="40000"/>
+      </a:schemeClr>
+    </dgm:fillClrLst>
+    <dgm:linClrLst meth="repeat">
+      <a:schemeClr val="accent6">
+        <a:alpha val="90000"/>
+        <a:tint val="40000"/>
+      </a:schemeClr>
+    </dgm:linClrLst>
+    <dgm:effectClrLst/>
+    <dgm:txLinClrLst/>
+    <dgm:txFillClrLst meth="repeat">
+      <a:schemeClr val="dk1"/>
+    </dgm:txFillClrLst>
+    <dgm:txEffectClrLst/>
+  </dgm:styleLbl>
+  <dgm:styleLbl name="alignAccFollowNode1">
+    <dgm:fillClrLst meth="repeat">
+      <a:schemeClr val="accent6">
+        <a:alpha val="90000"/>
+        <a:tint val="40000"/>
+      </a:schemeClr>
+    </dgm:fillClrLst>
+    <dgm:linClrLst meth="repeat">
+      <a:schemeClr val="accent6">
+        <a:alpha val="90000"/>
+        <a:tint val="40000"/>
+      </a:schemeClr>
+    </dgm:linClrLst>
+    <dgm:effectClrLst/>
+    <dgm:txLinClrLst/>
+    <dgm:txFillClrLst meth="repeat">
+      <a:schemeClr val="dk1"/>
+    </dgm:txFillClrLst>
+    <dgm:txEffectClrLst/>
+  </dgm:styleLbl>
+  <dgm:styleLbl name="bgAccFollowNode1">
+    <dgm:fillClrLst meth="repeat">
+      <a:schemeClr val="accent6">
+        <a:alpha val="90000"/>
+        <a:tint val="40000"/>
+      </a:schemeClr>
+    </dgm:fillClrLst>
+    <dgm:linClrLst meth="repeat">
+      <a:schemeClr val="accent6">
+        <a:alpha val="90000"/>
+        <a:tint val="40000"/>
+      </a:schemeClr>
+    </dgm:linClrLst>
+    <dgm:effectClrLst/>
+    <dgm:txLinClrLst/>
+    <dgm:txFillClrLst meth="repeat">
+      <a:schemeClr val="dk1"/>
+    </dgm:txFillClrLst>
+    <dgm:txEffectClrLst/>
+  </dgm:styleLbl>
+  <dgm:styleLbl name="fgAcc0">
+    <dgm:fillClrLst meth="repeat">
+      <a:schemeClr val="lt1">
+        <a:alpha val="90000"/>
+      </a:schemeClr>
+    </dgm:fillClrLst>
+    <dgm:linClrLst meth="repeat">
+      <a:schemeClr val="accent6"/>
+    </dgm:linClrLst>
+    <dgm:effectClrLst/>
+    <dgm:txLinClrLst/>
+    <dgm:txFillClrLst meth="repeat">
+      <a:schemeClr val="dk1"/>
+    </dgm:txFillClrLst>
+    <dgm:txEffectClrLst/>
+  </dgm:styleLbl>
+  <dgm:styleLbl name="fgAcc2">
+    <dgm:fillClrLst meth="repeat">
+      <a:schemeClr val="lt1">
+        <a:alpha val="90000"/>
+      </a:schemeClr>
+    </dgm:fillClrLst>
+    <dgm:linClrLst meth="repeat">
+      <a:schemeClr val="accent6"/>
+    </dgm:linClrLst>
+    <dgm:effectClrLst/>
+    <dgm:txLinClrLst/>
+    <dgm:txFillClrLst meth="repeat">
+      <a:schemeClr val="dk1"/>
+    </dgm:txFillClrLst>
+    <dgm:txEffectClrLst/>
+  </dgm:styleLbl>
+  <dgm:styleLbl name="fgAcc3">
+    <dgm:fillClrLst meth="repeat">
+      <a:schemeClr val="lt1">
+        <a:alpha val="90000"/>
+      </a:schemeClr>
+    </dgm:fillClrLst>
+    <dgm:linClrLst meth="repeat">
+      <a:schemeClr val="accent6"/>
+    </dgm:linClrLst>
+    <dgm:effectClrLst/>
+    <dgm:txLinClrLst/>
+    <dgm:txFillClrLst meth="repeat">
+      <a:schemeClr val="dk1"/>
+    </dgm:txFillClrLst>
+    <dgm:txEffectClrLst/>
+  </dgm:styleLbl>
+  <dgm:styleLbl name="fgAcc4">
+    <dgm:fillClrLst meth="repeat">
+      <a:schemeClr val="lt1">
+        <a:alpha val="90000"/>
+      </a:schemeClr>
+    </dgm:fillClrLst>
+    <dgm:linClrLst meth="repeat">
+      <a:schemeClr val="accent6"/>
+    </dgm:linClrLst>
+    <dgm:effectClrLst/>
+    <dgm:txLinClrLst/>
+    <dgm:txFillClrLst meth="repeat">
+      <a:schemeClr val="dk1"/>
+    </dgm:txFillClrLst>
+    <dgm:txEffectClrLst/>
+  </dgm:styleLbl>
+  <dgm:styleLbl name="bgShp">
+    <dgm:fillClrLst meth="repeat">
+      <a:schemeClr val="bg1">
+        <a:lumMod val="95000"/>
+      </a:schemeClr>
+    </dgm:fillClrLst>
+    <dgm:linClrLst meth="repeat">
+      <a:schemeClr val="accent6"/>
+    </dgm:linClrLst>
+    <dgm:effectClrLst/>
+    <dgm:txLinClrLst/>
+    <dgm:txFillClrLst meth="repeat">
+      <a:schemeClr val="dk1"/>
+    </dgm:txFillClrLst>
+    <dgm:txEffectClrLst/>
+  </dgm:styleLbl>
+  <dgm:styleLbl name="dkBgShp">
+    <dgm:fillClrLst meth="repeat">
+      <a:schemeClr val="accent6">
+        <a:shade val="80000"/>
+      </a:schemeClr>
+    </dgm:fillClrLst>
+    <dgm:linClrLst meth="repeat">
+      <a:schemeClr val="accent6"/>
+    </dgm:linClrLst>
+    <dgm:effectClrLst/>
+    <dgm:txLinClrLst/>
+    <dgm:txFillClrLst meth="repeat">
+      <a:schemeClr val="lt1"/>
+    </dgm:txFillClrLst>
+    <dgm:txEffectClrLst/>
+  </dgm:styleLbl>
+  <dgm:styleLbl name="trBgShp">
+    <dgm:fillClrLst meth="repeat">
+      <a:schemeClr val="accent6">
+        <a:tint val="50000"/>
+        <a:alpha val="40000"/>
+      </a:schemeClr>
+    </dgm:fillClrLst>
+    <dgm:linClrLst meth="repeat">
+      <a:schemeClr val="accent6"/>
+    </dgm:linClrLst>
+    <dgm:effectClrLst/>
+    <dgm:txLinClrLst/>
+    <dgm:txFillClrLst meth="repeat">
+      <a:schemeClr val="lt1"/>
+    </dgm:txFillClrLst>
+    <dgm:txEffectClrLst/>
+  </dgm:styleLbl>
+  <dgm:styleLbl name="fgShp">
+    <dgm:fillClrLst meth="repeat">
+      <a:schemeClr val="accent6">
+        <a:tint val="60000"/>
+      </a:schemeClr>
+    </dgm:fillClrLst>
+    <dgm:linClrLst meth="repeat">
+      <a:schemeClr val="lt1"/>
+    </dgm:linClrLst>
+    <dgm:effectClrLst/>
+    <dgm:txLinClrLst/>
+    <dgm:txFillClrLst meth="repeat">
+      <a:schemeClr val="dk1"/>
+    </dgm:txFillClrLst>
+    <dgm:txEffectClrLst/>
+  </dgm:styleLbl>
+  <dgm:styleLbl name="revTx">
+    <dgm:fillClrLst meth="repeat">
+      <a:schemeClr val="lt1">
+        <a:alpha val="0"/>
+      </a:schemeClr>
+    </dgm:fillClrLst>
+    <dgm:linClrLst meth="repeat">
+      <a:schemeClr val="dk1">
+        <a:alpha val="0"/>
+      </a:schemeClr>
+    </dgm:linClrLst>
+    <dgm:effectClrLst/>
+    <dgm:txLinClrLst/>
+    <dgm:txFillClrLst meth="repeat">
+      <a:schemeClr val="tx1"/>
+    </dgm:txFillClrLst>
+    <dgm:txEffectClrLst/>
+  </dgm:styleLbl>
+</dgm:colorsDef>
+</file>
+
+<file path=ppt/diagrams/colors5.xml><?xml version="1.0" encoding="utf-8"?>
+<dgm:colorsDef xmlns:dgm="http://schemas.openxmlformats.org/drawingml/2006/diagram" xmlns:a="http://schemas.openxmlformats.org/drawingml/2006/main" uniqueId="urn:microsoft.com/office/officeart/2018/5/colors/Iconchunking_neutralbg_colorful1">
   <dgm:title val=""/>
   <dgm:desc val=""/>
   <dgm:catLst>
@@ -2563,7 +3312,11 @@
   </dgm:styleLbl>
   <dgm:styleLbl name="node1">
     <dgm:fillClrLst meth="repeat">
-      <a:schemeClr val="bg1"/>
+      <a:schemeClr val="accent2"/>
+      <a:schemeClr val="accent3"/>
+      <a:schemeClr val="accent4"/>
+      <a:schemeClr val="accent5"/>
+      <a:schemeClr val="accent6"/>
     </dgm:fillClrLst>
     <dgm:linClrLst meth="repeat">
       <a:schemeClr val="lt1">
@@ -2572,9 +3325,7 @@
     </dgm:linClrLst>
     <dgm:effectClrLst/>
     <dgm:txLinClrLst/>
-    <dgm:txFillClrLst meth="repeat">
-      <a:schemeClr val="dk1"/>
-    </dgm:txFillClrLst>
+    <dgm:txFillClrLst/>
     <dgm:txEffectClrLst/>
   </dgm:styleLbl>
   <dgm:styleLbl name="alignNode1">
@@ -3377,20 +4128,18 @@
   </dgm:styleLbl>
   <dgm:styleLbl name="bgShp">
     <dgm:fillClrLst meth="repeat">
-      <a:schemeClr val="accent2"/>
-      <a:schemeClr val="accent3"/>
-      <a:schemeClr val="accent4"/>
-      <a:schemeClr val="accent5"/>
-      <a:schemeClr val="accent6"/>
+      <a:schemeClr val="bg1">
+        <a:lumMod val="95000"/>
+      </a:schemeClr>
     </dgm:fillClrLst>
     <dgm:linClrLst meth="repeat">
-      <a:schemeClr val="lt1">
-        <a:alpha val="0"/>
-      </a:schemeClr>
+      <a:schemeClr val="dk1"/>
     </dgm:linClrLst>
     <dgm:effectClrLst/>
     <dgm:txLinClrLst/>
-    <dgm:txFillClrLst/>
+    <dgm:txFillClrLst meth="repeat">
+      <a:schemeClr val="dk1"/>
+    </dgm:txFillClrLst>
     <dgm:txEffectClrLst/>
   </dgm:styleLbl>
   <dgm:styleLbl name="dkBgShp">
@@ -4305,7 +5054,7 @@
 <dgm:dataModel xmlns:dgm="http://schemas.openxmlformats.org/drawingml/2006/diagram" xmlns:a="http://schemas.openxmlformats.org/drawingml/2006/main">
   <dgm:ptLst>
     <dgm:pt modelId="{7D9C16A6-8C48-4165-8DAF-8C957C12A8FA}" type="doc">
-      <dgm:prSet loTypeId="urn:microsoft.com/office/officeart/2018/5/layout/IconCircleLabelList" loCatId="icon" qsTypeId="urn:microsoft.com/office/officeart/2005/8/quickstyle/simple1" qsCatId="simple" csTypeId="urn:microsoft.com/office/officeart/2018/5/colors/Iconchunking_neutralicon_colorful1" csCatId="colorful" phldr="1"/>
+      <dgm:prSet loTypeId="urn:microsoft.com/office/officeart/2018/2/layout/IconVerticalSolidList" loCatId="icon" qsTypeId="urn:microsoft.com/office/officeart/2005/8/quickstyle/simple1" qsCatId="simple" csTypeId="urn:microsoft.com/office/officeart/2018/5/colors/Iconchunking_neutralbg_accent6_2" csCatId="accent6" phldr="1"/>
       <dgm:spPr/>
     </dgm:pt>
     <dgm:pt modelId="{701D68F5-42F8-47BC-8FED-84C50F595DF0}">
@@ -4319,7 +5068,6 @@
             <a:lnSpc>
               <a:spcPct val="100000"/>
             </a:lnSpc>
-            <a:defRPr cap="all"/>
           </a:pPr>
           <a:r>
             <a:rPr lang="en-ZA"/>
@@ -4331,7 +5079,6 @@
             <a:lnSpc>
               <a:spcPct val="100000"/>
             </a:lnSpc>
-            <a:defRPr cap="all"/>
           </a:pPr>
           <a:r>
             <a:rPr lang="en-ZA"/>
@@ -4374,7 +5121,6 @@
             <a:lnSpc>
               <a:spcPct val="100000"/>
             </a:lnSpc>
-            <a:defRPr cap="all"/>
           </a:pPr>
           <a:r>
             <a:rPr lang="en-US"/>
@@ -4416,7 +5162,6 @@
             <a:lnSpc>
               <a:spcPct val="100000"/>
             </a:lnSpc>
-            <a:defRPr cap="all"/>
           </a:pPr>
           <a:r>
             <a:rPr lang="en-US"/>
@@ -4458,7 +5203,6 @@
             <a:lnSpc>
               <a:spcPct val="100000"/>
             </a:lnSpc>
-            <a:defRPr cap="all"/>
           </a:pPr>
           <a:r>
             <a:rPr lang="en-US"/>
@@ -4500,7 +5244,6 @@
             <a:lnSpc>
               <a:spcPct val="100000"/>
             </a:lnSpc>
-            <a:defRPr cap="all"/>
           </a:pPr>
           <a:r>
             <a:rPr lang="en-US"/>
@@ -4531,7 +5274,7 @@
         </a:p>
       </dgm:t>
     </dgm:pt>
-    <dgm:pt modelId="{57086333-B2BE-4707-AE59-28DA6EBDF1B4}" type="pres">
+    <dgm:pt modelId="{EE627B3D-C98D-4E79-916A-66931154D74F}" type="pres">
       <dgm:prSet presAssocID="{7D9C16A6-8C48-4165-8DAF-8C957C12A8FA}" presName="root" presStyleCnt="0">
         <dgm:presLayoutVars>
           <dgm:dir/>
@@ -4540,15 +5283,15 @@
       </dgm:prSet>
       <dgm:spPr/>
     </dgm:pt>
-    <dgm:pt modelId="{5F344F3E-13F9-4C35-8464-FEB740E657EE}" type="pres">
+    <dgm:pt modelId="{867DD059-BB40-4998-848E-30D60E4B470C}" type="pres">
       <dgm:prSet presAssocID="{701D68F5-42F8-47BC-8FED-84C50F595DF0}" presName="compNode" presStyleCnt="0"/>
       <dgm:spPr/>
     </dgm:pt>
-    <dgm:pt modelId="{B98E8329-724A-4842-BDB1-BC81AE0BD083}" type="pres">
-      <dgm:prSet presAssocID="{701D68F5-42F8-47BC-8FED-84C50F595DF0}" presName="iconBgRect" presStyleLbl="bgShp" presStyleIdx="0" presStyleCnt="5"/>
+    <dgm:pt modelId="{238FCC58-FD06-428B-A695-2720B70FFE59}" type="pres">
+      <dgm:prSet presAssocID="{701D68F5-42F8-47BC-8FED-84C50F595DF0}" presName="bgRect" presStyleLbl="bgShp" presStyleIdx="0" presStyleCnt="5"/>
       <dgm:spPr/>
     </dgm:pt>
-    <dgm:pt modelId="{A8C15507-A770-4B8B-ACF9-47876150D387}" type="pres">
+    <dgm:pt modelId="{19970556-2BAA-49DD-879D-55DD44A1126E}" type="pres">
       <dgm:prSet presAssocID="{701D68F5-42F8-47BC-8FED-84C50F595DF0}" presName="iconRect" presStyleLbl="node1" presStyleIdx="0" presStyleCnt="5"/>
       <dgm:spPr>
         <a:blipFill>
@@ -4566,6 +5309,9 @@
             <a:fillRect/>
           </a:stretch>
         </a:blipFill>
+        <a:ln>
+          <a:noFill/>
+        </a:ln>
       </dgm:spPr>
       <dgm:extLst>
         <a:ext uri="{E40237B7-FDA0-4F09-8148-C483321AD2D9}">
@@ -4573,32 +5319,32 @@
         </a:ext>
       </dgm:extLst>
     </dgm:pt>
-    <dgm:pt modelId="{C9606C18-30FC-405D-B940-E914181028A9}" type="pres">
+    <dgm:pt modelId="{497F977D-D89F-4589-B1E2-D62E054CDF61}" type="pres">
       <dgm:prSet presAssocID="{701D68F5-42F8-47BC-8FED-84C50F595DF0}" presName="spaceRect" presStyleCnt="0"/>
       <dgm:spPr/>
     </dgm:pt>
-    <dgm:pt modelId="{F907E966-9126-43AD-A301-7B51BB69D7F2}" type="pres">
-      <dgm:prSet presAssocID="{701D68F5-42F8-47BC-8FED-84C50F595DF0}" presName="textRect" presStyleLbl="revTx" presStyleIdx="0" presStyleCnt="5">
+    <dgm:pt modelId="{1F791060-7B5A-4318-909F-9E6024EB846F}" type="pres">
+      <dgm:prSet presAssocID="{701D68F5-42F8-47BC-8FED-84C50F595DF0}" presName="parTx" presStyleLbl="revTx" presStyleIdx="0" presStyleCnt="5">
         <dgm:presLayoutVars>
-          <dgm:chMax val="1"/>
-          <dgm:chPref val="1"/>
+          <dgm:chMax val="0"/>
+          <dgm:chPref val="0"/>
         </dgm:presLayoutVars>
       </dgm:prSet>
       <dgm:spPr/>
     </dgm:pt>
-    <dgm:pt modelId="{4FA2507F-B6DB-442B-9CB5-FD3091462164}" type="pres">
+    <dgm:pt modelId="{AF6A76FB-8873-4CD8-829E-DCE7183134A8}" type="pres">
       <dgm:prSet presAssocID="{0C95B389-AC0C-4055-9AA3-38815EFC8B0A}" presName="sibTrans" presStyleCnt="0"/>
       <dgm:spPr/>
     </dgm:pt>
-    <dgm:pt modelId="{B004B899-573B-4C0C-BDD2-4A4C8822A254}" type="pres">
+    <dgm:pt modelId="{4E1A3192-AEB1-4AF6-A73F-14A135140AA4}" type="pres">
       <dgm:prSet presAssocID="{91A66877-AC1C-46D9-BF2C-6024B638DEA9}" presName="compNode" presStyleCnt="0"/>
       <dgm:spPr/>
     </dgm:pt>
-    <dgm:pt modelId="{21291F38-BEB4-4BFF-9FD3-E98BF69DF214}" type="pres">
-      <dgm:prSet presAssocID="{91A66877-AC1C-46D9-BF2C-6024B638DEA9}" presName="iconBgRect" presStyleLbl="bgShp" presStyleIdx="1" presStyleCnt="5"/>
+    <dgm:pt modelId="{8766BF58-B9B8-46D0-B05D-A042D0524079}" type="pres">
+      <dgm:prSet presAssocID="{91A66877-AC1C-46D9-BF2C-6024B638DEA9}" presName="bgRect" presStyleLbl="bgShp" presStyleIdx="1" presStyleCnt="5"/>
       <dgm:spPr/>
     </dgm:pt>
-    <dgm:pt modelId="{D2EF5687-00EB-46EC-973D-F1BF7DF1D4F4}" type="pres">
+    <dgm:pt modelId="{23C7FF04-21A4-4B5D-BAC9-1C4DFAFFFFCD}" type="pres">
       <dgm:prSet presAssocID="{91A66877-AC1C-46D9-BF2C-6024B638DEA9}" presName="iconRect" presStyleLbl="node1" presStyleIdx="1" presStyleCnt="5"/>
       <dgm:spPr>
         <a:blipFill>
@@ -4616,6 +5362,9 @@
             <a:fillRect/>
           </a:stretch>
         </a:blipFill>
+        <a:ln>
+          <a:noFill/>
+        </a:ln>
       </dgm:spPr>
       <dgm:extLst>
         <a:ext uri="{E40237B7-FDA0-4F09-8148-C483321AD2D9}">
@@ -4623,32 +5372,32 @@
         </a:ext>
       </dgm:extLst>
     </dgm:pt>
-    <dgm:pt modelId="{25370FD8-9975-4290-81D0-9DDB8637A652}" type="pres">
+    <dgm:pt modelId="{657FC63C-D699-4B90-8AD4-C104FB875E46}" type="pres">
       <dgm:prSet presAssocID="{91A66877-AC1C-46D9-BF2C-6024B638DEA9}" presName="spaceRect" presStyleCnt="0"/>
       <dgm:spPr/>
     </dgm:pt>
-    <dgm:pt modelId="{B5F3A976-7DD6-44AD-B7B5-7F8D2AA512AD}" type="pres">
-      <dgm:prSet presAssocID="{91A66877-AC1C-46D9-BF2C-6024B638DEA9}" presName="textRect" presStyleLbl="revTx" presStyleIdx="1" presStyleCnt="5">
+    <dgm:pt modelId="{1D4C18A5-7BFF-441A-BB61-A9AAC50B79E0}" type="pres">
+      <dgm:prSet presAssocID="{91A66877-AC1C-46D9-BF2C-6024B638DEA9}" presName="parTx" presStyleLbl="revTx" presStyleIdx="1" presStyleCnt="5">
         <dgm:presLayoutVars>
-          <dgm:chMax val="1"/>
-          <dgm:chPref val="1"/>
+          <dgm:chMax val="0"/>
+          <dgm:chPref val="0"/>
         </dgm:presLayoutVars>
       </dgm:prSet>
       <dgm:spPr/>
     </dgm:pt>
-    <dgm:pt modelId="{1A0AF455-F8DD-45DA-AA8A-58810E3F259B}" type="pres">
+    <dgm:pt modelId="{BEDF071C-7812-40E8-AF8F-80BC70FD3297}" type="pres">
       <dgm:prSet presAssocID="{BFCE4A28-C381-46FF-935A-B11534EF7D87}" presName="sibTrans" presStyleCnt="0"/>
       <dgm:spPr/>
     </dgm:pt>
-    <dgm:pt modelId="{7537C3D8-BBE7-3A4F-A86C-AA7D91E8F827}" type="pres">
+    <dgm:pt modelId="{38FF333F-423D-43E8-98F1-E77F9107A42C}" type="pres">
       <dgm:prSet presAssocID="{141C9A72-CF8D-1044-BD69-7DB16EFD413C}" presName="compNode" presStyleCnt="0"/>
       <dgm:spPr/>
     </dgm:pt>
-    <dgm:pt modelId="{30F2690E-2AC3-6649-A9EB-76EF62094C14}" type="pres">
-      <dgm:prSet presAssocID="{141C9A72-CF8D-1044-BD69-7DB16EFD413C}" presName="iconBgRect" presStyleLbl="bgShp" presStyleIdx="2" presStyleCnt="5"/>
+    <dgm:pt modelId="{FFE937CE-7313-4D14-84FB-BFBBF6F0345D}" type="pres">
+      <dgm:prSet presAssocID="{141C9A72-CF8D-1044-BD69-7DB16EFD413C}" presName="bgRect" presStyleLbl="bgShp" presStyleIdx="2" presStyleCnt="5"/>
       <dgm:spPr/>
     </dgm:pt>
-    <dgm:pt modelId="{7447CE52-1097-374F-9AF4-6B1ABB0FBBE0}" type="pres">
+    <dgm:pt modelId="{E434DE29-D72A-4AE0-B6DB-F75F833A747E}" type="pres">
       <dgm:prSet presAssocID="{141C9A72-CF8D-1044-BD69-7DB16EFD413C}" presName="iconRect" presStyleLbl="node1" presStyleIdx="2" presStyleCnt="5"/>
       <dgm:spPr>
         <a:blipFill>
@@ -4666,6 +5415,9 @@
             <a:fillRect/>
           </a:stretch>
         </a:blipFill>
+        <a:ln>
+          <a:noFill/>
+        </a:ln>
       </dgm:spPr>
       <dgm:extLst>
         <a:ext uri="{E40237B7-FDA0-4F09-8148-C483321AD2D9}">
@@ -4673,32 +5425,32 @@
         </a:ext>
       </dgm:extLst>
     </dgm:pt>
-    <dgm:pt modelId="{BAC433A1-C8AC-8447-8C27-EF0406F720CC}" type="pres">
+    <dgm:pt modelId="{95475A3C-7E1E-4F69-AC26-B2914AD9349A}" type="pres">
       <dgm:prSet presAssocID="{141C9A72-CF8D-1044-BD69-7DB16EFD413C}" presName="spaceRect" presStyleCnt="0"/>
       <dgm:spPr/>
     </dgm:pt>
-    <dgm:pt modelId="{868038C0-19B7-6443-A624-14FF98D0ED9B}" type="pres">
-      <dgm:prSet presAssocID="{141C9A72-CF8D-1044-BD69-7DB16EFD413C}" presName="textRect" presStyleLbl="revTx" presStyleIdx="2" presStyleCnt="5">
+    <dgm:pt modelId="{E930F09E-9985-479A-A5CD-BF8452CC6C21}" type="pres">
+      <dgm:prSet presAssocID="{141C9A72-CF8D-1044-BD69-7DB16EFD413C}" presName="parTx" presStyleLbl="revTx" presStyleIdx="2" presStyleCnt="5">
         <dgm:presLayoutVars>
-          <dgm:chMax val="1"/>
-          <dgm:chPref val="1"/>
+          <dgm:chMax val="0"/>
+          <dgm:chPref val="0"/>
         </dgm:presLayoutVars>
       </dgm:prSet>
       <dgm:spPr/>
     </dgm:pt>
-    <dgm:pt modelId="{FDFDEB15-2DDF-9749-90F1-61EA97BBB839}" type="pres">
+    <dgm:pt modelId="{E266BF09-D6F2-4A94-85D8-F9C42BCB76E6}" type="pres">
       <dgm:prSet presAssocID="{A04FE64A-4355-374C-A87D-DEB9B1140585}" presName="sibTrans" presStyleCnt="0"/>
       <dgm:spPr/>
     </dgm:pt>
-    <dgm:pt modelId="{76B97C67-092D-4CA9-8920-6B5FBAC5BB7C}" type="pres">
+    <dgm:pt modelId="{B7833D6B-5E07-452E-87C4-07B6070AF47B}" type="pres">
       <dgm:prSet presAssocID="{76CC3289-2662-43F0-A3C6-BA04A135F08C}" presName="compNode" presStyleCnt="0"/>
       <dgm:spPr/>
     </dgm:pt>
-    <dgm:pt modelId="{22DB6CC2-6849-4159-8523-D6FD6C8F0B3F}" type="pres">
-      <dgm:prSet presAssocID="{76CC3289-2662-43F0-A3C6-BA04A135F08C}" presName="iconBgRect" presStyleLbl="bgShp" presStyleIdx="3" presStyleCnt="5"/>
+    <dgm:pt modelId="{B2FEEE90-7614-4561-A3D0-45F1733F9FC5}" type="pres">
+      <dgm:prSet presAssocID="{76CC3289-2662-43F0-A3C6-BA04A135F08C}" presName="bgRect" presStyleLbl="bgShp" presStyleIdx="3" presStyleCnt="5"/>
       <dgm:spPr/>
     </dgm:pt>
-    <dgm:pt modelId="{A01B0758-6CEE-43E3-BE47-4434E1C84DF4}" type="pres">
+    <dgm:pt modelId="{88CE6AD8-6CC8-4ADF-829F-91CA4DB5BFB8}" type="pres">
       <dgm:prSet presAssocID="{76CC3289-2662-43F0-A3C6-BA04A135F08C}" presName="iconRect" presStyleLbl="node1" presStyleIdx="3" presStyleCnt="5"/>
       <dgm:spPr>
         <a:blipFill>
@@ -4716,6 +5468,9 @@
             <a:fillRect/>
           </a:stretch>
         </a:blipFill>
+        <a:ln>
+          <a:noFill/>
+        </a:ln>
       </dgm:spPr>
       <dgm:extLst>
         <a:ext uri="{E40237B7-FDA0-4F09-8148-C483321AD2D9}">
@@ -4723,47 +5478,52 @@
         </a:ext>
       </dgm:extLst>
     </dgm:pt>
-    <dgm:pt modelId="{3FBC581C-E28A-417E-A301-74BC34B5172F}" type="pres">
+    <dgm:pt modelId="{783B9E0B-B0ED-41A6-8561-3A8EBB858EDC}" type="pres">
       <dgm:prSet presAssocID="{76CC3289-2662-43F0-A3C6-BA04A135F08C}" presName="spaceRect" presStyleCnt="0"/>
       <dgm:spPr/>
     </dgm:pt>
-    <dgm:pt modelId="{7CEACD3B-C379-4355-8D53-05F6B1182480}" type="pres">
-      <dgm:prSet presAssocID="{76CC3289-2662-43F0-A3C6-BA04A135F08C}" presName="textRect" presStyleLbl="revTx" presStyleIdx="3" presStyleCnt="5">
+    <dgm:pt modelId="{9B85EEC3-F07F-4E5B-8069-1989CAA77DCA}" type="pres">
+      <dgm:prSet presAssocID="{76CC3289-2662-43F0-A3C6-BA04A135F08C}" presName="parTx" presStyleLbl="revTx" presStyleIdx="3" presStyleCnt="5">
         <dgm:presLayoutVars>
-          <dgm:chMax val="1"/>
-          <dgm:chPref val="1"/>
+          <dgm:chMax val="0"/>
+          <dgm:chPref val="0"/>
         </dgm:presLayoutVars>
       </dgm:prSet>
       <dgm:spPr/>
     </dgm:pt>
-    <dgm:pt modelId="{2B1DB7E0-55AE-814C-9590-6B2F762F8FF3}" type="pres">
+    <dgm:pt modelId="{652C0580-BE3F-4CE7-B41F-7517AA8BB7C7}" type="pres">
       <dgm:prSet presAssocID="{FA28C9D6-476E-43CD-BA23-D6D990FD78D0}" presName="sibTrans" presStyleCnt="0"/>
       <dgm:spPr/>
     </dgm:pt>
-    <dgm:pt modelId="{0D914781-A536-B845-A026-1CD22F7F1452}" type="pres">
+    <dgm:pt modelId="{EC7112F2-7C47-4C54-867C-D9A641496E23}" type="pres">
       <dgm:prSet presAssocID="{00A9338C-B89D-4D42-B3E8-281A9E576C9A}" presName="compNode" presStyleCnt="0"/>
       <dgm:spPr/>
     </dgm:pt>
-    <dgm:pt modelId="{E02A42FD-60FF-014E-B921-B3C34AA96438}" type="pres">
-      <dgm:prSet presAssocID="{00A9338C-B89D-4D42-B3E8-281A9E576C9A}" presName="iconBgRect" presStyleLbl="bgShp" presStyleIdx="4" presStyleCnt="5"/>
+    <dgm:pt modelId="{C1EEC1F8-62EA-46E1-8C72-B8323603F2FE}" type="pres">
+      <dgm:prSet presAssocID="{00A9338C-B89D-4D42-B3E8-281A9E576C9A}" presName="bgRect" presStyleLbl="bgShp" presStyleIdx="4" presStyleCnt="5"/>
       <dgm:spPr/>
     </dgm:pt>
-    <dgm:pt modelId="{6C7EEC1D-D307-9245-B4C1-2BB331FE1DE7}" type="pres">
+    <dgm:pt modelId="{CC580F91-4DCE-4C86-A71C-F2D9425BB7DD}" type="pres">
       <dgm:prSet presAssocID="{00A9338C-B89D-4D42-B3E8-281A9E576C9A}" presName="iconRect" presStyleLbl="node1" presStyleIdx="4" presStyleCnt="5"/>
       <dgm:spPr>
         <a:blipFill>
           <a:blip xmlns:r="http://schemas.openxmlformats.org/officeDocument/2006/relationships" r:embed="rId9">
             <a:extLst>
+              <a:ext uri="{28A0092B-C50C-407E-A947-70E740481C1C}">
+                <a14:useLocalDpi xmlns:a14="http://schemas.microsoft.com/office/drawing/2010/main" val="0"/>
+              </a:ext>
               <a:ext uri="{96DAC541-7B7A-43D3-8B79-37D633B846F1}">
                 <asvg:svgBlip xmlns:asvg="http://schemas.microsoft.com/office/drawing/2016/SVG/main" r:embed="rId10"/>
               </a:ext>
             </a:extLst>
           </a:blip>
-          <a:srcRect/>
           <a:stretch>
             <a:fillRect/>
           </a:stretch>
         </a:blipFill>
+        <a:ln>
+          <a:noFill/>
+        </a:ln>
       </dgm:spPr>
       <dgm:extLst>
         <a:ext uri="{E40237B7-FDA0-4F09-8148-C483321AD2D9}">
@@ -4771,15 +5531,15 @@
         </a:ext>
       </dgm:extLst>
     </dgm:pt>
-    <dgm:pt modelId="{F578D4B5-9D43-C240-8BD7-F48CB50E0A00}" type="pres">
+    <dgm:pt modelId="{F6975E8D-AAB7-4897-A1F0-E99916049323}" type="pres">
       <dgm:prSet presAssocID="{00A9338C-B89D-4D42-B3E8-281A9E576C9A}" presName="spaceRect" presStyleCnt="0"/>
       <dgm:spPr/>
     </dgm:pt>
-    <dgm:pt modelId="{07C13D1E-E201-154B-BD33-A3CC381BD3F6}" type="pres">
-      <dgm:prSet presAssocID="{00A9338C-B89D-4D42-B3E8-281A9E576C9A}" presName="textRect" presStyleLbl="revTx" presStyleIdx="4" presStyleCnt="5">
+    <dgm:pt modelId="{2BCE94D9-5DBF-4706-AAA8-A41B28C39EAC}" type="pres">
+      <dgm:prSet presAssocID="{00A9338C-B89D-4D42-B3E8-281A9E576C9A}" presName="parTx" presStyleLbl="revTx" presStyleIdx="4" presStyleCnt="5">
         <dgm:presLayoutVars>
-          <dgm:chMax val="1"/>
-          <dgm:chPref val="1"/>
+          <dgm:chMax val="0"/>
+          <dgm:chPref val="0"/>
         </dgm:presLayoutVars>
       </dgm:prSet>
       <dgm:spPr/>
@@ -4787,54 +5547,494 @@
   </dgm:ptLst>
   <dgm:cxnLst>
     <dgm:cxn modelId="{DB869B00-D96A-3A47-B132-150809F737D4}" srcId="{7D9C16A6-8C48-4165-8DAF-8C957C12A8FA}" destId="{00A9338C-B89D-4D42-B3E8-281A9E576C9A}" srcOrd="4" destOrd="0" parTransId="{24EAE81B-FE56-D548-9D11-E6BF4BCBFAD6}" sibTransId="{7DEC1430-C154-A04E-ADA7-A7B390B6F7A8}"/>
-    <dgm:cxn modelId="{09C95540-F8DC-0346-9D7D-26DADC651309}" type="presOf" srcId="{91A66877-AC1C-46D9-BF2C-6024B638DEA9}" destId="{B5F3A976-7DD6-44AD-B7B5-7F8D2AA512AD}" srcOrd="0" destOrd="0" presId="urn:microsoft.com/office/officeart/2018/5/layout/IconCircleLabelList"/>
+    <dgm:cxn modelId="{83C55033-5427-4946-BD70-BFC5FF11F0F0}" type="presOf" srcId="{701D68F5-42F8-47BC-8FED-84C50F595DF0}" destId="{1F791060-7B5A-4318-909F-9E6024EB846F}" srcOrd="0" destOrd="0" presId="urn:microsoft.com/office/officeart/2018/2/layout/IconVerticalSolidList"/>
+    <dgm:cxn modelId="{C56D573E-5BEC-1745-92B9-3E612AC4747B}" type="presOf" srcId="{91A66877-AC1C-46D9-BF2C-6024B638DEA9}" destId="{1D4C18A5-7BFF-441A-BB61-A9AAC50B79E0}" srcOrd="0" destOrd="0" presId="urn:microsoft.com/office/officeart/2018/2/layout/IconVerticalSolidList"/>
     <dgm:cxn modelId="{C4BA385D-31ED-40EF-A5D6-98DFBA64E71A}" srcId="{7D9C16A6-8C48-4165-8DAF-8C957C12A8FA}" destId="{701D68F5-42F8-47BC-8FED-84C50F595DF0}" srcOrd="0" destOrd="0" parTransId="{9617668C-C38C-4017-8DDF-37855B15D110}" sibTransId="{0C95B389-AC0C-4055-9AA3-38815EFC8B0A}"/>
     <dgm:cxn modelId="{0400886E-8A1A-44C2-95A7-DB0EF4911494}" srcId="{7D9C16A6-8C48-4165-8DAF-8C957C12A8FA}" destId="{76CC3289-2662-43F0-A3C6-BA04A135F08C}" srcOrd="3" destOrd="0" parTransId="{D46DB4DA-1442-4ECE-89FE-BBB1E3489E3D}" sibTransId="{FA28C9D6-476E-43CD-BA23-D6D990FD78D0}"/>
     <dgm:cxn modelId="{7F0DAB6F-9257-4F2D-B31A-3418F73F6952}" srcId="{7D9C16A6-8C48-4165-8DAF-8C957C12A8FA}" destId="{91A66877-AC1C-46D9-BF2C-6024B638DEA9}" srcOrd="1" destOrd="0" parTransId="{913FED05-DF41-48A7-B1F8-81937A468EF9}" sibTransId="{BFCE4A28-C381-46FF-935A-B11534EF7D87}"/>
-    <dgm:cxn modelId="{5D5ACF83-6AB9-D44F-9119-618EC9C30B84}" type="presOf" srcId="{701D68F5-42F8-47BC-8FED-84C50F595DF0}" destId="{F907E966-9126-43AD-A301-7B51BB69D7F2}" srcOrd="0" destOrd="0" presId="urn:microsoft.com/office/officeart/2018/5/layout/IconCircleLabelList"/>
-    <dgm:cxn modelId="{AB342C86-E5D8-CD45-8BE5-28904D6A579E}" type="presOf" srcId="{141C9A72-CF8D-1044-BD69-7DB16EFD413C}" destId="{868038C0-19B7-6443-A624-14FF98D0ED9B}" srcOrd="0" destOrd="0" presId="urn:microsoft.com/office/officeart/2018/5/layout/IconCircleLabelList"/>
-    <dgm:cxn modelId="{744A4486-9096-204D-AC7E-74A8B2ACDBEC}" type="presOf" srcId="{76CC3289-2662-43F0-A3C6-BA04A135F08C}" destId="{7CEACD3B-C379-4355-8D53-05F6B1182480}" srcOrd="0" destOrd="0" presId="urn:microsoft.com/office/officeart/2018/5/layout/IconCircleLabelList"/>
-    <dgm:cxn modelId="{42CC4ACB-9B59-D547-80B3-7664FB5569AF}" type="presOf" srcId="{00A9338C-B89D-4D42-B3E8-281A9E576C9A}" destId="{07C13D1E-E201-154B-BD33-A3CC381BD3F6}" srcOrd="0" destOrd="0" presId="urn:microsoft.com/office/officeart/2018/5/layout/IconCircleLabelList"/>
+    <dgm:cxn modelId="{6EBC9770-3846-8442-9837-1315C0070141}" type="presOf" srcId="{76CC3289-2662-43F0-A3C6-BA04A135F08C}" destId="{9B85EEC3-F07F-4E5B-8069-1989CAA77DCA}" srcOrd="0" destOrd="0" presId="urn:microsoft.com/office/officeart/2018/2/layout/IconVerticalSolidList"/>
+    <dgm:cxn modelId="{EFA9EB80-1DA2-2E40-8178-E0EBE067EF42}" type="presOf" srcId="{00A9338C-B89D-4D42-B3E8-281A9E576C9A}" destId="{2BCE94D9-5DBF-4706-AAA8-A41B28C39EAC}" srcOrd="0" destOrd="0" presId="urn:microsoft.com/office/officeart/2018/2/layout/IconVerticalSolidList"/>
+    <dgm:cxn modelId="{9A31F895-9189-EE46-B6DF-3FD4B0DFEADD}" type="presOf" srcId="{7D9C16A6-8C48-4165-8DAF-8C957C12A8FA}" destId="{EE627B3D-C98D-4E79-916A-66931154D74F}" srcOrd="0" destOrd="0" presId="urn:microsoft.com/office/officeart/2018/2/layout/IconVerticalSolidList"/>
+    <dgm:cxn modelId="{2C7BE4E5-76FE-874F-80CA-2044F871DD8B}" type="presOf" srcId="{141C9A72-CF8D-1044-BD69-7DB16EFD413C}" destId="{E930F09E-9985-479A-A5CD-BF8452CC6C21}" srcOrd="0" destOrd="0" presId="urn:microsoft.com/office/officeart/2018/2/layout/IconVerticalSolidList"/>
     <dgm:cxn modelId="{F20C6DE7-1E32-4C4A-A3E8-E54601013319}" srcId="{7D9C16A6-8C48-4165-8DAF-8C957C12A8FA}" destId="{141C9A72-CF8D-1044-BD69-7DB16EFD413C}" srcOrd="2" destOrd="0" parTransId="{D381B51A-8E8F-B64B-A93D-40A8A3FAE00F}" sibTransId="{A04FE64A-4355-374C-A87D-DEB9B1140585}"/>
-    <dgm:cxn modelId="{073625E9-B863-FB43-A11F-130963B65AE9}" type="presOf" srcId="{7D9C16A6-8C48-4165-8DAF-8C957C12A8FA}" destId="{57086333-B2BE-4707-AE59-28DA6EBDF1B4}" srcOrd="0" destOrd="0" presId="urn:microsoft.com/office/officeart/2018/5/layout/IconCircleLabelList"/>
-    <dgm:cxn modelId="{99C96D1F-91AC-5743-8280-B0D13314932F}" type="presParOf" srcId="{57086333-B2BE-4707-AE59-28DA6EBDF1B4}" destId="{5F344F3E-13F9-4C35-8464-FEB740E657EE}" srcOrd="0" destOrd="0" presId="urn:microsoft.com/office/officeart/2018/5/layout/IconCircleLabelList"/>
-    <dgm:cxn modelId="{1986DE2D-0CCF-C44B-BD91-625B6CF4E0A8}" type="presParOf" srcId="{5F344F3E-13F9-4C35-8464-FEB740E657EE}" destId="{B98E8329-724A-4842-BDB1-BC81AE0BD083}" srcOrd="0" destOrd="0" presId="urn:microsoft.com/office/officeart/2018/5/layout/IconCircleLabelList"/>
-    <dgm:cxn modelId="{5CD1AC7C-3DB6-2743-A1BF-8D588C168D27}" type="presParOf" srcId="{5F344F3E-13F9-4C35-8464-FEB740E657EE}" destId="{A8C15507-A770-4B8B-ACF9-47876150D387}" srcOrd="1" destOrd="0" presId="urn:microsoft.com/office/officeart/2018/5/layout/IconCircleLabelList"/>
-    <dgm:cxn modelId="{34304652-5145-4E47-A893-16E84C4EA51D}" type="presParOf" srcId="{5F344F3E-13F9-4C35-8464-FEB740E657EE}" destId="{C9606C18-30FC-405D-B940-E914181028A9}" srcOrd="2" destOrd="0" presId="urn:microsoft.com/office/officeart/2018/5/layout/IconCircleLabelList"/>
-    <dgm:cxn modelId="{7683CA4A-424A-F949-AC7D-49F957458CB6}" type="presParOf" srcId="{5F344F3E-13F9-4C35-8464-FEB740E657EE}" destId="{F907E966-9126-43AD-A301-7B51BB69D7F2}" srcOrd="3" destOrd="0" presId="urn:microsoft.com/office/officeart/2018/5/layout/IconCircleLabelList"/>
-    <dgm:cxn modelId="{B14F55FA-A43D-7A48-959C-51E22574304C}" type="presParOf" srcId="{57086333-B2BE-4707-AE59-28DA6EBDF1B4}" destId="{4FA2507F-B6DB-442B-9CB5-FD3091462164}" srcOrd="1" destOrd="0" presId="urn:microsoft.com/office/officeart/2018/5/layout/IconCircleLabelList"/>
-    <dgm:cxn modelId="{6859BD29-1B3C-6546-9216-73030A0B67C9}" type="presParOf" srcId="{57086333-B2BE-4707-AE59-28DA6EBDF1B4}" destId="{B004B899-573B-4C0C-BDD2-4A4C8822A254}" srcOrd="2" destOrd="0" presId="urn:microsoft.com/office/officeart/2018/5/layout/IconCircleLabelList"/>
-    <dgm:cxn modelId="{E29F699E-1D54-4C40-AD62-3AB44C8067AB}" type="presParOf" srcId="{B004B899-573B-4C0C-BDD2-4A4C8822A254}" destId="{21291F38-BEB4-4BFF-9FD3-E98BF69DF214}" srcOrd="0" destOrd="0" presId="urn:microsoft.com/office/officeart/2018/5/layout/IconCircleLabelList"/>
-    <dgm:cxn modelId="{28074F84-89D0-3A42-BB25-B9CBFC9CBC67}" type="presParOf" srcId="{B004B899-573B-4C0C-BDD2-4A4C8822A254}" destId="{D2EF5687-00EB-46EC-973D-F1BF7DF1D4F4}" srcOrd="1" destOrd="0" presId="urn:microsoft.com/office/officeart/2018/5/layout/IconCircleLabelList"/>
-    <dgm:cxn modelId="{DB09BB1C-B1F0-5D43-B0FC-C868ED4C1CF3}" type="presParOf" srcId="{B004B899-573B-4C0C-BDD2-4A4C8822A254}" destId="{25370FD8-9975-4290-81D0-9DDB8637A652}" srcOrd="2" destOrd="0" presId="urn:microsoft.com/office/officeart/2018/5/layout/IconCircleLabelList"/>
-    <dgm:cxn modelId="{D57E3E02-162C-1F49-82E8-301C0E800D70}" type="presParOf" srcId="{B004B899-573B-4C0C-BDD2-4A4C8822A254}" destId="{B5F3A976-7DD6-44AD-B7B5-7F8D2AA512AD}" srcOrd="3" destOrd="0" presId="urn:microsoft.com/office/officeart/2018/5/layout/IconCircleLabelList"/>
-    <dgm:cxn modelId="{F4BB33A9-ABED-7C42-A334-32F519EDF12C}" type="presParOf" srcId="{57086333-B2BE-4707-AE59-28DA6EBDF1B4}" destId="{1A0AF455-F8DD-45DA-AA8A-58810E3F259B}" srcOrd="3" destOrd="0" presId="urn:microsoft.com/office/officeart/2018/5/layout/IconCircleLabelList"/>
-    <dgm:cxn modelId="{F551EF49-5605-6247-B18D-D3B8A1EAE861}" type="presParOf" srcId="{57086333-B2BE-4707-AE59-28DA6EBDF1B4}" destId="{7537C3D8-BBE7-3A4F-A86C-AA7D91E8F827}" srcOrd="4" destOrd="0" presId="urn:microsoft.com/office/officeart/2018/5/layout/IconCircleLabelList"/>
-    <dgm:cxn modelId="{10B79F22-F24D-DA40-8BF4-4FCEBDDCFF8D}" type="presParOf" srcId="{7537C3D8-BBE7-3A4F-A86C-AA7D91E8F827}" destId="{30F2690E-2AC3-6649-A9EB-76EF62094C14}" srcOrd="0" destOrd="0" presId="urn:microsoft.com/office/officeart/2018/5/layout/IconCircleLabelList"/>
-    <dgm:cxn modelId="{6B2BBBDF-05B5-E24C-BF6C-13CB78CCCB8E}" type="presParOf" srcId="{7537C3D8-BBE7-3A4F-A86C-AA7D91E8F827}" destId="{7447CE52-1097-374F-9AF4-6B1ABB0FBBE0}" srcOrd="1" destOrd="0" presId="urn:microsoft.com/office/officeart/2018/5/layout/IconCircleLabelList"/>
-    <dgm:cxn modelId="{80362DBC-E41B-9940-9390-80DC45A1488A}" type="presParOf" srcId="{7537C3D8-BBE7-3A4F-A86C-AA7D91E8F827}" destId="{BAC433A1-C8AC-8447-8C27-EF0406F720CC}" srcOrd="2" destOrd="0" presId="urn:microsoft.com/office/officeart/2018/5/layout/IconCircleLabelList"/>
-    <dgm:cxn modelId="{0EF39AA4-9CDF-5540-BAD2-8196DFC29A69}" type="presParOf" srcId="{7537C3D8-BBE7-3A4F-A86C-AA7D91E8F827}" destId="{868038C0-19B7-6443-A624-14FF98D0ED9B}" srcOrd="3" destOrd="0" presId="urn:microsoft.com/office/officeart/2018/5/layout/IconCircleLabelList"/>
-    <dgm:cxn modelId="{274A8AAE-4561-6242-9986-B0E244D13587}" type="presParOf" srcId="{57086333-B2BE-4707-AE59-28DA6EBDF1B4}" destId="{FDFDEB15-2DDF-9749-90F1-61EA97BBB839}" srcOrd="5" destOrd="0" presId="urn:microsoft.com/office/officeart/2018/5/layout/IconCircleLabelList"/>
-    <dgm:cxn modelId="{19E7F1FA-A184-1C43-A870-2E68C5F9C90A}" type="presParOf" srcId="{57086333-B2BE-4707-AE59-28DA6EBDF1B4}" destId="{76B97C67-092D-4CA9-8920-6B5FBAC5BB7C}" srcOrd="6" destOrd="0" presId="urn:microsoft.com/office/officeart/2018/5/layout/IconCircleLabelList"/>
-    <dgm:cxn modelId="{D08A49A2-D73A-DB4E-A34A-B4206CDFDA5C}" type="presParOf" srcId="{76B97C67-092D-4CA9-8920-6B5FBAC5BB7C}" destId="{22DB6CC2-6849-4159-8523-D6FD6C8F0B3F}" srcOrd="0" destOrd="0" presId="urn:microsoft.com/office/officeart/2018/5/layout/IconCircleLabelList"/>
-    <dgm:cxn modelId="{C9FED010-5088-2349-A37E-B654B86C8E89}" type="presParOf" srcId="{76B97C67-092D-4CA9-8920-6B5FBAC5BB7C}" destId="{A01B0758-6CEE-43E3-BE47-4434E1C84DF4}" srcOrd="1" destOrd="0" presId="urn:microsoft.com/office/officeart/2018/5/layout/IconCircleLabelList"/>
-    <dgm:cxn modelId="{7DC5F063-D472-7644-BE9D-92625A86FE30}" type="presParOf" srcId="{76B97C67-092D-4CA9-8920-6B5FBAC5BB7C}" destId="{3FBC581C-E28A-417E-A301-74BC34B5172F}" srcOrd="2" destOrd="0" presId="urn:microsoft.com/office/officeart/2018/5/layout/IconCircleLabelList"/>
-    <dgm:cxn modelId="{46A3E949-827C-3A48-89B4-0D4DC487044A}" type="presParOf" srcId="{76B97C67-092D-4CA9-8920-6B5FBAC5BB7C}" destId="{7CEACD3B-C379-4355-8D53-05F6B1182480}" srcOrd="3" destOrd="0" presId="urn:microsoft.com/office/officeart/2018/5/layout/IconCircleLabelList"/>
-    <dgm:cxn modelId="{4FECDA43-A92B-7F41-90AA-CD9A93111A7E}" type="presParOf" srcId="{57086333-B2BE-4707-AE59-28DA6EBDF1B4}" destId="{2B1DB7E0-55AE-814C-9590-6B2F762F8FF3}" srcOrd="7" destOrd="0" presId="urn:microsoft.com/office/officeart/2018/5/layout/IconCircleLabelList"/>
-    <dgm:cxn modelId="{34ED96AB-4DD6-B54D-861B-380A1F20977B}" type="presParOf" srcId="{57086333-B2BE-4707-AE59-28DA6EBDF1B4}" destId="{0D914781-A536-B845-A026-1CD22F7F1452}" srcOrd="8" destOrd="0" presId="urn:microsoft.com/office/officeart/2018/5/layout/IconCircleLabelList"/>
-    <dgm:cxn modelId="{7D2F94EF-FBB1-CF48-8F63-D4C7BC7A27EB}" type="presParOf" srcId="{0D914781-A536-B845-A026-1CD22F7F1452}" destId="{E02A42FD-60FF-014E-B921-B3C34AA96438}" srcOrd="0" destOrd="0" presId="urn:microsoft.com/office/officeart/2018/5/layout/IconCircleLabelList"/>
-    <dgm:cxn modelId="{0E071E21-5B55-3A42-A118-97134446CDA9}" type="presParOf" srcId="{0D914781-A536-B845-A026-1CD22F7F1452}" destId="{6C7EEC1D-D307-9245-B4C1-2BB331FE1DE7}" srcOrd="1" destOrd="0" presId="urn:microsoft.com/office/officeart/2018/5/layout/IconCircleLabelList"/>
-    <dgm:cxn modelId="{0EAB656B-9DD7-0444-87A5-37D1C9FA88BA}" type="presParOf" srcId="{0D914781-A536-B845-A026-1CD22F7F1452}" destId="{F578D4B5-9D43-C240-8BD7-F48CB50E0A00}" srcOrd="2" destOrd="0" presId="urn:microsoft.com/office/officeart/2018/5/layout/IconCircleLabelList"/>
-    <dgm:cxn modelId="{65C5AA82-98E9-F444-BC5C-359559448BDD}" type="presParOf" srcId="{0D914781-A536-B845-A026-1CD22F7F1452}" destId="{07C13D1E-E201-154B-BD33-A3CC381BD3F6}" srcOrd="3" destOrd="0" presId="urn:microsoft.com/office/officeart/2018/5/layout/IconCircleLabelList"/>
+    <dgm:cxn modelId="{B2ECA8B1-7965-C849-B617-73C808F06AB7}" type="presParOf" srcId="{EE627B3D-C98D-4E79-916A-66931154D74F}" destId="{867DD059-BB40-4998-848E-30D60E4B470C}" srcOrd="0" destOrd="0" presId="urn:microsoft.com/office/officeart/2018/2/layout/IconVerticalSolidList"/>
+    <dgm:cxn modelId="{4853274F-88C9-8E43-9401-D3D443E1456A}" type="presParOf" srcId="{867DD059-BB40-4998-848E-30D60E4B470C}" destId="{238FCC58-FD06-428B-A695-2720B70FFE59}" srcOrd="0" destOrd="0" presId="urn:microsoft.com/office/officeart/2018/2/layout/IconVerticalSolidList"/>
+    <dgm:cxn modelId="{5C971EB5-0BA5-6343-81E2-B7F01F90201B}" type="presParOf" srcId="{867DD059-BB40-4998-848E-30D60E4B470C}" destId="{19970556-2BAA-49DD-879D-55DD44A1126E}" srcOrd="1" destOrd="0" presId="urn:microsoft.com/office/officeart/2018/2/layout/IconVerticalSolidList"/>
+    <dgm:cxn modelId="{94C1033C-974D-1F41-8543-0E25858C4A04}" type="presParOf" srcId="{867DD059-BB40-4998-848E-30D60E4B470C}" destId="{497F977D-D89F-4589-B1E2-D62E054CDF61}" srcOrd="2" destOrd="0" presId="urn:microsoft.com/office/officeart/2018/2/layout/IconVerticalSolidList"/>
+    <dgm:cxn modelId="{7FB59205-9CE6-1043-B268-54D97A30E865}" type="presParOf" srcId="{867DD059-BB40-4998-848E-30D60E4B470C}" destId="{1F791060-7B5A-4318-909F-9E6024EB846F}" srcOrd="3" destOrd="0" presId="urn:microsoft.com/office/officeart/2018/2/layout/IconVerticalSolidList"/>
+    <dgm:cxn modelId="{EC38AA6F-C473-E44E-AC8D-3CFD5F2A0A6D}" type="presParOf" srcId="{EE627B3D-C98D-4E79-916A-66931154D74F}" destId="{AF6A76FB-8873-4CD8-829E-DCE7183134A8}" srcOrd="1" destOrd="0" presId="urn:microsoft.com/office/officeart/2018/2/layout/IconVerticalSolidList"/>
+    <dgm:cxn modelId="{67BDAB87-FA4B-8C44-98A3-28080B859F61}" type="presParOf" srcId="{EE627B3D-C98D-4E79-916A-66931154D74F}" destId="{4E1A3192-AEB1-4AF6-A73F-14A135140AA4}" srcOrd="2" destOrd="0" presId="urn:microsoft.com/office/officeart/2018/2/layout/IconVerticalSolidList"/>
+    <dgm:cxn modelId="{00822AA3-9B4B-6C45-B303-7B7095368482}" type="presParOf" srcId="{4E1A3192-AEB1-4AF6-A73F-14A135140AA4}" destId="{8766BF58-B9B8-46D0-B05D-A042D0524079}" srcOrd="0" destOrd="0" presId="urn:microsoft.com/office/officeart/2018/2/layout/IconVerticalSolidList"/>
+    <dgm:cxn modelId="{8CCB0B58-240E-F248-8828-6A91E46FB531}" type="presParOf" srcId="{4E1A3192-AEB1-4AF6-A73F-14A135140AA4}" destId="{23C7FF04-21A4-4B5D-BAC9-1C4DFAFFFFCD}" srcOrd="1" destOrd="0" presId="urn:microsoft.com/office/officeart/2018/2/layout/IconVerticalSolidList"/>
+    <dgm:cxn modelId="{9E95E746-F26F-954D-B4AC-7C5FBDF9DBFB}" type="presParOf" srcId="{4E1A3192-AEB1-4AF6-A73F-14A135140AA4}" destId="{657FC63C-D699-4B90-8AD4-C104FB875E46}" srcOrd="2" destOrd="0" presId="urn:microsoft.com/office/officeart/2018/2/layout/IconVerticalSolidList"/>
+    <dgm:cxn modelId="{DE1CAAE0-681A-9644-8FF0-C6DE2BDA502D}" type="presParOf" srcId="{4E1A3192-AEB1-4AF6-A73F-14A135140AA4}" destId="{1D4C18A5-7BFF-441A-BB61-A9AAC50B79E0}" srcOrd="3" destOrd="0" presId="urn:microsoft.com/office/officeart/2018/2/layout/IconVerticalSolidList"/>
+    <dgm:cxn modelId="{5C5B9B4F-E24F-2F40-81BB-B9BFB2F861B5}" type="presParOf" srcId="{EE627B3D-C98D-4E79-916A-66931154D74F}" destId="{BEDF071C-7812-40E8-AF8F-80BC70FD3297}" srcOrd="3" destOrd="0" presId="urn:microsoft.com/office/officeart/2018/2/layout/IconVerticalSolidList"/>
+    <dgm:cxn modelId="{AAA63C2A-4D00-B84D-AD4B-B4B59F190D1C}" type="presParOf" srcId="{EE627B3D-C98D-4E79-916A-66931154D74F}" destId="{38FF333F-423D-43E8-98F1-E77F9107A42C}" srcOrd="4" destOrd="0" presId="urn:microsoft.com/office/officeart/2018/2/layout/IconVerticalSolidList"/>
+    <dgm:cxn modelId="{7F8BEB94-0D58-824A-8EB4-B3D9F91371A2}" type="presParOf" srcId="{38FF333F-423D-43E8-98F1-E77F9107A42C}" destId="{FFE937CE-7313-4D14-84FB-BFBBF6F0345D}" srcOrd="0" destOrd="0" presId="urn:microsoft.com/office/officeart/2018/2/layout/IconVerticalSolidList"/>
+    <dgm:cxn modelId="{C583CA1F-0031-2D46-AB19-C1D3CC4AF994}" type="presParOf" srcId="{38FF333F-423D-43E8-98F1-E77F9107A42C}" destId="{E434DE29-D72A-4AE0-B6DB-F75F833A747E}" srcOrd="1" destOrd="0" presId="urn:microsoft.com/office/officeart/2018/2/layout/IconVerticalSolidList"/>
+    <dgm:cxn modelId="{5A7B64FA-BD86-8B4A-9705-A351F4FC3AF7}" type="presParOf" srcId="{38FF333F-423D-43E8-98F1-E77F9107A42C}" destId="{95475A3C-7E1E-4F69-AC26-B2914AD9349A}" srcOrd="2" destOrd="0" presId="urn:microsoft.com/office/officeart/2018/2/layout/IconVerticalSolidList"/>
+    <dgm:cxn modelId="{157DA44D-4452-F547-88EE-5C1342EEC9AE}" type="presParOf" srcId="{38FF333F-423D-43E8-98F1-E77F9107A42C}" destId="{E930F09E-9985-479A-A5CD-BF8452CC6C21}" srcOrd="3" destOrd="0" presId="urn:microsoft.com/office/officeart/2018/2/layout/IconVerticalSolidList"/>
+    <dgm:cxn modelId="{9E14A0C8-0782-D941-9497-6905635DEB53}" type="presParOf" srcId="{EE627B3D-C98D-4E79-916A-66931154D74F}" destId="{E266BF09-D6F2-4A94-85D8-F9C42BCB76E6}" srcOrd="5" destOrd="0" presId="urn:microsoft.com/office/officeart/2018/2/layout/IconVerticalSolidList"/>
+    <dgm:cxn modelId="{CCC89A25-FD88-3C48-BC25-58F6B739DD2E}" type="presParOf" srcId="{EE627B3D-C98D-4E79-916A-66931154D74F}" destId="{B7833D6B-5E07-452E-87C4-07B6070AF47B}" srcOrd="6" destOrd="0" presId="urn:microsoft.com/office/officeart/2018/2/layout/IconVerticalSolidList"/>
+    <dgm:cxn modelId="{33036459-4760-7C4C-8C08-A039812AE77B}" type="presParOf" srcId="{B7833D6B-5E07-452E-87C4-07B6070AF47B}" destId="{B2FEEE90-7614-4561-A3D0-45F1733F9FC5}" srcOrd="0" destOrd="0" presId="urn:microsoft.com/office/officeart/2018/2/layout/IconVerticalSolidList"/>
+    <dgm:cxn modelId="{3CE877F4-4523-F245-A165-05638A74792D}" type="presParOf" srcId="{B7833D6B-5E07-452E-87C4-07B6070AF47B}" destId="{88CE6AD8-6CC8-4ADF-829F-91CA4DB5BFB8}" srcOrd="1" destOrd="0" presId="urn:microsoft.com/office/officeart/2018/2/layout/IconVerticalSolidList"/>
+    <dgm:cxn modelId="{1289DFE4-1810-2C45-BA1A-5C97748B25AA}" type="presParOf" srcId="{B7833D6B-5E07-452E-87C4-07B6070AF47B}" destId="{783B9E0B-B0ED-41A6-8561-3A8EBB858EDC}" srcOrd="2" destOrd="0" presId="urn:microsoft.com/office/officeart/2018/2/layout/IconVerticalSolidList"/>
+    <dgm:cxn modelId="{C968F367-4713-CA45-BE8E-A114257ABDE3}" type="presParOf" srcId="{B7833D6B-5E07-452E-87C4-07B6070AF47B}" destId="{9B85EEC3-F07F-4E5B-8069-1989CAA77DCA}" srcOrd="3" destOrd="0" presId="urn:microsoft.com/office/officeart/2018/2/layout/IconVerticalSolidList"/>
+    <dgm:cxn modelId="{7FB0851E-CAF2-8E4C-B491-4BBDB9948702}" type="presParOf" srcId="{EE627B3D-C98D-4E79-916A-66931154D74F}" destId="{652C0580-BE3F-4CE7-B41F-7517AA8BB7C7}" srcOrd="7" destOrd="0" presId="urn:microsoft.com/office/officeart/2018/2/layout/IconVerticalSolidList"/>
+    <dgm:cxn modelId="{C9D46155-2CE2-3043-A7B7-ACF16B527EB7}" type="presParOf" srcId="{EE627B3D-C98D-4E79-916A-66931154D74F}" destId="{EC7112F2-7C47-4C54-867C-D9A641496E23}" srcOrd="8" destOrd="0" presId="urn:microsoft.com/office/officeart/2018/2/layout/IconVerticalSolidList"/>
+    <dgm:cxn modelId="{5A4D92A5-972B-8C41-A316-8C45600071B4}" type="presParOf" srcId="{EC7112F2-7C47-4C54-867C-D9A641496E23}" destId="{C1EEC1F8-62EA-46E1-8C72-B8323603F2FE}" srcOrd="0" destOrd="0" presId="urn:microsoft.com/office/officeart/2018/2/layout/IconVerticalSolidList"/>
+    <dgm:cxn modelId="{29B8F2DF-2E87-CB4F-B951-5F43C68130B5}" type="presParOf" srcId="{EC7112F2-7C47-4C54-867C-D9A641496E23}" destId="{CC580F91-4DCE-4C86-A71C-F2D9425BB7DD}" srcOrd="1" destOrd="0" presId="urn:microsoft.com/office/officeart/2018/2/layout/IconVerticalSolidList"/>
+    <dgm:cxn modelId="{A357F420-48BC-E945-915F-CD0AFD9D4239}" type="presParOf" srcId="{EC7112F2-7C47-4C54-867C-D9A641496E23}" destId="{F6975E8D-AAB7-4897-A1F0-E99916049323}" srcOrd="2" destOrd="0" presId="urn:microsoft.com/office/officeart/2018/2/layout/IconVerticalSolidList"/>
+    <dgm:cxn modelId="{048EFAD4-6CC1-6746-BFAD-F052D781818C}" type="presParOf" srcId="{EC7112F2-7C47-4C54-867C-D9A641496E23}" destId="{2BCE94D9-5DBF-4706-AAA8-A41B28C39EAC}" srcOrd="3" destOrd="0" presId="urn:microsoft.com/office/officeart/2018/2/layout/IconVerticalSolidList"/>
+  </dgm:cxnLst>
+  <dgm:bg/>
+  <dgm:whole/>
+  <dgm:extLst>
+    <a:ext uri="http://schemas.microsoft.com/office/drawing/2008/diagram">
+      <dsp:dataModelExt xmlns:dsp="http://schemas.microsoft.com/office/drawing/2008/diagram" relId="rId8" minVer="http://schemas.openxmlformats.org/drawingml/2006/diagram"/>
+    </a:ext>
+    <a:ext uri="{C62137D5-CB1D-491B-B009-E17868A290BF}">
+      <dgm14:recolorImg xmlns:dgm14="http://schemas.microsoft.com/office/drawing/2010/diagram" val="1"/>
+    </a:ext>
+  </dgm:extLst>
+</dgm:dataModel>
+</file>
+
+<file path=ppt/diagrams/data5.xml><?xml version="1.0" encoding="utf-8"?>
+<dgm:dataModel xmlns:dgm="http://schemas.openxmlformats.org/drawingml/2006/diagram" xmlns:a="http://schemas.openxmlformats.org/drawingml/2006/main">
+  <dgm:ptLst>
+    <dgm:pt modelId="{2AAE6C82-B9D7-4ECF-8A22-2AAF1D9B1257}" type="doc">
+      <dgm:prSet loTypeId="urn:microsoft.com/office/officeart/2018/2/layout/IconVerticalSolidList" loCatId="icon" qsTypeId="urn:microsoft.com/office/officeart/2005/8/quickstyle/simple1" qsCatId="simple" csTypeId="urn:microsoft.com/office/officeart/2018/5/colors/Iconchunking_neutralbg_colorful1" csCatId="colorful" phldr="1"/>
+      <dgm:spPr/>
+      <dgm:t>
+        <a:bodyPr/>
+        <a:lstStyle/>
+        <a:p>
+          <a:endParaRPr lang="en-US"/>
+        </a:p>
+      </dgm:t>
+    </dgm:pt>
+    <dgm:pt modelId="{981EF4FB-A21A-4B04-AD48-687258DA80DB}">
+      <dgm:prSet/>
+      <dgm:spPr/>
+      <dgm:t>
+        <a:bodyPr/>
+        <a:lstStyle/>
+        <a:p>
+          <a:pPr>
+            <a:lnSpc>
+              <a:spcPct val="100000"/>
+            </a:lnSpc>
+          </a:pPr>
+          <a:r>
+            <a:rPr lang="en-US"/>
+            <a:t>A Smart contract is created to register KYC information and update the data.  The contract tracks the validity of the KYC details; where the information is valid up to `365 days` after which one needs to update the information again.</a:t>
+          </a:r>
+        </a:p>
+      </dgm:t>
+    </dgm:pt>
+    <dgm:pt modelId="{0D44D13C-6893-44CF-82F3-391DAA4CC5B8}" type="parTrans" cxnId="{419FE27B-6D32-4DE4-A6E3-CAC85B7F319E}">
+      <dgm:prSet/>
+      <dgm:spPr/>
+      <dgm:t>
+        <a:bodyPr/>
+        <a:lstStyle/>
+        <a:p>
+          <a:endParaRPr lang="en-US"/>
+        </a:p>
+      </dgm:t>
+    </dgm:pt>
+    <dgm:pt modelId="{2BA841A8-92D6-48E5-B215-00933F0B8F0B}" type="sibTrans" cxnId="{419FE27B-6D32-4DE4-A6E3-CAC85B7F319E}">
+      <dgm:prSet/>
+      <dgm:spPr/>
+      <dgm:t>
+        <a:bodyPr/>
+        <a:lstStyle/>
+        <a:p>
+          <a:endParaRPr lang="en-US"/>
+        </a:p>
+      </dgm:t>
+    </dgm:pt>
+    <dgm:pt modelId="{6A42FC39-DECD-4BA5-B27B-D64F21E95AFD}">
+      <dgm:prSet/>
+      <dgm:spPr/>
+      <dgm:t>
+        <a:bodyPr/>
+        <a:lstStyle/>
+        <a:p>
+          <a:pPr>
+            <a:lnSpc>
+              <a:spcPct val="100000"/>
+            </a:lnSpc>
+          </a:pPr>
+          <a:r>
+            <a:rPr lang="en-US"/>
+            <a:t>This contract is deployed in Remix IDE.</a:t>
+          </a:r>
+        </a:p>
+      </dgm:t>
+    </dgm:pt>
+    <dgm:pt modelId="{804B70FC-5B99-434A-BE51-970F876BDA65}" type="parTrans" cxnId="{29CA28B6-0D95-4675-B65D-7C1ACDE6FFDD}">
+      <dgm:prSet/>
+      <dgm:spPr/>
+      <dgm:t>
+        <a:bodyPr/>
+        <a:lstStyle/>
+        <a:p>
+          <a:endParaRPr lang="en-US"/>
+        </a:p>
+      </dgm:t>
+    </dgm:pt>
+    <dgm:pt modelId="{DED8517B-8DEB-41AE-9E91-07B445C3E495}" type="sibTrans" cxnId="{29CA28B6-0D95-4675-B65D-7C1ACDE6FFDD}">
+      <dgm:prSet/>
+      <dgm:spPr/>
+      <dgm:t>
+        <a:bodyPr/>
+        <a:lstStyle/>
+        <a:p>
+          <a:endParaRPr lang="en-US"/>
+        </a:p>
+      </dgm:t>
+    </dgm:pt>
+    <dgm:pt modelId="{7B56C06F-1C4A-48FA-BDA2-513E916B52B9}">
+      <dgm:prSet/>
+      <dgm:spPr/>
+      <dgm:t>
+        <a:bodyPr/>
+        <a:lstStyle/>
+        <a:p>
+          <a:pPr>
+            <a:lnSpc>
+              <a:spcPct val="100000"/>
+            </a:lnSpc>
+          </a:pPr>
+          <a:r>
+            <a:rPr lang="en-US"/>
+            <a:t>A new directory is created where a Pinata API Key, and Secret API Key are used to deploy the smart contract and the WEB3 provider uri.</a:t>
+          </a:r>
+        </a:p>
+      </dgm:t>
+    </dgm:pt>
+    <dgm:pt modelId="{80C053FE-3314-4AFB-B5FA-95E29390FF19}" type="parTrans" cxnId="{901AA02E-ADD6-4CD3-865B-5B96D2385959}">
+      <dgm:prSet/>
+      <dgm:spPr/>
+      <dgm:t>
+        <a:bodyPr/>
+        <a:lstStyle/>
+        <a:p>
+          <a:endParaRPr lang="en-US"/>
+        </a:p>
+      </dgm:t>
+    </dgm:pt>
+    <dgm:pt modelId="{A84FCFA5-D1E3-4016-B447-33AA165D51D4}" type="sibTrans" cxnId="{901AA02E-ADD6-4CD3-865B-5B96D2385959}">
+      <dgm:prSet/>
+      <dgm:spPr/>
+      <dgm:t>
+        <a:bodyPr/>
+        <a:lstStyle/>
+        <a:p>
+          <a:endParaRPr lang="en-US"/>
+        </a:p>
+      </dgm:t>
+    </dgm:pt>
+    <dgm:pt modelId="{3F94BA86-D833-4A82-9CEA-4FCBA9B3B951}">
+      <dgm:prSet/>
+      <dgm:spPr/>
+      <dgm:t>
+        <a:bodyPr/>
+        <a:lstStyle/>
+        <a:p>
+          <a:pPr>
+            <a:lnSpc>
+              <a:spcPct val="100000"/>
+            </a:lnSpc>
+          </a:pPr>
+          <a:r>
+            <a:rPr lang="en-US"/>
+            <a:t>The deployed contract ABI is copied and stored in a JSON file.</a:t>
+          </a:r>
+        </a:p>
+      </dgm:t>
+    </dgm:pt>
+    <dgm:pt modelId="{574C9884-3CD3-41ED-BBDC-E2F30AD5B1A6}" type="parTrans" cxnId="{526F3C45-1422-4ED7-81C6-D6554F16865E}">
+      <dgm:prSet/>
+      <dgm:spPr/>
+      <dgm:t>
+        <a:bodyPr/>
+        <a:lstStyle/>
+        <a:p>
+          <a:endParaRPr lang="en-US"/>
+        </a:p>
+      </dgm:t>
+    </dgm:pt>
+    <dgm:pt modelId="{3EEFE12F-D21E-4781-9148-30D068134EB6}" type="sibTrans" cxnId="{526F3C45-1422-4ED7-81C6-D6554F16865E}">
+      <dgm:prSet/>
+      <dgm:spPr/>
+      <dgm:t>
+        <a:bodyPr/>
+        <a:lstStyle/>
+        <a:p>
+          <a:endParaRPr lang="en-US"/>
+        </a:p>
+      </dgm:t>
+    </dgm:pt>
+    <dgm:pt modelId="{A03F0398-C66F-41CA-A36A-71590FD313FC}" type="pres">
+      <dgm:prSet presAssocID="{2AAE6C82-B9D7-4ECF-8A22-2AAF1D9B1257}" presName="root" presStyleCnt="0">
+        <dgm:presLayoutVars>
+          <dgm:dir/>
+          <dgm:resizeHandles val="exact"/>
+        </dgm:presLayoutVars>
+      </dgm:prSet>
+      <dgm:spPr/>
+    </dgm:pt>
+    <dgm:pt modelId="{9BA53328-0251-4B93-9A12-B6ADBEA2DF87}" type="pres">
+      <dgm:prSet presAssocID="{981EF4FB-A21A-4B04-AD48-687258DA80DB}" presName="compNode" presStyleCnt="0"/>
+      <dgm:spPr/>
+    </dgm:pt>
+    <dgm:pt modelId="{4F6A7913-AD04-4AB9-962A-F7C6350EA0DC}" type="pres">
+      <dgm:prSet presAssocID="{981EF4FB-A21A-4B04-AD48-687258DA80DB}" presName="bgRect" presStyleLbl="bgShp" presStyleIdx="0" presStyleCnt="4"/>
+      <dgm:spPr/>
+    </dgm:pt>
+    <dgm:pt modelId="{8A593527-52DB-467F-A9E8-1D209B2705E2}" type="pres">
+      <dgm:prSet presAssocID="{981EF4FB-A21A-4B04-AD48-687258DA80DB}" presName="iconRect" presStyleLbl="node1" presStyleIdx="0" presStyleCnt="4"/>
+      <dgm:spPr>
+        <a:blipFill>
+          <a:blip xmlns:r="http://schemas.openxmlformats.org/officeDocument/2006/relationships" r:embed="rId1">
+            <a:extLst>
+              <a:ext uri="{28A0092B-C50C-407E-A947-70E740481C1C}">
+                <a14:useLocalDpi xmlns:a14="http://schemas.microsoft.com/office/drawing/2010/main" val="0"/>
+              </a:ext>
+              <a:ext uri="{96DAC541-7B7A-43D3-8B79-37D633B846F1}">
+                <asvg:svgBlip xmlns:asvg="http://schemas.microsoft.com/office/drawing/2016/SVG/main" r:embed="rId2"/>
+              </a:ext>
+            </a:extLst>
+          </a:blip>
+          <a:stretch>
+            <a:fillRect/>
+          </a:stretch>
+        </a:blipFill>
+        <a:ln>
+          <a:noFill/>
+        </a:ln>
+      </dgm:spPr>
+      <dgm:extLst>
+        <a:ext uri="{E40237B7-FDA0-4F09-8148-C483321AD2D9}">
+          <dgm14:cNvPr xmlns:dgm14="http://schemas.microsoft.com/office/drawing/2010/diagram" id="0" name="" descr="Contract"/>
+        </a:ext>
+      </dgm:extLst>
+    </dgm:pt>
+    <dgm:pt modelId="{88292FD0-AE0E-417C-BD70-7E719CB0D628}" type="pres">
+      <dgm:prSet presAssocID="{981EF4FB-A21A-4B04-AD48-687258DA80DB}" presName="spaceRect" presStyleCnt="0"/>
+      <dgm:spPr/>
+    </dgm:pt>
+    <dgm:pt modelId="{7B6A9EA3-95B8-47F1-80CA-1BC4A65AF8BD}" type="pres">
+      <dgm:prSet presAssocID="{981EF4FB-A21A-4B04-AD48-687258DA80DB}" presName="parTx" presStyleLbl="revTx" presStyleIdx="0" presStyleCnt="4">
+        <dgm:presLayoutVars>
+          <dgm:chMax val="0"/>
+          <dgm:chPref val="0"/>
+        </dgm:presLayoutVars>
+      </dgm:prSet>
+      <dgm:spPr/>
+    </dgm:pt>
+    <dgm:pt modelId="{8DC68611-4389-4BF7-B018-C999B973BA75}" type="pres">
+      <dgm:prSet presAssocID="{2BA841A8-92D6-48E5-B215-00933F0B8F0B}" presName="sibTrans" presStyleCnt="0"/>
+      <dgm:spPr/>
+    </dgm:pt>
+    <dgm:pt modelId="{720D26D7-9B5D-4BA0-BDE4-74CE122901A8}" type="pres">
+      <dgm:prSet presAssocID="{6A42FC39-DECD-4BA5-B27B-D64F21E95AFD}" presName="compNode" presStyleCnt="0"/>
+      <dgm:spPr/>
+    </dgm:pt>
+    <dgm:pt modelId="{2A173F7B-A43E-4230-8097-AAAA8F187611}" type="pres">
+      <dgm:prSet presAssocID="{6A42FC39-DECD-4BA5-B27B-D64F21E95AFD}" presName="bgRect" presStyleLbl="bgShp" presStyleIdx="1" presStyleCnt="4"/>
+      <dgm:spPr/>
+    </dgm:pt>
+    <dgm:pt modelId="{F7131323-93AB-487A-B89B-8FE3D629B642}" type="pres">
+      <dgm:prSet presAssocID="{6A42FC39-DECD-4BA5-B27B-D64F21E95AFD}" presName="iconRect" presStyleLbl="node1" presStyleIdx="1" presStyleCnt="4"/>
+      <dgm:spPr>
+        <a:blipFill>
+          <a:blip xmlns:r="http://schemas.openxmlformats.org/officeDocument/2006/relationships" r:embed="rId3">
+            <a:extLst>
+              <a:ext uri="{28A0092B-C50C-407E-A947-70E740481C1C}">
+                <a14:useLocalDpi xmlns:a14="http://schemas.microsoft.com/office/drawing/2010/main" val="0"/>
+              </a:ext>
+              <a:ext uri="{96DAC541-7B7A-43D3-8B79-37D633B846F1}">
+                <asvg:svgBlip xmlns:asvg="http://schemas.microsoft.com/office/drawing/2016/SVG/main" r:embed="rId4"/>
+              </a:ext>
+            </a:extLst>
+          </a:blip>
+          <a:stretch>
+            <a:fillRect/>
+          </a:stretch>
+        </a:blipFill>
+        <a:ln>
+          <a:noFill/>
+        </a:ln>
+      </dgm:spPr>
+      <dgm:extLst>
+        <a:ext uri="{E40237B7-FDA0-4F09-8148-C483321AD2D9}">
+          <dgm14:cNvPr xmlns:dgm14="http://schemas.microsoft.com/office/drawing/2010/diagram" id="0" name="" descr="DJ"/>
+        </a:ext>
+      </dgm:extLst>
+    </dgm:pt>
+    <dgm:pt modelId="{0AD08A21-754B-4CC4-811F-C8E584699672}" type="pres">
+      <dgm:prSet presAssocID="{6A42FC39-DECD-4BA5-B27B-D64F21E95AFD}" presName="spaceRect" presStyleCnt="0"/>
+      <dgm:spPr/>
+    </dgm:pt>
+    <dgm:pt modelId="{41D6AE24-CAA7-4035-A097-3046F153D2A5}" type="pres">
+      <dgm:prSet presAssocID="{6A42FC39-DECD-4BA5-B27B-D64F21E95AFD}" presName="parTx" presStyleLbl="revTx" presStyleIdx="1" presStyleCnt="4">
+        <dgm:presLayoutVars>
+          <dgm:chMax val="0"/>
+          <dgm:chPref val="0"/>
+        </dgm:presLayoutVars>
+      </dgm:prSet>
+      <dgm:spPr/>
+    </dgm:pt>
+    <dgm:pt modelId="{385A7EE0-D0C7-4FE1-94D7-7CBA8A0DA5D6}" type="pres">
+      <dgm:prSet presAssocID="{DED8517B-8DEB-41AE-9E91-07B445C3E495}" presName="sibTrans" presStyleCnt="0"/>
+      <dgm:spPr/>
+    </dgm:pt>
+    <dgm:pt modelId="{E9E735F5-89C0-426C-858D-3E6625B01355}" type="pres">
+      <dgm:prSet presAssocID="{7B56C06F-1C4A-48FA-BDA2-513E916B52B9}" presName="compNode" presStyleCnt="0"/>
+      <dgm:spPr/>
+    </dgm:pt>
+    <dgm:pt modelId="{22935CAF-BB38-492C-B156-83C5E68B9AC9}" type="pres">
+      <dgm:prSet presAssocID="{7B56C06F-1C4A-48FA-BDA2-513E916B52B9}" presName="bgRect" presStyleLbl="bgShp" presStyleIdx="2" presStyleCnt="4"/>
+      <dgm:spPr/>
+    </dgm:pt>
+    <dgm:pt modelId="{C5694A2D-A088-435E-807C-E780C91DF7A9}" type="pres">
+      <dgm:prSet presAssocID="{7B56C06F-1C4A-48FA-BDA2-513E916B52B9}" presName="iconRect" presStyleLbl="node1" presStyleIdx="2" presStyleCnt="4"/>
+      <dgm:spPr>
+        <a:blipFill>
+          <a:blip xmlns:r="http://schemas.openxmlformats.org/officeDocument/2006/relationships" r:embed="rId5">
+            <a:extLst>
+              <a:ext uri="{28A0092B-C50C-407E-A947-70E740481C1C}">
+                <a14:useLocalDpi xmlns:a14="http://schemas.microsoft.com/office/drawing/2010/main" val="0"/>
+              </a:ext>
+              <a:ext uri="{96DAC541-7B7A-43D3-8B79-37D633B846F1}">
+                <asvg:svgBlip xmlns:asvg="http://schemas.microsoft.com/office/drawing/2016/SVG/main" r:embed="rId6"/>
+              </a:ext>
+            </a:extLst>
+          </a:blip>
+          <a:stretch>
+            <a:fillRect/>
+          </a:stretch>
+        </a:blipFill>
+        <a:ln>
+          <a:noFill/>
+        </a:ln>
+      </dgm:spPr>
+      <dgm:extLst>
+        <a:ext uri="{E40237B7-FDA0-4F09-8148-C483321AD2D9}">
+          <dgm14:cNvPr xmlns:dgm14="http://schemas.microsoft.com/office/drawing/2010/diagram" id="0" name="" descr="Key"/>
+        </a:ext>
+      </dgm:extLst>
+    </dgm:pt>
+    <dgm:pt modelId="{9DA9AC42-FEB4-485C-8899-1B7CAC495542}" type="pres">
+      <dgm:prSet presAssocID="{7B56C06F-1C4A-48FA-BDA2-513E916B52B9}" presName="spaceRect" presStyleCnt="0"/>
+      <dgm:spPr/>
+    </dgm:pt>
+    <dgm:pt modelId="{F00A113C-3A4A-4EC9-9D37-66E7DAD29266}" type="pres">
+      <dgm:prSet presAssocID="{7B56C06F-1C4A-48FA-BDA2-513E916B52B9}" presName="parTx" presStyleLbl="revTx" presStyleIdx="2" presStyleCnt="4">
+        <dgm:presLayoutVars>
+          <dgm:chMax val="0"/>
+          <dgm:chPref val="0"/>
+        </dgm:presLayoutVars>
+      </dgm:prSet>
+      <dgm:spPr/>
+    </dgm:pt>
+    <dgm:pt modelId="{E6C0339D-6125-4FA7-A57B-885C353FA37E}" type="pres">
+      <dgm:prSet presAssocID="{A84FCFA5-D1E3-4016-B447-33AA165D51D4}" presName="sibTrans" presStyleCnt="0"/>
+      <dgm:spPr/>
+    </dgm:pt>
+    <dgm:pt modelId="{BA76E288-BBF1-4FE4-8776-41FF2D98056D}" type="pres">
+      <dgm:prSet presAssocID="{3F94BA86-D833-4A82-9CEA-4FCBA9B3B951}" presName="compNode" presStyleCnt="0"/>
+      <dgm:spPr/>
+    </dgm:pt>
+    <dgm:pt modelId="{2FF535CA-C27C-43D9-9CE9-8731FC8292F9}" type="pres">
+      <dgm:prSet presAssocID="{3F94BA86-D833-4A82-9CEA-4FCBA9B3B951}" presName="bgRect" presStyleLbl="bgShp" presStyleIdx="3" presStyleCnt="4"/>
+      <dgm:spPr/>
+    </dgm:pt>
+    <dgm:pt modelId="{19FA2742-E774-4B95-81C1-CB38D0A6D4A8}" type="pres">
+      <dgm:prSet presAssocID="{3F94BA86-D833-4A82-9CEA-4FCBA9B3B951}" presName="iconRect" presStyleLbl="node1" presStyleIdx="3" presStyleCnt="4"/>
+      <dgm:spPr>
+        <a:blipFill>
+          <a:blip xmlns:r="http://schemas.openxmlformats.org/officeDocument/2006/relationships" r:embed="rId7">
+            <a:extLst>
+              <a:ext uri="{28A0092B-C50C-407E-A947-70E740481C1C}">
+                <a14:useLocalDpi xmlns:a14="http://schemas.microsoft.com/office/drawing/2010/main" val="0"/>
+              </a:ext>
+              <a:ext uri="{96DAC541-7B7A-43D3-8B79-37D633B846F1}">
+                <asvg:svgBlip xmlns:asvg="http://schemas.microsoft.com/office/drawing/2016/SVG/main" r:embed="rId8"/>
+              </a:ext>
+            </a:extLst>
+          </a:blip>
+          <a:stretch>
+            <a:fillRect/>
+          </a:stretch>
+        </a:blipFill>
+        <a:ln>
+          <a:noFill/>
+        </a:ln>
+      </dgm:spPr>
+      <dgm:extLst>
+        <a:ext uri="{E40237B7-FDA0-4F09-8148-C483321AD2D9}">
+          <dgm14:cNvPr xmlns:dgm14="http://schemas.microsoft.com/office/drawing/2010/diagram" id="0" name="" descr="Open Folder"/>
+        </a:ext>
+      </dgm:extLst>
+    </dgm:pt>
+    <dgm:pt modelId="{AA29BCB4-0CA3-4F4F-B117-F61D898B9F70}" type="pres">
+      <dgm:prSet presAssocID="{3F94BA86-D833-4A82-9CEA-4FCBA9B3B951}" presName="spaceRect" presStyleCnt="0"/>
+      <dgm:spPr/>
+    </dgm:pt>
+    <dgm:pt modelId="{B14D9BD1-FBAC-4C4E-BF6E-ED87339C4D54}" type="pres">
+      <dgm:prSet presAssocID="{3F94BA86-D833-4A82-9CEA-4FCBA9B3B951}" presName="parTx" presStyleLbl="revTx" presStyleIdx="3" presStyleCnt="4">
+        <dgm:presLayoutVars>
+          <dgm:chMax val="0"/>
+          <dgm:chPref val="0"/>
+        </dgm:presLayoutVars>
+      </dgm:prSet>
+      <dgm:spPr/>
+    </dgm:pt>
+  </dgm:ptLst>
+  <dgm:cxnLst>
+    <dgm:cxn modelId="{7019FA0B-4ED7-D541-9C84-838F40F71453}" type="presOf" srcId="{6A42FC39-DECD-4BA5-B27B-D64F21E95AFD}" destId="{41D6AE24-CAA7-4035-A097-3046F153D2A5}" srcOrd="0" destOrd="0" presId="urn:microsoft.com/office/officeart/2018/2/layout/IconVerticalSolidList"/>
+    <dgm:cxn modelId="{901AA02E-ADD6-4CD3-865B-5B96D2385959}" srcId="{2AAE6C82-B9D7-4ECF-8A22-2AAF1D9B1257}" destId="{7B56C06F-1C4A-48FA-BDA2-513E916B52B9}" srcOrd="2" destOrd="0" parTransId="{80C053FE-3314-4AFB-B5FA-95E29390FF19}" sibTransId="{A84FCFA5-D1E3-4016-B447-33AA165D51D4}"/>
+    <dgm:cxn modelId="{526F3C45-1422-4ED7-81C6-D6554F16865E}" srcId="{2AAE6C82-B9D7-4ECF-8A22-2AAF1D9B1257}" destId="{3F94BA86-D833-4A82-9CEA-4FCBA9B3B951}" srcOrd="3" destOrd="0" parTransId="{574C9884-3CD3-41ED-BBDC-E2F30AD5B1A6}" sibTransId="{3EEFE12F-D21E-4781-9148-30D068134EB6}"/>
+    <dgm:cxn modelId="{419FE27B-6D32-4DE4-A6E3-CAC85B7F319E}" srcId="{2AAE6C82-B9D7-4ECF-8A22-2AAF1D9B1257}" destId="{981EF4FB-A21A-4B04-AD48-687258DA80DB}" srcOrd="0" destOrd="0" parTransId="{0D44D13C-6893-44CF-82F3-391DAA4CC5B8}" sibTransId="{2BA841A8-92D6-48E5-B215-00933F0B8F0B}"/>
+    <dgm:cxn modelId="{013BD48D-43C9-9949-A60A-5F45A6EE6FCF}" type="presOf" srcId="{2AAE6C82-B9D7-4ECF-8A22-2AAF1D9B1257}" destId="{A03F0398-C66F-41CA-A36A-71590FD313FC}" srcOrd="0" destOrd="0" presId="urn:microsoft.com/office/officeart/2018/2/layout/IconVerticalSolidList"/>
+    <dgm:cxn modelId="{20FE46A9-1F3C-BE49-BE31-87E1062BC933}" type="presOf" srcId="{7B56C06F-1C4A-48FA-BDA2-513E916B52B9}" destId="{F00A113C-3A4A-4EC9-9D37-66E7DAD29266}" srcOrd="0" destOrd="0" presId="urn:microsoft.com/office/officeart/2018/2/layout/IconVerticalSolidList"/>
+    <dgm:cxn modelId="{29CA28B6-0D95-4675-B65D-7C1ACDE6FFDD}" srcId="{2AAE6C82-B9D7-4ECF-8A22-2AAF1D9B1257}" destId="{6A42FC39-DECD-4BA5-B27B-D64F21E95AFD}" srcOrd="1" destOrd="0" parTransId="{804B70FC-5B99-434A-BE51-970F876BDA65}" sibTransId="{DED8517B-8DEB-41AE-9E91-07B445C3E495}"/>
+    <dgm:cxn modelId="{9F0E1DE0-82AB-1047-90E2-393282E62DC2}" type="presOf" srcId="{981EF4FB-A21A-4B04-AD48-687258DA80DB}" destId="{7B6A9EA3-95B8-47F1-80CA-1BC4A65AF8BD}" srcOrd="0" destOrd="0" presId="urn:microsoft.com/office/officeart/2018/2/layout/IconVerticalSolidList"/>
+    <dgm:cxn modelId="{BC0A1BE1-2EA9-F747-BF7C-903BF947735F}" type="presOf" srcId="{3F94BA86-D833-4A82-9CEA-4FCBA9B3B951}" destId="{B14D9BD1-FBAC-4C4E-BF6E-ED87339C4D54}" srcOrd="0" destOrd="0" presId="urn:microsoft.com/office/officeart/2018/2/layout/IconVerticalSolidList"/>
+    <dgm:cxn modelId="{14165762-ED52-6340-B61F-766507D81142}" type="presParOf" srcId="{A03F0398-C66F-41CA-A36A-71590FD313FC}" destId="{9BA53328-0251-4B93-9A12-B6ADBEA2DF87}" srcOrd="0" destOrd="0" presId="urn:microsoft.com/office/officeart/2018/2/layout/IconVerticalSolidList"/>
+    <dgm:cxn modelId="{B7EEF33F-749E-B443-A711-B72BD6EB56F5}" type="presParOf" srcId="{9BA53328-0251-4B93-9A12-B6ADBEA2DF87}" destId="{4F6A7913-AD04-4AB9-962A-F7C6350EA0DC}" srcOrd="0" destOrd="0" presId="urn:microsoft.com/office/officeart/2018/2/layout/IconVerticalSolidList"/>
+    <dgm:cxn modelId="{A510981D-4786-BD47-88B0-DE3EB2A93300}" type="presParOf" srcId="{9BA53328-0251-4B93-9A12-B6ADBEA2DF87}" destId="{8A593527-52DB-467F-A9E8-1D209B2705E2}" srcOrd="1" destOrd="0" presId="urn:microsoft.com/office/officeart/2018/2/layout/IconVerticalSolidList"/>
+    <dgm:cxn modelId="{155BD440-93E5-2140-81D5-76D8B702B58A}" type="presParOf" srcId="{9BA53328-0251-4B93-9A12-B6ADBEA2DF87}" destId="{88292FD0-AE0E-417C-BD70-7E719CB0D628}" srcOrd="2" destOrd="0" presId="urn:microsoft.com/office/officeart/2018/2/layout/IconVerticalSolidList"/>
+    <dgm:cxn modelId="{6A73920D-21D4-344B-AEE5-AAB3889CD506}" type="presParOf" srcId="{9BA53328-0251-4B93-9A12-B6ADBEA2DF87}" destId="{7B6A9EA3-95B8-47F1-80CA-1BC4A65AF8BD}" srcOrd="3" destOrd="0" presId="urn:microsoft.com/office/officeart/2018/2/layout/IconVerticalSolidList"/>
+    <dgm:cxn modelId="{3194FCA8-AC3A-774B-96B3-824DEA060029}" type="presParOf" srcId="{A03F0398-C66F-41CA-A36A-71590FD313FC}" destId="{8DC68611-4389-4BF7-B018-C999B973BA75}" srcOrd="1" destOrd="0" presId="urn:microsoft.com/office/officeart/2018/2/layout/IconVerticalSolidList"/>
+    <dgm:cxn modelId="{859B1149-DE76-8146-9096-96820CBF816A}" type="presParOf" srcId="{A03F0398-C66F-41CA-A36A-71590FD313FC}" destId="{720D26D7-9B5D-4BA0-BDE4-74CE122901A8}" srcOrd="2" destOrd="0" presId="urn:microsoft.com/office/officeart/2018/2/layout/IconVerticalSolidList"/>
+    <dgm:cxn modelId="{400B9960-2AEE-0A41-9266-7AA238AD122D}" type="presParOf" srcId="{720D26D7-9B5D-4BA0-BDE4-74CE122901A8}" destId="{2A173F7B-A43E-4230-8097-AAAA8F187611}" srcOrd="0" destOrd="0" presId="urn:microsoft.com/office/officeart/2018/2/layout/IconVerticalSolidList"/>
+    <dgm:cxn modelId="{C241F988-10AF-AD4A-9FC9-57B7C10FB31F}" type="presParOf" srcId="{720D26D7-9B5D-4BA0-BDE4-74CE122901A8}" destId="{F7131323-93AB-487A-B89B-8FE3D629B642}" srcOrd="1" destOrd="0" presId="urn:microsoft.com/office/officeart/2018/2/layout/IconVerticalSolidList"/>
+    <dgm:cxn modelId="{C8F1C951-5020-0B4C-96BA-080BC423260D}" type="presParOf" srcId="{720D26D7-9B5D-4BA0-BDE4-74CE122901A8}" destId="{0AD08A21-754B-4CC4-811F-C8E584699672}" srcOrd="2" destOrd="0" presId="urn:microsoft.com/office/officeart/2018/2/layout/IconVerticalSolidList"/>
+    <dgm:cxn modelId="{E0C9DFF2-BB2C-9949-BC26-6E0D932AD3B8}" type="presParOf" srcId="{720D26D7-9B5D-4BA0-BDE4-74CE122901A8}" destId="{41D6AE24-CAA7-4035-A097-3046F153D2A5}" srcOrd="3" destOrd="0" presId="urn:microsoft.com/office/officeart/2018/2/layout/IconVerticalSolidList"/>
+    <dgm:cxn modelId="{99F4FB34-360F-A14F-A779-CFB3ED715EEE}" type="presParOf" srcId="{A03F0398-C66F-41CA-A36A-71590FD313FC}" destId="{385A7EE0-D0C7-4FE1-94D7-7CBA8A0DA5D6}" srcOrd="3" destOrd="0" presId="urn:microsoft.com/office/officeart/2018/2/layout/IconVerticalSolidList"/>
+    <dgm:cxn modelId="{ED5E6886-6F02-2248-A419-BE76F3FD3E97}" type="presParOf" srcId="{A03F0398-C66F-41CA-A36A-71590FD313FC}" destId="{E9E735F5-89C0-426C-858D-3E6625B01355}" srcOrd="4" destOrd="0" presId="urn:microsoft.com/office/officeart/2018/2/layout/IconVerticalSolidList"/>
+    <dgm:cxn modelId="{E85D9B94-278F-C04A-B11B-988BB61DA807}" type="presParOf" srcId="{E9E735F5-89C0-426C-858D-3E6625B01355}" destId="{22935CAF-BB38-492C-B156-83C5E68B9AC9}" srcOrd="0" destOrd="0" presId="urn:microsoft.com/office/officeart/2018/2/layout/IconVerticalSolidList"/>
+    <dgm:cxn modelId="{2A4A6F0B-E81C-224A-AAEE-D2D346455C0E}" type="presParOf" srcId="{E9E735F5-89C0-426C-858D-3E6625B01355}" destId="{C5694A2D-A088-435E-807C-E780C91DF7A9}" srcOrd="1" destOrd="0" presId="urn:microsoft.com/office/officeart/2018/2/layout/IconVerticalSolidList"/>
+    <dgm:cxn modelId="{F1C4F073-4FC8-2843-868A-BEC273CA24A1}" type="presParOf" srcId="{E9E735F5-89C0-426C-858D-3E6625B01355}" destId="{9DA9AC42-FEB4-485C-8899-1B7CAC495542}" srcOrd="2" destOrd="0" presId="urn:microsoft.com/office/officeart/2018/2/layout/IconVerticalSolidList"/>
+    <dgm:cxn modelId="{7999E349-E478-9148-9BA1-737AF1365F48}" type="presParOf" srcId="{E9E735F5-89C0-426C-858D-3E6625B01355}" destId="{F00A113C-3A4A-4EC9-9D37-66E7DAD29266}" srcOrd="3" destOrd="0" presId="urn:microsoft.com/office/officeart/2018/2/layout/IconVerticalSolidList"/>
+    <dgm:cxn modelId="{88F05795-70BE-3243-9FA0-91B8EBA7FAF5}" type="presParOf" srcId="{A03F0398-C66F-41CA-A36A-71590FD313FC}" destId="{E6C0339D-6125-4FA7-A57B-885C353FA37E}" srcOrd="5" destOrd="0" presId="urn:microsoft.com/office/officeart/2018/2/layout/IconVerticalSolidList"/>
+    <dgm:cxn modelId="{BE8BDED1-D1B2-764B-82F7-0D9B3D933EAC}" type="presParOf" srcId="{A03F0398-C66F-41CA-A36A-71590FD313FC}" destId="{BA76E288-BBF1-4FE4-8776-41FF2D98056D}" srcOrd="6" destOrd="0" presId="urn:microsoft.com/office/officeart/2018/2/layout/IconVerticalSolidList"/>
+    <dgm:cxn modelId="{550898C9-1643-3D40-8DC3-43F9B9B18F0C}" type="presParOf" srcId="{BA76E288-BBF1-4FE4-8776-41FF2D98056D}" destId="{2FF535CA-C27C-43D9-9CE9-8731FC8292F9}" srcOrd="0" destOrd="0" presId="urn:microsoft.com/office/officeart/2018/2/layout/IconVerticalSolidList"/>
+    <dgm:cxn modelId="{C52CB77A-7D40-2C46-A76A-1BBC76EA187F}" type="presParOf" srcId="{BA76E288-BBF1-4FE4-8776-41FF2D98056D}" destId="{19FA2742-E774-4B95-81C1-CB38D0A6D4A8}" srcOrd="1" destOrd="0" presId="urn:microsoft.com/office/officeart/2018/2/layout/IconVerticalSolidList"/>
+    <dgm:cxn modelId="{FAAE8AA4-23BD-FC4D-8663-20917FF7CC3F}" type="presParOf" srcId="{BA76E288-BBF1-4FE4-8776-41FF2D98056D}" destId="{AA29BCB4-0CA3-4F4F-B117-F61D898B9F70}" srcOrd="2" destOrd="0" presId="urn:microsoft.com/office/officeart/2018/2/layout/IconVerticalSolidList"/>
+    <dgm:cxn modelId="{90A7891C-768B-9741-9A03-F150B04F0B95}" type="presParOf" srcId="{BA76E288-BBF1-4FE4-8776-41FF2D98056D}" destId="{B14D9BD1-FBAC-4C4E-BF6E-ED87339C4D54}" srcOrd="3" destOrd="0" presId="urn:microsoft.com/office/officeart/2018/2/layout/IconVerticalSolidList"/>
   </dgm:cxnLst>
   <dgm:bg/>
   <dgm:whole/>
   <dgm:extLst>
     <a:ext uri="http://schemas.microsoft.com/office/drawing/2008/diagram">
       <dsp:dataModelExt xmlns:dsp="http://schemas.microsoft.com/office/drawing/2008/diagram" relId="rId7" minVer="http://schemas.openxmlformats.org/drawingml/2006/diagram"/>
-    </a:ext>
-    <a:ext uri="{C62137D5-CB1D-491B-B009-E17868A290BF}">
-      <dgm14:recolorImg xmlns:dgm14="http://schemas.microsoft.com/office/drawing/2010/diagram" val="1"/>
     </a:ext>
   </dgm:extLst>
 </dgm:dataModel>
@@ -6307,21 +7507,24 @@
       <dsp:cNvGrpSpPr/>
     </dsp:nvGrpSpPr>
     <dsp:grpSpPr/>
-    <dsp:sp modelId="{B98E8329-724A-4842-BDB1-BC81AE0BD083}">
+    <dsp:sp modelId="{238FCC58-FD06-428B-A695-2720B70FFE59}">
       <dsp:nvSpPr>
         <dsp:cNvPr id="0" name=""/>
         <dsp:cNvSpPr/>
       </dsp:nvSpPr>
       <dsp:spPr>
         <a:xfrm>
-          <a:off x="344668" y="520288"/>
-          <a:ext cx="1070121" cy="1070121"/>
+          <a:off x="0" y="3160"/>
+          <a:ext cx="5275001" cy="673226"/>
         </a:xfrm>
-        <a:prstGeom prst="ellipse">
-          <a:avLst/>
+        <a:prstGeom prst="roundRect">
+          <a:avLst>
+            <a:gd name="adj" fmla="val 10000"/>
+          </a:avLst>
         </a:prstGeom>
         <a:solidFill>
-          <a:schemeClr val="accent2">
+          <a:schemeClr val="bg1">
+            <a:lumMod val="95000"/>
             <a:hueOff val="0"/>
             <a:satOff val="0"/>
             <a:lumOff val="0"/>
@@ -6346,15 +7549,15 @@
         <a:fontRef idx="minor"/>
       </dsp:style>
     </dsp:sp>
-    <dsp:sp modelId="{A8C15507-A770-4B8B-ACF9-47876150D387}">
+    <dsp:sp modelId="{19970556-2BAA-49DD-879D-55DD44A1126E}">
       <dsp:nvSpPr>
         <dsp:cNvPr id="0" name=""/>
         <dsp:cNvSpPr/>
       </dsp:nvSpPr>
       <dsp:spPr>
         <a:xfrm>
-          <a:off x="572727" y="748346"/>
-          <a:ext cx="614003" cy="614003"/>
+          <a:off x="203651" y="154636"/>
+          <a:ext cx="370274" cy="370274"/>
         </a:xfrm>
         <a:prstGeom prst="rect">
           <a:avLst/>
@@ -6375,15 +7578,7 @@
           </a:stretch>
         </a:blipFill>
         <a:ln w="22225" cap="rnd" cmpd="sng" algn="ctr">
-          <a:solidFill>
-            <a:schemeClr val="lt1">
-              <a:alpha val="0"/>
-              <a:hueOff val="0"/>
-              <a:satOff val="0"/>
-              <a:lumOff val="0"/>
-              <a:alphaOff val="0"/>
-            </a:schemeClr>
-          </a:solidFill>
+          <a:noFill/>
           <a:prstDash val="solid"/>
         </a:ln>
         <a:effectLst/>
@@ -6403,15 +7598,15 @@
         </a:fontRef>
       </dsp:style>
     </dsp:sp>
-    <dsp:sp modelId="{F907E966-9126-43AD-A301-7B51BB69D7F2}">
+    <dsp:sp modelId="{1F791060-7B5A-4318-909F-9E6024EB846F}">
       <dsp:nvSpPr>
         <dsp:cNvPr id="0" name=""/>
         <dsp:cNvSpPr/>
       </dsp:nvSpPr>
       <dsp:spPr>
         <a:xfrm>
-          <a:off x="2580" y="1923725"/>
-          <a:ext cx="1754296" cy="701718"/>
+          <a:off x="777577" y="3160"/>
+          <a:ext cx="4497423" cy="673226"/>
         </a:xfrm>
         <a:prstGeom prst="rect">
           <a:avLst/>
@@ -6435,12 +7630,12 @@
         <a:fontRef idx="minor"/>
       </dsp:style>
       <dsp:txBody>
-        <a:bodyPr spcFirstLastPara="0" vert="horz" wrap="square" lIns="0" tIns="0" rIns="0" bIns="0" numCol="1" spcCol="1270" anchor="t" anchorCtr="0">
+        <a:bodyPr spcFirstLastPara="0" vert="horz" wrap="square" lIns="71250" tIns="71250" rIns="71250" bIns="71250" numCol="1" spcCol="1270" anchor="ctr" anchorCtr="0">
           <a:noAutofit/>
         </a:bodyPr>
         <a:lstStyle/>
         <a:p>
-          <a:pPr marL="0" lvl="0" indent="0" algn="ctr" defTabSz="800100">
+          <a:pPr marL="0" lvl="0" indent="0" algn="l" defTabSz="666750">
             <a:lnSpc>
               <a:spcPct val="100000"/>
             </a:lnSpc>
@@ -6451,15 +7646,14 @@
               <a:spcPct val="35000"/>
             </a:spcAft>
             <a:buNone/>
-            <a:defRPr cap="all"/>
           </a:pPr>
           <a:r>
-            <a:rPr lang="en-ZA" sz="1800" kern="1200"/>
+            <a:rPr lang="en-ZA" sz="1500" kern="1200"/>
             <a:t>Distributed</a:t>
           </a:r>
         </a:p>
         <a:p>
-          <a:pPr marL="0" lvl="0" indent="0" algn="ctr" defTabSz="800100">
+          <a:pPr marL="0" lvl="0" indent="0" algn="l" defTabSz="666750">
             <a:lnSpc>
               <a:spcPct val="100000"/>
             </a:lnSpc>
@@ -6470,35 +7664,37 @@
               <a:spcPct val="35000"/>
             </a:spcAft>
             <a:buNone/>
-            <a:defRPr cap="all"/>
           </a:pPr>
           <a:r>
-            <a:rPr lang="en-ZA" sz="1800" kern="1200"/>
+            <a:rPr lang="en-ZA" sz="1500" kern="1200"/>
             <a:t>Ledger</a:t>
           </a:r>
-          <a:endParaRPr lang="en-US" sz="1800" kern="1200"/>
+          <a:endParaRPr lang="en-US" sz="1500" kern="1200"/>
         </a:p>
       </dsp:txBody>
       <dsp:txXfrm>
-        <a:off x="2580" y="1923725"/>
-        <a:ext cx="1754296" cy="701718"/>
+        <a:off x="777577" y="3160"/>
+        <a:ext cx="4497423" cy="673226"/>
       </dsp:txXfrm>
     </dsp:sp>
-    <dsp:sp modelId="{21291F38-BEB4-4BFF-9FD3-E98BF69DF214}">
+    <dsp:sp modelId="{8766BF58-B9B8-46D0-B05D-A042D0524079}">
       <dsp:nvSpPr>
         <dsp:cNvPr id="0" name=""/>
         <dsp:cNvSpPr/>
       </dsp:nvSpPr>
       <dsp:spPr>
         <a:xfrm>
-          <a:off x="2405967" y="520288"/>
-          <a:ext cx="1070121" cy="1070121"/>
+          <a:off x="0" y="844694"/>
+          <a:ext cx="5275001" cy="673226"/>
         </a:xfrm>
-        <a:prstGeom prst="ellipse">
-          <a:avLst/>
+        <a:prstGeom prst="roundRect">
+          <a:avLst>
+            <a:gd name="adj" fmla="val 10000"/>
+          </a:avLst>
         </a:prstGeom>
         <a:solidFill>
-          <a:schemeClr val="accent3">
+          <a:schemeClr val="bg1">
+            <a:lumMod val="95000"/>
             <a:hueOff val="0"/>
             <a:satOff val="0"/>
             <a:lumOff val="0"/>
@@ -6523,15 +7719,15 @@
         <a:fontRef idx="minor"/>
       </dsp:style>
     </dsp:sp>
-    <dsp:sp modelId="{D2EF5687-00EB-46EC-973D-F1BF7DF1D4F4}">
+    <dsp:sp modelId="{23C7FF04-21A4-4B5D-BAC9-1C4DFAFFFFCD}">
       <dsp:nvSpPr>
         <dsp:cNvPr id="0" name=""/>
         <dsp:cNvSpPr/>
       </dsp:nvSpPr>
       <dsp:spPr>
         <a:xfrm>
-          <a:off x="2634026" y="748346"/>
-          <a:ext cx="614003" cy="614003"/>
+          <a:off x="203651" y="996170"/>
+          <a:ext cx="370274" cy="370274"/>
         </a:xfrm>
         <a:prstGeom prst="rect">
           <a:avLst/>
@@ -6552,15 +7748,7 @@
           </a:stretch>
         </a:blipFill>
         <a:ln w="22225" cap="rnd" cmpd="sng" algn="ctr">
-          <a:solidFill>
-            <a:schemeClr val="lt1">
-              <a:alpha val="0"/>
-              <a:hueOff val="0"/>
-              <a:satOff val="0"/>
-              <a:lumOff val="0"/>
-              <a:alphaOff val="0"/>
-            </a:schemeClr>
-          </a:solidFill>
+          <a:noFill/>
           <a:prstDash val="solid"/>
         </a:ln>
         <a:effectLst/>
@@ -6580,15 +7768,15 @@
         </a:fontRef>
       </dsp:style>
     </dsp:sp>
-    <dsp:sp modelId="{B5F3A976-7DD6-44AD-B7B5-7F8D2AA512AD}">
+    <dsp:sp modelId="{1D4C18A5-7BFF-441A-BB61-A9AAC50B79E0}">
       <dsp:nvSpPr>
         <dsp:cNvPr id="0" name=""/>
         <dsp:cNvSpPr/>
       </dsp:nvSpPr>
       <dsp:spPr>
         <a:xfrm>
-          <a:off x="2063879" y="1923725"/>
-          <a:ext cx="1754296" cy="701718"/>
+          <a:off x="777577" y="844694"/>
+          <a:ext cx="4497423" cy="673226"/>
         </a:xfrm>
         <a:prstGeom prst="rect">
           <a:avLst/>
@@ -6612,12 +7800,12 @@
         <a:fontRef idx="minor"/>
       </dsp:style>
       <dsp:txBody>
-        <a:bodyPr spcFirstLastPara="0" vert="horz" wrap="square" lIns="0" tIns="0" rIns="0" bIns="0" numCol="1" spcCol="1270" anchor="t" anchorCtr="0">
+        <a:bodyPr spcFirstLastPara="0" vert="horz" wrap="square" lIns="71250" tIns="71250" rIns="71250" bIns="71250" numCol="1" spcCol="1270" anchor="ctr" anchorCtr="0">
           <a:noAutofit/>
         </a:bodyPr>
         <a:lstStyle/>
         <a:p>
-          <a:pPr marL="0" lvl="0" indent="0" algn="ctr" defTabSz="800100">
+          <a:pPr marL="0" lvl="0" indent="0" algn="l" defTabSz="666750">
             <a:lnSpc>
               <a:spcPct val="100000"/>
             </a:lnSpc>
@@ -6628,34 +7816,36 @@
               <a:spcPct val="35000"/>
             </a:spcAft>
             <a:buNone/>
-            <a:defRPr cap="all"/>
           </a:pPr>
           <a:r>
-            <a:rPr lang="en-US" sz="1800" kern="1200"/>
+            <a:rPr lang="en-US" sz="1500" kern="1200"/>
             <a:t>Automation</a:t>
           </a:r>
         </a:p>
       </dsp:txBody>
       <dsp:txXfrm>
-        <a:off x="2063879" y="1923725"/>
-        <a:ext cx="1754296" cy="701718"/>
+        <a:off x="777577" y="844694"/>
+        <a:ext cx="4497423" cy="673226"/>
       </dsp:txXfrm>
     </dsp:sp>
-    <dsp:sp modelId="{30F2690E-2AC3-6649-A9EB-76EF62094C14}">
+    <dsp:sp modelId="{FFE937CE-7313-4D14-84FB-BFBBF6F0345D}">
       <dsp:nvSpPr>
         <dsp:cNvPr id="0" name=""/>
         <dsp:cNvSpPr/>
       </dsp:nvSpPr>
       <dsp:spPr>
         <a:xfrm>
-          <a:off x="4467266" y="520288"/>
-          <a:ext cx="1070121" cy="1070121"/>
+          <a:off x="0" y="1686228"/>
+          <a:ext cx="5275001" cy="673226"/>
         </a:xfrm>
-        <a:prstGeom prst="ellipse">
-          <a:avLst/>
+        <a:prstGeom prst="roundRect">
+          <a:avLst>
+            <a:gd name="adj" fmla="val 10000"/>
+          </a:avLst>
         </a:prstGeom>
         <a:solidFill>
-          <a:schemeClr val="accent4">
+          <a:schemeClr val="bg1">
+            <a:lumMod val="95000"/>
             <a:hueOff val="0"/>
             <a:satOff val="0"/>
             <a:lumOff val="0"/>
@@ -6680,15 +7870,15 @@
         <a:fontRef idx="minor"/>
       </dsp:style>
     </dsp:sp>
-    <dsp:sp modelId="{7447CE52-1097-374F-9AF4-6B1ABB0FBBE0}">
+    <dsp:sp modelId="{E434DE29-D72A-4AE0-B6DB-F75F833A747E}">
       <dsp:nvSpPr>
         <dsp:cNvPr id="0" name=""/>
         <dsp:cNvSpPr/>
       </dsp:nvSpPr>
       <dsp:spPr>
         <a:xfrm>
-          <a:off x="4695325" y="748346"/>
-          <a:ext cx="614003" cy="614003"/>
+          <a:off x="203651" y="1837704"/>
+          <a:ext cx="370274" cy="370274"/>
         </a:xfrm>
         <a:prstGeom prst="rect">
           <a:avLst/>
@@ -6709,15 +7899,7 @@
           </a:stretch>
         </a:blipFill>
         <a:ln w="22225" cap="rnd" cmpd="sng" algn="ctr">
-          <a:solidFill>
-            <a:schemeClr val="lt1">
-              <a:alpha val="0"/>
-              <a:hueOff val="0"/>
-              <a:satOff val="0"/>
-              <a:lumOff val="0"/>
-              <a:alphaOff val="0"/>
-            </a:schemeClr>
-          </a:solidFill>
+          <a:noFill/>
           <a:prstDash val="solid"/>
         </a:ln>
         <a:effectLst/>
@@ -6737,15 +7919,15 @@
         </a:fontRef>
       </dsp:style>
     </dsp:sp>
-    <dsp:sp modelId="{868038C0-19B7-6443-A624-14FF98D0ED9B}">
+    <dsp:sp modelId="{E930F09E-9985-479A-A5CD-BF8452CC6C21}">
       <dsp:nvSpPr>
         <dsp:cNvPr id="0" name=""/>
         <dsp:cNvSpPr/>
       </dsp:nvSpPr>
       <dsp:spPr>
         <a:xfrm>
-          <a:off x="4125178" y="1923725"/>
-          <a:ext cx="1754296" cy="701718"/>
+          <a:off x="777577" y="1686228"/>
+          <a:ext cx="4497423" cy="673226"/>
         </a:xfrm>
         <a:prstGeom prst="rect">
           <a:avLst/>
@@ -6769,12 +7951,12 @@
         <a:fontRef idx="minor"/>
       </dsp:style>
       <dsp:txBody>
-        <a:bodyPr spcFirstLastPara="0" vert="horz" wrap="square" lIns="0" tIns="0" rIns="0" bIns="0" numCol="1" spcCol="1270" anchor="t" anchorCtr="0">
+        <a:bodyPr spcFirstLastPara="0" vert="horz" wrap="square" lIns="71250" tIns="71250" rIns="71250" bIns="71250" numCol="1" spcCol="1270" anchor="ctr" anchorCtr="0">
           <a:noAutofit/>
         </a:bodyPr>
         <a:lstStyle/>
         <a:p>
-          <a:pPr marL="0" lvl="0" indent="0" algn="ctr" defTabSz="800100">
+          <a:pPr marL="0" lvl="0" indent="0" algn="l" defTabSz="666750">
             <a:lnSpc>
               <a:spcPct val="100000"/>
             </a:lnSpc>
@@ -6785,34 +7967,36 @@
               <a:spcPct val="35000"/>
             </a:spcAft>
             <a:buNone/>
-            <a:defRPr cap="all"/>
           </a:pPr>
           <a:r>
-            <a:rPr lang="en-US" sz="1800" kern="1200"/>
+            <a:rPr lang="en-US" sz="1500" kern="1200"/>
             <a:t>Identification</a:t>
           </a:r>
         </a:p>
       </dsp:txBody>
       <dsp:txXfrm>
-        <a:off x="4125178" y="1923725"/>
-        <a:ext cx="1754296" cy="701718"/>
+        <a:off x="777577" y="1686228"/>
+        <a:ext cx="4497423" cy="673226"/>
       </dsp:txXfrm>
     </dsp:sp>
-    <dsp:sp modelId="{22DB6CC2-6849-4159-8523-D6FD6C8F0B3F}">
+    <dsp:sp modelId="{B2FEEE90-7614-4561-A3D0-45F1733F9FC5}">
       <dsp:nvSpPr>
         <dsp:cNvPr id="0" name=""/>
         <dsp:cNvSpPr/>
       </dsp:nvSpPr>
       <dsp:spPr>
         <a:xfrm>
-          <a:off x="6528565" y="520288"/>
-          <a:ext cx="1070121" cy="1070121"/>
+          <a:off x="0" y="2527761"/>
+          <a:ext cx="5275001" cy="673226"/>
         </a:xfrm>
-        <a:prstGeom prst="ellipse">
-          <a:avLst/>
+        <a:prstGeom prst="roundRect">
+          <a:avLst>
+            <a:gd name="adj" fmla="val 10000"/>
+          </a:avLst>
         </a:prstGeom>
         <a:solidFill>
-          <a:schemeClr val="accent5">
+          <a:schemeClr val="bg1">
+            <a:lumMod val="95000"/>
             <a:hueOff val="0"/>
             <a:satOff val="0"/>
             <a:lumOff val="0"/>
@@ -6837,15 +8021,15 @@
         <a:fontRef idx="minor"/>
       </dsp:style>
     </dsp:sp>
-    <dsp:sp modelId="{A01B0758-6CEE-43E3-BE47-4434E1C84DF4}">
+    <dsp:sp modelId="{88CE6AD8-6CC8-4ADF-829F-91CA4DB5BFB8}">
       <dsp:nvSpPr>
         <dsp:cNvPr id="0" name=""/>
         <dsp:cNvSpPr/>
       </dsp:nvSpPr>
       <dsp:spPr>
         <a:xfrm>
-          <a:off x="6756623" y="748346"/>
-          <a:ext cx="614003" cy="614003"/>
+          <a:off x="203651" y="2679237"/>
+          <a:ext cx="370274" cy="370274"/>
         </a:xfrm>
         <a:prstGeom prst="rect">
           <a:avLst/>
@@ -6866,15 +8050,7 @@
           </a:stretch>
         </a:blipFill>
         <a:ln w="22225" cap="rnd" cmpd="sng" algn="ctr">
-          <a:solidFill>
-            <a:schemeClr val="lt1">
-              <a:alpha val="0"/>
-              <a:hueOff val="0"/>
-              <a:satOff val="0"/>
-              <a:lumOff val="0"/>
-              <a:alphaOff val="0"/>
-            </a:schemeClr>
-          </a:solidFill>
+          <a:noFill/>
           <a:prstDash val="solid"/>
         </a:ln>
         <a:effectLst/>
@@ -6894,15 +8070,15 @@
         </a:fontRef>
       </dsp:style>
     </dsp:sp>
-    <dsp:sp modelId="{7CEACD3B-C379-4355-8D53-05F6B1182480}">
+    <dsp:sp modelId="{9B85EEC3-F07F-4E5B-8069-1989CAA77DCA}">
       <dsp:nvSpPr>
         <dsp:cNvPr id="0" name=""/>
         <dsp:cNvSpPr/>
       </dsp:nvSpPr>
       <dsp:spPr>
         <a:xfrm>
-          <a:off x="6186477" y="1923725"/>
-          <a:ext cx="1754296" cy="701718"/>
+          <a:off x="777577" y="2527761"/>
+          <a:ext cx="4497423" cy="673226"/>
         </a:xfrm>
         <a:prstGeom prst="rect">
           <a:avLst/>
@@ -6926,12 +8102,12 @@
         <a:fontRef idx="minor"/>
       </dsp:style>
       <dsp:txBody>
-        <a:bodyPr spcFirstLastPara="0" vert="horz" wrap="square" lIns="0" tIns="0" rIns="0" bIns="0" numCol="1" spcCol="1270" anchor="t" anchorCtr="0">
+        <a:bodyPr spcFirstLastPara="0" vert="horz" wrap="square" lIns="71250" tIns="71250" rIns="71250" bIns="71250" numCol="1" spcCol="1270" anchor="ctr" anchorCtr="0">
           <a:noAutofit/>
         </a:bodyPr>
         <a:lstStyle/>
         <a:p>
-          <a:pPr marL="0" lvl="0" indent="0" algn="ctr" defTabSz="800100">
+          <a:pPr marL="0" lvl="0" indent="0" algn="l" defTabSz="666750">
             <a:lnSpc>
               <a:spcPct val="100000"/>
             </a:lnSpc>
@@ -6942,34 +8118,36 @@
               <a:spcPct val="35000"/>
             </a:spcAft>
             <a:buNone/>
-            <a:defRPr cap="all"/>
           </a:pPr>
           <a:r>
-            <a:rPr lang="en-US" sz="1800" kern="1200"/>
+            <a:rPr lang="en-US" sz="1500" kern="1200"/>
             <a:t>Encryption </a:t>
           </a:r>
         </a:p>
       </dsp:txBody>
       <dsp:txXfrm>
-        <a:off x="6186477" y="1923725"/>
-        <a:ext cx="1754296" cy="701718"/>
+        <a:off x="777577" y="2527761"/>
+        <a:ext cx="4497423" cy="673226"/>
       </dsp:txXfrm>
     </dsp:sp>
-    <dsp:sp modelId="{E02A42FD-60FF-014E-B921-B3C34AA96438}">
+    <dsp:sp modelId="{C1EEC1F8-62EA-46E1-8C72-B8323603F2FE}">
       <dsp:nvSpPr>
         <dsp:cNvPr id="0" name=""/>
         <dsp:cNvSpPr/>
       </dsp:nvSpPr>
       <dsp:spPr>
         <a:xfrm>
-          <a:off x="8589864" y="520288"/>
-          <a:ext cx="1070121" cy="1070121"/>
+          <a:off x="0" y="3369295"/>
+          <a:ext cx="5275001" cy="673226"/>
         </a:xfrm>
-        <a:prstGeom prst="ellipse">
-          <a:avLst/>
+        <a:prstGeom prst="roundRect">
+          <a:avLst>
+            <a:gd name="adj" fmla="val 10000"/>
+          </a:avLst>
         </a:prstGeom>
         <a:solidFill>
-          <a:schemeClr val="accent6">
+          <a:schemeClr val="bg1">
+            <a:lumMod val="95000"/>
             <a:hueOff val="0"/>
             <a:satOff val="0"/>
             <a:lumOff val="0"/>
@@ -6994,15 +8172,15 @@
         <a:fontRef idx="minor"/>
       </dsp:style>
     </dsp:sp>
-    <dsp:sp modelId="{6C7EEC1D-D307-9245-B4C1-2BB331FE1DE7}">
+    <dsp:sp modelId="{CC580F91-4DCE-4C86-A71C-F2D9425BB7DD}">
       <dsp:nvSpPr>
         <dsp:cNvPr id="0" name=""/>
         <dsp:cNvSpPr/>
       </dsp:nvSpPr>
       <dsp:spPr>
         <a:xfrm>
-          <a:off x="8817922" y="748346"/>
-          <a:ext cx="614003" cy="614003"/>
+          <a:off x="203651" y="3520771"/>
+          <a:ext cx="370274" cy="370274"/>
         </a:xfrm>
         <a:prstGeom prst="rect">
           <a:avLst/>
@@ -7010,26 +8188,20 @@
         <a:blipFill>
           <a:blip xmlns:r="http://schemas.openxmlformats.org/officeDocument/2006/relationships" r:embed="rId9">
             <a:extLst>
+              <a:ext uri="{28A0092B-C50C-407E-A947-70E740481C1C}">
+                <a14:useLocalDpi xmlns:a14="http://schemas.microsoft.com/office/drawing/2010/main" val="0"/>
+              </a:ext>
               <a:ext uri="{96DAC541-7B7A-43D3-8B79-37D633B846F1}">
                 <asvg:svgBlip xmlns:asvg="http://schemas.microsoft.com/office/drawing/2016/SVG/main" r:embed="rId10"/>
               </a:ext>
             </a:extLst>
           </a:blip>
-          <a:srcRect/>
           <a:stretch>
             <a:fillRect/>
           </a:stretch>
         </a:blipFill>
         <a:ln w="22225" cap="rnd" cmpd="sng" algn="ctr">
-          <a:solidFill>
-            <a:schemeClr val="lt1">
-              <a:alpha val="0"/>
-              <a:hueOff val="0"/>
-              <a:satOff val="0"/>
-              <a:lumOff val="0"/>
-              <a:alphaOff val="0"/>
-            </a:schemeClr>
-          </a:solidFill>
+          <a:noFill/>
           <a:prstDash val="solid"/>
         </a:ln>
         <a:effectLst/>
@@ -7049,15 +8221,15 @@
         </a:fontRef>
       </dsp:style>
     </dsp:sp>
-    <dsp:sp modelId="{07C13D1E-E201-154B-BD33-A3CC381BD3F6}">
+    <dsp:sp modelId="{2BCE94D9-5DBF-4706-AAA8-A41B28C39EAC}">
       <dsp:nvSpPr>
         <dsp:cNvPr id="0" name=""/>
         <dsp:cNvSpPr/>
       </dsp:nvSpPr>
       <dsp:spPr>
         <a:xfrm>
-          <a:off x="8247776" y="1923725"/>
-          <a:ext cx="1754296" cy="701718"/>
+          <a:off x="777577" y="3369295"/>
+          <a:ext cx="4497423" cy="673226"/>
         </a:xfrm>
         <a:prstGeom prst="rect">
           <a:avLst/>
@@ -7081,12 +8253,12 @@
         <a:fontRef idx="minor"/>
       </dsp:style>
       <dsp:txBody>
-        <a:bodyPr spcFirstLastPara="0" vert="horz" wrap="square" lIns="0" tIns="0" rIns="0" bIns="0" numCol="1" spcCol="1270" anchor="t" anchorCtr="0">
+        <a:bodyPr spcFirstLastPara="0" vert="horz" wrap="square" lIns="71250" tIns="71250" rIns="71250" bIns="71250" numCol="1" spcCol="1270" anchor="ctr" anchorCtr="0">
           <a:noAutofit/>
         </a:bodyPr>
         <a:lstStyle/>
         <a:p>
-          <a:pPr marL="0" lvl="0" indent="0" algn="ctr" defTabSz="800100">
+          <a:pPr marL="0" lvl="0" indent="0" algn="l" defTabSz="666750">
             <a:lnSpc>
               <a:spcPct val="100000"/>
             </a:lnSpc>
@@ -7097,17 +8269,632 @@
               <a:spcPct val="35000"/>
             </a:spcAft>
             <a:buNone/>
-            <a:defRPr cap="all"/>
           </a:pPr>
           <a:r>
-            <a:rPr lang="en-US" sz="1800" kern="1200"/>
+            <a:rPr lang="en-US" sz="1500" kern="1200"/>
             <a:t>Historical Records</a:t>
           </a:r>
         </a:p>
       </dsp:txBody>
       <dsp:txXfrm>
-        <a:off x="8247776" y="1923725"/>
-        <a:ext cx="1754296" cy="701718"/>
+        <a:off x="777577" y="3369295"/>
+        <a:ext cx="4497423" cy="673226"/>
+      </dsp:txXfrm>
+    </dsp:sp>
+  </dsp:spTree>
+</dsp:drawing>
+</file>
+
+<file path=ppt/diagrams/drawing5.xml><?xml version="1.0" encoding="utf-8"?>
+<dsp:drawing xmlns:dgm="http://schemas.openxmlformats.org/drawingml/2006/diagram" xmlns:dsp="http://schemas.microsoft.com/office/drawing/2008/diagram" xmlns:a="http://schemas.openxmlformats.org/drawingml/2006/main">
+  <dsp:spTree>
+    <dsp:nvGrpSpPr>
+      <dsp:cNvPr id="0" name=""/>
+      <dsp:cNvGrpSpPr/>
+    </dsp:nvGrpSpPr>
+    <dsp:grpSpPr/>
+    <dsp:sp modelId="{4F6A7913-AD04-4AB9-962A-F7C6350EA0DC}">
+      <dsp:nvSpPr>
+        <dsp:cNvPr id="0" name=""/>
+        <dsp:cNvSpPr/>
+      </dsp:nvSpPr>
+      <dsp:spPr>
+        <a:xfrm>
+          <a:off x="0" y="1954"/>
+          <a:ext cx="7012370" cy="990573"/>
+        </a:xfrm>
+        <a:prstGeom prst="roundRect">
+          <a:avLst>
+            <a:gd name="adj" fmla="val 10000"/>
+          </a:avLst>
+        </a:prstGeom>
+        <a:solidFill>
+          <a:schemeClr val="bg1">
+            <a:lumMod val="95000"/>
+            <a:hueOff val="0"/>
+            <a:satOff val="0"/>
+            <a:lumOff val="0"/>
+            <a:alphaOff val="0"/>
+          </a:schemeClr>
+        </a:solidFill>
+        <a:ln>
+          <a:noFill/>
+        </a:ln>
+        <a:effectLst/>
+      </dsp:spPr>
+      <dsp:style>
+        <a:lnRef idx="0">
+          <a:scrgbClr r="0" g="0" b="0"/>
+        </a:lnRef>
+        <a:fillRef idx="1">
+          <a:scrgbClr r="0" g="0" b="0"/>
+        </a:fillRef>
+        <a:effectRef idx="0">
+          <a:scrgbClr r="0" g="0" b="0"/>
+        </a:effectRef>
+        <a:fontRef idx="minor"/>
+      </dsp:style>
+    </dsp:sp>
+    <dsp:sp modelId="{8A593527-52DB-467F-A9E8-1D209B2705E2}">
+      <dsp:nvSpPr>
+        <dsp:cNvPr id="0" name=""/>
+        <dsp:cNvSpPr/>
+      </dsp:nvSpPr>
+      <dsp:spPr>
+        <a:xfrm>
+          <a:off x="299648" y="224833"/>
+          <a:ext cx="544815" cy="544815"/>
+        </a:xfrm>
+        <a:prstGeom prst="rect">
+          <a:avLst/>
+        </a:prstGeom>
+        <a:blipFill>
+          <a:blip xmlns:r="http://schemas.openxmlformats.org/officeDocument/2006/relationships" r:embed="rId1">
+            <a:extLst>
+              <a:ext uri="{28A0092B-C50C-407E-A947-70E740481C1C}">
+                <a14:useLocalDpi xmlns:a14="http://schemas.microsoft.com/office/drawing/2010/main" val="0"/>
+              </a:ext>
+              <a:ext uri="{96DAC541-7B7A-43D3-8B79-37D633B846F1}">
+                <asvg:svgBlip xmlns:asvg="http://schemas.microsoft.com/office/drawing/2016/SVG/main" r:embed="rId2"/>
+              </a:ext>
+            </a:extLst>
+          </a:blip>
+          <a:stretch>
+            <a:fillRect/>
+          </a:stretch>
+        </a:blipFill>
+        <a:ln w="22225" cap="rnd" cmpd="sng" algn="ctr">
+          <a:noFill/>
+          <a:prstDash val="solid"/>
+        </a:ln>
+        <a:effectLst/>
+      </dsp:spPr>
+      <dsp:style>
+        <a:lnRef idx="2">
+          <a:scrgbClr r="0" g="0" b="0"/>
+        </a:lnRef>
+        <a:fillRef idx="1">
+          <a:scrgbClr r="0" g="0" b="0"/>
+        </a:fillRef>
+        <a:effectRef idx="0">
+          <a:scrgbClr r="0" g="0" b="0"/>
+        </a:effectRef>
+        <a:fontRef idx="minor">
+          <a:schemeClr val="lt1"/>
+        </a:fontRef>
+      </dsp:style>
+    </dsp:sp>
+    <dsp:sp modelId="{7B6A9EA3-95B8-47F1-80CA-1BC4A65AF8BD}">
+      <dsp:nvSpPr>
+        <dsp:cNvPr id="0" name=""/>
+        <dsp:cNvSpPr/>
+      </dsp:nvSpPr>
+      <dsp:spPr>
+        <a:xfrm>
+          <a:off x="1144111" y="1954"/>
+          <a:ext cx="5868258" cy="990573"/>
+        </a:xfrm>
+        <a:prstGeom prst="rect">
+          <a:avLst/>
+        </a:prstGeom>
+        <a:noFill/>
+        <a:ln>
+          <a:noFill/>
+        </a:ln>
+        <a:effectLst/>
+      </dsp:spPr>
+      <dsp:style>
+        <a:lnRef idx="0">
+          <a:scrgbClr r="0" g="0" b="0"/>
+        </a:lnRef>
+        <a:fillRef idx="0">
+          <a:scrgbClr r="0" g="0" b="0"/>
+        </a:fillRef>
+        <a:effectRef idx="0">
+          <a:scrgbClr r="0" g="0" b="0"/>
+        </a:effectRef>
+        <a:fontRef idx="minor"/>
+      </dsp:style>
+      <dsp:txBody>
+        <a:bodyPr spcFirstLastPara="0" vert="horz" wrap="square" lIns="104836" tIns="104836" rIns="104836" bIns="104836" numCol="1" spcCol="1270" anchor="ctr" anchorCtr="0">
+          <a:noAutofit/>
+        </a:bodyPr>
+        <a:lstStyle/>
+        <a:p>
+          <a:pPr marL="0" lvl="0" indent="0" algn="l" defTabSz="622300">
+            <a:lnSpc>
+              <a:spcPct val="100000"/>
+            </a:lnSpc>
+            <a:spcBef>
+              <a:spcPct val="0"/>
+            </a:spcBef>
+            <a:spcAft>
+              <a:spcPct val="35000"/>
+            </a:spcAft>
+            <a:buNone/>
+          </a:pPr>
+          <a:r>
+            <a:rPr lang="en-US" sz="1400" kern="1200"/>
+            <a:t>A Smart contract is created to register KYC information and update the data.  The contract tracks the validity of the KYC details; where the information is valid up to `365 days` after which one needs to update the information again.</a:t>
+          </a:r>
+        </a:p>
+      </dsp:txBody>
+      <dsp:txXfrm>
+        <a:off x="1144111" y="1954"/>
+        <a:ext cx="5868258" cy="990573"/>
+      </dsp:txXfrm>
+    </dsp:sp>
+    <dsp:sp modelId="{2A173F7B-A43E-4230-8097-AAAA8F187611}">
+      <dsp:nvSpPr>
+        <dsp:cNvPr id="0" name=""/>
+        <dsp:cNvSpPr/>
+      </dsp:nvSpPr>
+      <dsp:spPr>
+        <a:xfrm>
+          <a:off x="0" y="1240170"/>
+          <a:ext cx="7012370" cy="990573"/>
+        </a:xfrm>
+        <a:prstGeom prst="roundRect">
+          <a:avLst>
+            <a:gd name="adj" fmla="val 10000"/>
+          </a:avLst>
+        </a:prstGeom>
+        <a:solidFill>
+          <a:schemeClr val="bg1">
+            <a:lumMod val="95000"/>
+            <a:hueOff val="0"/>
+            <a:satOff val="0"/>
+            <a:lumOff val="0"/>
+            <a:alphaOff val="0"/>
+          </a:schemeClr>
+        </a:solidFill>
+        <a:ln>
+          <a:noFill/>
+        </a:ln>
+        <a:effectLst/>
+      </dsp:spPr>
+      <dsp:style>
+        <a:lnRef idx="0">
+          <a:scrgbClr r="0" g="0" b="0"/>
+        </a:lnRef>
+        <a:fillRef idx="1">
+          <a:scrgbClr r="0" g="0" b="0"/>
+        </a:fillRef>
+        <a:effectRef idx="0">
+          <a:scrgbClr r="0" g="0" b="0"/>
+        </a:effectRef>
+        <a:fontRef idx="minor"/>
+      </dsp:style>
+    </dsp:sp>
+    <dsp:sp modelId="{F7131323-93AB-487A-B89B-8FE3D629B642}">
+      <dsp:nvSpPr>
+        <dsp:cNvPr id="0" name=""/>
+        <dsp:cNvSpPr/>
+      </dsp:nvSpPr>
+      <dsp:spPr>
+        <a:xfrm>
+          <a:off x="299648" y="1463049"/>
+          <a:ext cx="544815" cy="544815"/>
+        </a:xfrm>
+        <a:prstGeom prst="rect">
+          <a:avLst/>
+        </a:prstGeom>
+        <a:blipFill>
+          <a:blip xmlns:r="http://schemas.openxmlformats.org/officeDocument/2006/relationships" r:embed="rId3">
+            <a:extLst>
+              <a:ext uri="{28A0092B-C50C-407E-A947-70E740481C1C}">
+                <a14:useLocalDpi xmlns:a14="http://schemas.microsoft.com/office/drawing/2010/main" val="0"/>
+              </a:ext>
+              <a:ext uri="{96DAC541-7B7A-43D3-8B79-37D633B846F1}">
+                <asvg:svgBlip xmlns:asvg="http://schemas.microsoft.com/office/drawing/2016/SVG/main" r:embed="rId4"/>
+              </a:ext>
+            </a:extLst>
+          </a:blip>
+          <a:stretch>
+            <a:fillRect/>
+          </a:stretch>
+        </a:blipFill>
+        <a:ln w="22225" cap="rnd" cmpd="sng" algn="ctr">
+          <a:noFill/>
+          <a:prstDash val="solid"/>
+        </a:ln>
+        <a:effectLst/>
+      </dsp:spPr>
+      <dsp:style>
+        <a:lnRef idx="2">
+          <a:scrgbClr r="0" g="0" b="0"/>
+        </a:lnRef>
+        <a:fillRef idx="1">
+          <a:scrgbClr r="0" g="0" b="0"/>
+        </a:fillRef>
+        <a:effectRef idx="0">
+          <a:scrgbClr r="0" g="0" b="0"/>
+        </a:effectRef>
+        <a:fontRef idx="minor">
+          <a:schemeClr val="lt1"/>
+        </a:fontRef>
+      </dsp:style>
+    </dsp:sp>
+    <dsp:sp modelId="{41D6AE24-CAA7-4035-A097-3046F153D2A5}">
+      <dsp:nvSpPr>
+        <dsp:cNvPr id="0" name=""/>
+        <dsp:cNvSpPr/>
+      </dsp:nvSpPr>
+      <dsp:spPr>
+        <a:xfrm>
+          <a:off x="1144111" y="1240170"/>
+          <a:ext cx="5868258" cy="990573"/>
+        </a:xfrm>
+        <a:prstGeom prst="rect">
+          <a:avLst/>
+        </a:prstGeom>
+        <a:noFill/>
+        <a:ln>
+          <a:noFill/>
+        </a:ln>
+        <a:effectLst/>
+      </dsp:spPr>
+      <dsp:style>
+        <a:lnRef idx="0">
+          <a:scrgbClr r="0" g="0" b="0"/>
+        </a:lnRef>
+        <a:fillRef idx="0">
+          <a:scrgbClr r="0" g="0" b="0"/>
+        </a:fillRef>
+        <a:effectRef idx="0">
+          <a:scrgbClr r="0" g="0" b="0"/>
+        </a:effectRef>
+        <a:fontRef idx="minor"/>
+      </dsp:style>
+      <dsp:txBody>
+        <a:bodyPr spcFirstLastPara="0" vert="horz" wrap="square" lIns="104836" tIns="104836" rIns="104836" bIns="104836" numCol="1" spcCol="1270" anchor="ctr" anchorCtr="0">
+          <a:noAutofit/>
+        </a:bodyPr>
+        <a:lstStyle/>
+        <a:p>
+          <a:pPr marL="0" lvl="0" indent="0" algn="l" defTabSz="622300">
+            <a:lnSpc>
+              <a:spcPct val="100000"/>
+            </a:lnSpc>
+            <a:spcBef>
+              <a:spcPct val="0"/>
+            </a:spcBef>
+            <a:spcAft>
+              <a:spcPct val="35000"/>
+            </a:spcAft>
+            <a:buNone/>
+          </a:pPr>
+          <a:r>
+            <a:rPr lang="en-US" sz="1400" kern="1200"/>
+            <a:t>This contract is deployed in Remix IDE.</a:t>
+          </a:r>
+        </a:p>
+      </dsp:txBody>
+      <dsp:txXfrm>
+        <a:off x="1144111" y="1240170"/>
+        <a:ext cx="5868258" cy="990573"/>
+      </dsp:txXfrm>
+    </dsp:sp>
+    <dsp:sp modelId="{22935CAF-BB38-492C-B156-83C5E68B9AC9}">
+      <dsp:nvSpPr>
+        <dsp:cNvPr id="0" name=""/>
+        <dsp:cNvSpPr/>
+      </dsp:nvSpPr>
+      <dsp:spPr>
+        <a:xfrm>
+          <a:off x="0" y="2478387"/>
+          <a:ext cx="7012370" cy="990573"/>
+        </a:xfrm>
+        <a:prstGeom prst="roundRect">
+          <a:avLst>
+            <a:gd name="adj" fmla="val 10000"/>
+          </a:avLst>
+        </a:prstGeom>
+        <a:solidFill>
+          <a:schemeClr val="bg1">
+            <a:lumMod val="95000"/>
+            <a:hueOff val="0"/>
+            <a:satOff val="0"/>
+            <a:lumOff val="0"/>
+            <a:alphaOff val="0"/>
+          </a:schemeClr>
+        </a:solidFill>
+        <a:ln>
+          <a:noFill/>
+        </a:ln>
+        <a:effectLst/>
+      </dsp:spPr>
+      <dsp:style>
+        <a:lnRef idx="0">
+          <a:scrgbClr r="0" g="0" b="0"/>
+        </a:lnRef>
+        <a:fillRef idx="1">
+          <a:scrgbClr r="0" g="0" b="0"/>
+        </a:fillRef>
+        <a:effectRef idx="0">
+          <a:scrgbClr r="0" g="0" b="0"/>
+        </a:effectRef>
+        <a:fontRef idx="minor"/>
+      </dsp:style>
+    </dsp:sp>
+    <dsp:sp modelId="{C5694A2D-A088-435E-807C-E780C91DF7A9}">
+      <dsp:nvSpPr>
+        <dsp:cNvPr id="0" name=""/>
+        <dsp:cNvSpPr/>
+      </dsp:nvSpPr>
+      <dsp:spPr>
+        <a:xfrm>
+          <a:off x="299648" y="2701266"/>
+          <a:ext cx="544815" cy="544815"/>
+        </a:xfrm>
+        <a:prstGeom prst="rect">
+          <a:avLst/>
+        </a:prstGeom>
+        <a:blipFill>
+          <a:blip xmlns:r="http://schemas.openxmlformats.org/officeDocument/2006/relationships" r:embed="rId5">
+            <a:extLst>
+              <a:ext uri="{28A0092B-C50C-407E-A947-70E740481C1C}">
+                <a14:useLocalDpi xmlns:a14="http://schemas.microsoft.com/office/drawing/2010/main" val="0"/>
+              </a:ext>
+              <a:ext uri="{96DAC541-7B7A-43D3-8B79-37D633B846F1}">
+                <asvg:svgBlip xmlns:asvg="http://schemas.microsoft.com/office/drawing/2016/SVG/main" r:embed="rId6"/>
+              </a:ext>
+            </a:extLst>
+          </a:blip>
+          <a:stretch>
+            <a:fillRect/>
+          </a:stretch>
+        </a:blipFill>
+        <a:ln w="22225" cap="rnd" cmpd="sng" algn="ctr">
+          <a:noFill/>
+          <a:prstDash val="solid"/>
+        </a:ln>
+        <a:effectLst/>
+      </dsp:spPr>
+      <dsp:style>
+        <a:lnRef idx="2">
+          <a:scrgbClr r="0" g="0" b="0"/>
+        </a:lnRef>
+        <a:fillRef idx="1">
+          <a:scrgbClr r="0" g="0" b="0"/>
+        </a:fillRef>
+        <a:effectRef idx="0">
+          <a:scrgbClr r="0" g="0" b="0"/>
+        </a:effectRef>
+        <a:fontRef idx="minor">
+          <a:schemeClr val="lt1"/>
+        </a:fontRef>
+      </dsp:style>
+    </dsp:sp>
+    <dsp:sp modelId="{F00A113C-3A4A-4EC9-9D37-66E7DAD29266}">
+      <dsp:nvSpPr>
+        <dsp:cNvPr id="0" name=""/>
+        <dsp:cNvSpPr/>
+      </dsp:nvSpPr>
+      <dsp:spPr>
+        <a:xfrm>
+          <a:off x="1144111" y="2478387"/>
+          <a:ext cx="5868258" cy="990573"/>
+        </a:xfrm>
+        <a:prstGeom prst="rect">
+          <a:avLst/>
+        </a:prstGeom>
+        <a:noFill/>
+        <a:ln>
+          <a:noFill/>
+        </a:ln>
+        <a:effectLst/>
+      </dsp:spPr>
+      <dsp:style>
+        <a:lnRef idx="0">
+          <a:scrgbClr r="0" g="0" b="0"/>
+        </a:lnRef>
+        <a:fillRef idx="0">
+          <a:scrgbClr r="0" g="0" b="0"/>
+        </a:fillRef>
+        <a:effectRef idx="0">
+          <a:scrgbClr r="0" g="0" b="0"/>
+        </a:effectRef>
+        <a:fontRef idx="minor"/>
+      </dsp:style>
+      <dsp:txBody>
+        <a:bodyPr spcFirstLastPara="0" vert="horz" wrap="square" lIns="104836" tIns="104836" rIns="104836" bIns="104836" numCol="1" spcCol="1270" anchor="ctr" anchorCtr="0">
+          <a:noAutofit/>
+        </a:bodyPr>
+        <a:lstStyle/>
+        <a:p>
+          <a:pPr marL="0" lvl="0" indent="0" algn="l" defTabSz="622300">
+            <a:lnSpc>
+              <a:spcPct val="100000"/>
+            </a:lnSpc>
+            <a:spcBef>
+              <a:spcPct val="0"/>
+            </a:spcBef>
+            <a:spcAft>
+              <a:spcPct val="35000"/>
+            </a:spcAft>
+            <a:buNone/>
+          </a:pPr>
+          <a:r>
+            <a:rPr lang="en-US" sz="1400" kern="1200"/>
+            <a:t>A new directory is created where a Pinata API Key, and Secret API Key are used to deploy the smart contract and the WEB3 provider uri.</a:t>
+          </a:r>
+        </a:p>
+      </dsp:txBody>
+      <dsp:txXfrm>
+        <a:off x="1144111" y="2478387"/>
+        <a:ext cx="5868258" cy="990573"/>
+      </dsp:txXfrm>
+    </dsp:sp>
+    <dsp:sp modelId="{2FF535CA-C27C-43D9-9CE9-8731FC8292F9}">
+      <dsp:nvSpPr>
+        <dsp:cNvPr id="0" name=""/>
+        <dsp:cNvSpPr/>
+      </dsp:nvSpPr>
+      <dsp:spPr>
+        <a:xfrm>
+          <a:off x="0" y="3716603"/>
+          <a:ext cx="7012370" cy="990573"/>
+        </a:xfrm>
+        <a:prstGeom prst="roundRect">
+          <a:avLst>
+            <a:gd name="adj" fmla="val 10000"/>
+          </a:avLst>
+        </a:prstGeom>
+        <a:solidFill>
+          <a:schemeClr val="bg1">
+            <a:lumMod val="95000"/>
+            <a:hueOff val="0"/>
+            <a:satOff val="0"/>
+            <a:lumOff val="0"/>
+            <a:alphaOff val="0"/>
+          </a:schemeClr>
+        </a:solidFill>
+        <a:ln>
+          <a:noFill/>
+        </a:ln>
+        <a:effectLst/>
+      </dsp:spPr>
+      <dsp:style>
+        <a:lnRef idx="0">
+          <a:scrgbClr r="0" g="0" b="0"/>
+        </a:lnRef>
+        <a:fillRef idx="1">
+          <a:scrgbClr r="0" g="0" b="0"/>
+        </a:fillRef>
+        <a:effectRef idx="0">
+          <a:scrgbClr r="0" g="0" b="0"/>
+        </a:effectRef>
+        <a:fontRef idx="minor"/>
+      </dsp:style>
+    </dsp:sp>
+    <dsp:sp modelId="{19FA2742-E774-4B95-81C1-CB38D0A6D4A8}">
+      <dsp:nvSpPr>
+        <dsp:cNvPr id="0" name=""/>
+        <dsp:cNvSpPr/>
+      </dsp:nvSpPr>
+      <dsp:spPr>
+        <a:xfrm>
+          <a:off x="299648" y="3939482"/>
+          <a:ext cx="544815" cy="544815"/>
+        </a:xfrm>
+        <a:prstGeom prst="rect">
+          <a:avLst/>
+        </a:prstGeom>
+        <a:blipFill>
+          <a:blip xmlns:r="http://schemas.openxmlformats.org/officeDocument/2006/relationships" r:embed="rId7">
+            <a:extLst>
+              <a:ext uri="{28A0092B-C50C-407E-A947-70E740481C1C}">
+                <a14:useLocalDpi xmlns:a14="http://schemas.microsoft.com/office/drawing/2010/main" val="0"/>
+              </a:ext>
+              <a:ext uri="{96DAC541-7B7A-43D3-8B79-37D633B846F1}">
+                <asvg:svgBlip xmlns:asvg="http://schemas.microsoft.com/office/drawing/2016/SVG/main" r:embed="rId8"/>
+              </a:ext>
+            </a:extLst>
+          </a:blip>
+          <a:stretch>
+            <a:fillRect/>
+          </a:stretch>
+        </a:blipFill>
+        <a:ln w="22225" cap="rnd" cmpd="sng" algn="ctr">
+          <a:noFill/>
+          <a:prstDash val="solid"/>
+        </a:ln>
+        <a:effectLst/>
+      </dsp:spPr>
+      <dsp:style>
+        <a:lnRef idx="2">
+          <a:scrgbClr r="0" g="0" b="0"/>
+        </a:lnRef>
+        <a:fillRef idx="1">
+          <a:scrgbClr r="0" g="0" b="0"/>
+        </a:fillRef>
+        <a:effectRef idx="0">
+          <a:scrgbClr r="0" g="0" b="0"/>
+        </a:effectRef>
+        <a:fontRef idx="minor">
+          <a:schemeClr val="lt1"/>
+        </a:fontRef>
+      </dsp:style>
+    </dsp:sp>
+    <dsp:sp modelId="{B14D9BD1-FBAC-4C4E-BF6E-ED87339C4D54}">
+      <dsp:nvSpPr>
+        <dsp:cNvPr id="0" name=""/>
+        <dsp:cNvSpPr/>
+      </dsp:nvSpPr>
+      <dsp:spPr>
+        <a:xfrm>
+          <a:off x="1144111" y="3716603"/>
+          <a:ext cx="5868258" cy="990573"/>
+        </a:xfrm>
+        <a:prstGeom prst="rect">
+          <a:avLst/>
+        </a:prstGeom>
+        <a:noFill/>
+        <a:ln>
+          <a:noFill/>
+        </a:ln>
+        <a:effectLst/>
+      </dsp:spPr>
+      <dsp:style>
+        <a:lnRef idx="0">
+          <a:scrgbClr r="0" g="0" b="0"/>
+        </a:lnRef>
+        <a:fillRef idx="0">
+          <a:scrgbClr r="0" g="0" b="0"/>
+        </a:fillRef>
+        <a:effectRef idx="0">
+          <a:scrgbClr r="0" g="0" b="0"/>
+        </a:effectRef>
+        <a:fontRef idx="minor"/>
+      </dsp:style>
+      <dsp:txBody>
+        <a:bodyPr spcFirstLastPara="0" vert="horz" wrap="square" lIns="104836" tIns="104836" rIns="104836" bIns="104836" numCol="1" spcCol="1270" anchor="ctr" anchorCtr="0">
+          <a:noAutofit/>
+        </a:bodyPr>
+        <a:lstStyle/>
+        <a:p>
+          <a:pPr marL="0" lvl="0" indent="0" algn="l" defTabSz="622300">
+            <a:lnSpc>
+              <a:spcPct val="100000"/>
+            </a:lnSpc>
+            <a:spcBef>
+              <a:spcPct val="0"/>
+            </a:spcBef>
+            <a:spcAft>
+              <a:spcPct val="35000"/>
+            </a:spcAft>
+            <a:buNone/>
+          </a:pPr>
+          <a:r>
+            <a:rPr lang="en-US" sz="1400" kern="1200"/>
+            <a:t>The deployed contract ABI is copied and stored in a JSON file.</a:t>
+          </a:r>
+        </a:p>
+      </dsp:txBody>
+      <dsp:txXfrm>
+        <a:off x="1144111" y="3716603"/>
+        <a:ext cx="5868258" cy="990573"/>
       </dsp:txXfrm>
     </dsp:sp>
   </dsp:spTree>
@@ -9965,9 +11752,9 @@
 </file>
 
 <file path=ppt/diagrams/layout4.xml><?xml version="1.0" encoding="utf-8"?>
-<dgm:layoutDef xmlns:dgm="http://schemas.openxmlformats.org/drawingml/2006/diagram" xmlns:a="http://schemas.openxmlformats.org/drawingml/2006/main" uniqueId="urn:microsoft.com/office/officeart/2018/5/layout/IconCircleLabelList">
-  <dgm:title val="Icon Circle Label List"/>
-  <dgm:desc val="Use to show non-sequential or grouped chunks of information accompanied by a related visuals. Works best with icons or small pictures with short text captions."/>
+<dgm:layoutDef xmlns:dgm="http://schemas.openxmlformats.org/drawingml/2006/diagram" xmlns:a="http://schemas.openxmlformats.org/drawingml/2006/main" uniqueId="urn:microsoft.com/office/officeart/2018/2/layout/IconVerticalSolidList">
+  <dgm:title val="Icon Vertical Solid List"/>
+  <dgm:desc val="Use to show a series of visuals from top to bottom with Level 1 or Level 1 and Level 2 text grouped in a shape. Works best with icons or small pictures with lengthier descriptions."/>
   <dgm:catLst>
     <dgm:cat type="icon" pri="500"/>
   </dgm:catLst>
@@ -9999,23 +11786,15 @@
     </dgm:varLst>
     <dgm:choose name="Name0">
       <dgm:if name="Name1" axis="self" func="var" arg="dir" op="equ" val="norm">
-        <dgm:alg type="snake">
-          <dgm:param type="grDir" val="tL"/>
-          <dgm:param type="flowDir" val="row"/>
-          <dgm:param type="contDir" val="sameDir"/>
-          <dgm:param type="off" val="ctr"/>
-          <dgm:param type="vertAlign" val="mid"/>
-          <dgm:param type="horzAlign" val="ctr"/>
+        <dgm:alg type="lin">
+          <dgm:param type="linDir" val="fromT"/>
+          <dgm:param type="nodeHorzAlign" val="l"/>
         </dgm:alg>
       </dgm:if>
       <dgm:else name="Name2">
-        <dgm:alg type="snake">
-          <dgm:param type="grDir" val="tR"/>
-          <dgm:param type="flowDir" val="row"/>
-          <dgm:param type="contDir" val="sameDir"/>
-          <dgm:param type="off" val="ctr"/>
-          <dgm:param type="vertAlign" val="mid"/>
-          <dgm:param type="horzAlign" val="ctr"/>
+        <dgm:alg type="lin">
+          <dgm:param type="linDir" val="fromT"/>
+          <dgm:param type="nodeHorzAlign" val="r"/>
         </dgm:alg>
       </dgm:else>
     </dgm:choose>
@@ -10024,53 +11803,73 @@
     </dgm:shape>
     <dgm:presOf/>
     <dgm:choose name="Name3">
-      <dgm:if name="Name4" axis="ch" ptType="node" func="cnt" op="lte" val="2">
+      <dgm:if name="Name4" axis="ch" ptType="node" func="cnt" op="lte" val="3">
         <dgm:constrLst>
-          <dgm:constr type="h" for="ch" forName="compNode" refType="h" fact="0.4"/>
-          <dgm:constr type="w" for="ch" forName="compNode" val="100"/>
-          <dgm:constr type="w" for="ch" forName="sibTrans" refType="w" refFor="ch" refForName="compNode" fact="0.175"/>
-          <dgm:constr type="sp" refType="w" refFor="ch" refForName="compNode" op="equ" fact="0.25"/>
-          <dgm:constr type="primFontSz" for="des" ptType="node" op="equ" val="44"/>
+          <dgm:constr type="h" for="ch" forName="compNode" refType="h" fact="0.3"/>
+          <dgm:constr type="w" for="ch" forName="compNode" refType="w"/>
+          <dgm:constr type="h" for="ch" forName="sibTrans" refType="h" refFor="ch" refForName="compNode" fact="0.25"/>
+          <dgm:constr type="primFontSz" for="des" forName="parTx" val="25"/>
+          <dgm:constr type="primFontSz" for="des" forName="desTx" refType="primFontSz" refFor="des" refForName="parTx" op="lte" fact="0.75"/>
           <dgm:constr type="h" for="des" forName="compNode" op="equ"/>
-          <dgm:constr type="h" for="des" forName="textRect" op="equ"/>
+          <dgm:constr type="h" for="des" forName="bgRect" op="equ"/>
+          <dgm:constr type="h" for="des" forName="iconRect" op="equ"/>
+          <dgm:constr type="w" for="des" forName="iconRect" op="equ"/>
+          <dgm:constr type="h" for="des" forName="spaceRect" op="equ"/>
+          <dgm:constr type="h" for="des" forName="parTx" op="equ"/>
+          <dgm:constr type="h" for="des" forName="desTx" op="equ"/>
         </dgm:constrLst>
       </dgm:if>
-      <dgm:if name="Name5" axis="ch" ptType="node" func="cnt" op="lte" val="3">
+      <dgm:if name="Name5" axis="ch" ptType="node" func="cnt" op="lte" val="4">
         <dgm:constrLst>
-          <dgm:constr type="h" for="ch" forName="compNode" refType="h" fact="0.4"/>
-          <dgm:constr type="w" for="ch" forName="compNode" val="100"/>
-          <dgm:constr type="w" for="ch" forName="sibTrans" refType="w" refFor="ch" refForName="compNode" fact="0.175"/>
-          <dgm:constr type="sp" refType="w" refFor="ch" refForName="compNode" op="equ" fact="0.25"/>
-          <dgm:constr type="primFontSz" for="des" ptType="node" op="equ" val="40"/>
+          <dgm:constr type="h" for="ch" forName="compNode" refType="h" fact="0.3"/>
+          <dgm:constr type="w" for="ch" forName="compNode" refType="w"/>
+          <dgm:constr type="h" for="ch" forName="sibTrans" refType="h" refFor="ch" refForName="compNode" fact="0.25"/>
+          <dgm:constr type="primFontSz" for="des" forName="parTx" val="22"/>
+          <dgm:constr type="primFontSz" for="des" forName="desTx" refType="primFontSz" refFor="des" refForName="parTx" op="lte" fact="0.75"/>
           <dgm:constr type="h" for="des" forName="compNode" op="equ"/>
-          <dgm:constr type="h" for="des" forName="textRect" op="equ"/>
+          <dgm:constr type="h" for="des" forName="bgRect" op="equ"/>
+          <dgm:constr type="h" for="des" forName="iconRect" op="equ"/>
+          <dgm:constr type="w" for="des" forName="iconRect" op="equ"/>
+          <dgm:constr type="h" for="des" forName="spaceRect" op="equ"/>
+          <dgm:constr type="h" for="des" forName="parTx" op="equ"/>
+          <dgm:constr type="h" for="des" forName="desTx" op="equ"/>
         </dgm:constrLst>
       </dgm:if>
-      <dgm:if name="Name6" axis="ch" ptType="node" func="cnt" op="lte" val="4">
+      <dgm:if name="Name6" axis="ch" ptType="node" func="cnt" op="lte" val="6">
         <dgm:constrLst>
-          <dgm:constr type="h" for="ch" forName="compNode" refType="h" fact="0.4"/>
+          <dgm:constr type="h" for="ch" forName="compNode" refType="h" fact="0.3"/>
           <dgm:constr type="w" for="ch" forName="compNode" refType="w"/>
-          <dgm:constr type="w" for="ch" forName="sibTrans" refType="w" refFor="ch" refForName="compNode" fact="0.175"/>
-          <dgm:constr type="sp" refType="w" refFor="ch" refForName="compNode" op="equ" fact="0.25"/>
-          <dgm:constr type="primFontSz" for="des" ptType="node" op="equ" val="32"/>
+          <dgm:constr type="h" for="ch" forName="sibTrans" refType="h" refFor="ch" refForName="compNode" fact="0.25"/>
+          <dgm:constr type="primFontSz" for="des" forName="parTx" val="19"/>
+          <dgm:constr type="primFontSz" for="des" forName="desTx" refType="primFontSz" refFor="des" refForName="parTx" op="lte" fact="0.75"/>
           <dgm:constr type="h" for="des" forName="compNode" op="equ"/>
-          <dgm:constr type="h" for="des" forName="textRect" op="equ"/>
+          <dgm:constr type="h" for="des" forName="bgRect" op="equ"/>
+          <dgm:constr type="h" for="des" forName="iconRect" op="equ"/>
+          <dgm:constr type="w" for="des" forName="iconRect" op="equ"/>
+          <dgm:constr type="h" for="des" forName="spaceRect" op="equ"/>
+          <dgm:constr type="h" for="des" forName="parTx" op="equ"/>
+          <dgm:constr type="h" for="des" forName="desTx" op="equ"/>
         </dgm:constrLst>
       </dgm:if>
       <dgm:else name="Name7">
         <dgm:constrLst>
-          <dgm:constr type="h" for="ch" forName="compNode" refType="h" fact="0.4"/>
+          <dgm:constr type="h" for="ch" forName="compNode" refType="h" fact="0.3"/>
           <dgm:constr type="w" for="ch" forName="compNode" refType="w"/>
-          <dgm:constr type="w" for="ch" forName="sibTrans" refType="w" refFor="ch" refForName="compNode" fact="0.175"/>
-          <dgm:constr type="sp" refType="w" refFor="ch" refForName="compNode" op="equ" fact="0.25"/>
-          <dgm:constr type="primFontSz" for="des" ptType="node" op="equ" val="24"/>
+          <dgm:constr type="h" for="ch" forName="sibTrans" refType="h" refFor="ch" refForName="compNode" fact="0.25"/>
+          <dgm:constr type="primFontSz" for="des" forName="parTx" val="16"/>
+          <dgm:constr type="primFontSz" for="des" forName="desTx" refType="primFontSz" refFor="des" refForName="parTx" op="lte" fact="0.75"/>
           <dgm:constr type="h" for="des" forName="compNode" op="equ"/>
-          <dgm:constr type="h" for="des" forName="textRect" op="equ"/>
+          <dgm:constr type="h" for="des" forName="bgRect" op="equ"/>
+          <dgm:constr type="h" for="des" forName="iconRect" op="equ"/>
+          <dgm:constr type="w" for="des" forName="iconRect" op="equ"/>
+          <dgm:constr type="h" for="des" forName="spaceRect" op="equ"/>
+          <dgm:constr type="h" for="des" forName="parTx" op="equ"/>
+          <dgm:constr type="h" for="des" forName="desTx" op="equ"/>
         </dgm:constrLst>
       </dgm:else>
     </dgm:choose>
     <dgm:ruleLst>
-      <dgm:rule type="w" for="ch" forName="compNode" val="50" fact="NaN" max="NaN"/>
+      <dgm:rule type="h" for="ch" forName="compNode" val="0" fact="NaN" max="NaN"/>
     </dgm:ruleLst>
     <dgm:forEach name="Name8" axis="ch" ptType="node">
       <dgm:layoutNode name="compNode">
@@ -10079,31 +11878,59 @@
           <dgm:adjLst/>
         </dgm:shape>
         <dgm:presOf axis="self"/>
-        <dgm:constrLst>
-          <dgm:constr type="w" for="ch" forName="iconBgRect" refType="w" fact="0.61"/>
-          <dgm:constr type="h" for="ch" forName="iconBgRect" refType="w" refFor="ch" refForName="iconBgRect"/>
-          <dgm:constr type="t" for="ch" forName="iconBgRect"/>
-          <dgm:constr type="ctrX" for="ch" forName="iconBgRect" refType="w" fact="0.5"/>
-          <dgm:constr type="w" for="ch" forName="iconRect" refType="w" fact="0.35"/>
-          <dgm:constr type="h" for="ch" forName="iconRect" refType="w" refFor="ch" refForName="iconRect"/>
-          <dgm:constr type="ctrX" for="ch" forName="iconRect" refType="ctrX" refFor="ch" refForName="iconBgRect"/>
-          <dgm:constr type="ctrY" for="ch" forName="iconRect" refType="ctrY" refFor="ch" refForName="iconBgRect"/>
-          <dgm:constr type="h" for="ch" forName="spaceRect" refType="w" fact="0.19"/>
-          <dgm:constr type="w" for="ch" forName="spaceRect" refType="w"/>
-          <dgm:constr type="l" for="ch" forName="spaceRect"/>
-          <dgm:constr type="t" for="ch" forName="spaceRect" refType="b" refFor="ch" refForName="iconBgRect"/>
-          <dgm:constr type="h" for="ch" forName="textRect" val="20"/>
-          <dgm:constr type="w" for="ch" forName="textRect" refType="w"/>
-          <dgm:constr type="l" for="ch" forName="textRect"/>
-          <dgm:constr type="t" for="ch" forName="textRect" refType="b" refFor="ch" refForName="spaceRect"/>
-        </dgm:constrLst>
+        <dgm:choose name="Name9">
+          <dgm:if name="Name10" axis="ch" ptType="node" func="cnt" op="gte" val="1">
+            <dgm:constrLst>
+              <dgm:constr type="w" for="ch" forName="bgRect" refType="w"/>
+              <dgm:constr type="h" for="ch" forName="bgRect" refType="h"/>
+              <dgm:constr type="l" for="ch" forName="bgRect"/>
+              <dgm:constr type="t" for="ch" forName="bgRect"/>
+              <dgm:constr type="h" for="ch" forName="iconRect" refType="h" fact="0.55"/>
+              <dgm:constr type="w" for="ch" forName="iconRect" refType="h" refFor="ch" refForName="iconRect"/>
+              <dgm:constr type="l" for="ch" forName="iconRect" refType="h" refFor="ch" refForName="iconRect" fact="0.55"/>
+              <dgm:constr type="ctrY" for="ch" forName="iconRect" refType="ctrY" refFor="ch" refForName="bgRect"/>
+              <dgm:constr type="w" for="ch" forName="spaceRect" refType="l" refFor="ch" refForName="iconRect"/>
+              <dgm:constr type="h" for="ch" forName="spaceRect" refType="h"/>
+              <dgm:constr type="l" for="ch" forName="spaceRect" refType="r" refFor="ch" refForName="iconRect"/>
+              <dgm:constr type="t" for="ch" forName="spaceRect"/>
+              <dgm:constr type="w" for="ch" forName="parTx" refType="w" fact="0.45"/>
+              <dgm:constr type="h" for="ch" forName="parTx" refType="h"/>
+              <dgm:constr type="l" for="ch" forName="parTx" refType="r" refFor="ch" refForName="spaceRect"/>
+              <dgm:constr type="t" for="ch" forName="parTx"/>
+              <dgm:constr type="h" for="ch" forName="desTx" refType="h"/>
+              <dgm:constr type="l" for="ch" forName="desTx" refType="r" refFor="ch" refForName="parTx"/>
+              <dgm:constr type="t" for="ch" forName="desTx"/>
+            </dgm:constrLst>
+          </dgm:if>
+          <dgm:else name="Name11">
+            <dgm:constrLst>
+              <dgm:constr type="w" for="ch" forName="bgRect" refType="w"/>
+              <dgm:constr type="h" for="ch" forName="bgRect" refType="h"/>
+              <dgm:constr type="l" for="ch" forName="bgRect"/>
+              <dgm:constr type="t" for="ch" forName="bgRect"/>
+              <dgm:constr type="h" for="ch" forName="iconRect" refType="h" fact="0.55"/>
+              <dgm:constr type="w" for="ch" forName="iconRect" refType="h" refFor="ch" refForName="iconRect"/>
+              <dgm:constr type="l" for="ch" forName="iconRect" refType="h" refFor="ch" refForName="iconRect" fact="0.55"/>
+              <dgm:constr type="ctrY" for="ch" forName="iconRect" refType="ctrY" refFor="ch" refForName="bgRect"/>
+              <dgm:constr type="w" for="ch" forName="spaceRect" refType="l" refFor="ch" refForName="iconRect"/>
+              <dgm:constr type="h" for="ch" forName="spaceRect" refType="h"/>
+              <dgm:constr type="l" for="ch" forName="spaceRect" refType="r" refFor="ch" refForName="iconRect"/>
+              <dgm:constr type="t" for="ch" forName="spaceRect"/>
+              <dgm:constr type="h" for="ch" forName="parTx" refType="h"/>
+              <dgm:constr type="l" for="ch" forName="parTx" refType="r" refFor="ch" refForName="spaceRect"/>
+              <dgm:constr type="t" for="ch" forName="parTx"/>
+            </dgm:constrLst>
+          </dgm:else>
+        </dgm:choose>
         <dgm:ruleLst>
           <dgm:rule type="h" val="INF" fact="NaN" max="NaN"/>
         </dgm:ruleLst>
-        <dgm:layoutNode name="iconBgRect" styleLbl="bgShp">
+        <dgm:layoutNode name="bgRect" styleLbl="bgShp">
           <dgm:alg type="sp"/>
-          <dgm:shape xmlns:r="http://schemas.openxmlformats.org/officeDocument/2006/relationships" type="ellipse" r:blip="">
-            <dgm:adjLst/>
+          <dgm:shape xmlns:r="http://schemas.openxmlformats.org/officeDocument/2006/relationships" type="roundRect" r:blip="">
+            <dgm:adjLst>
+              <dgm:adj idx="1" val="0.1"/>
+            </dgm:adjLst>
           </dgm:shape>
           <dgm:presOf/>
           <dgm:constrLst/>
@@ -10127,31 +11954,66 @@
           <dgm:constrLst/>
           <dgm:ruleLst/>
         </dgm:layoutNode>
-        <dgm:layoutNode name="textRect" styleLbl="revTx">
+        <dgm:layoutNode name="parTx" styleLbl="revTx">
           <dgm:varLst>
-            <dgm:chMax val="1"/>
-            <dgm:chPref val="1"/>
+            <dgm:chMax val="0"/>
+            <dgm:chPref val="0"/>
           </dgm:varLst>
           <dgm:alg type="tx">
-            <dgm:param type="txAnchorVert" val="t"/>
+            <dgm:param type="txAnchorVert" val="mid"/>
+            <dgm:param type="parTxLTRAlign" val="l"/>
+            <dgm:param type="shpTxLTRAlignCh" val="l"/>
+            <dgm:param type="parTxRTLAlign" val="r"/>
+            <dgm:param type="shpTxRTLAlignCh" val="r"/>
           </dgm:alg>
           <dgm:shape xmlns:r="http://schemas.openxmlformats.org/officeDocument/2006/relationships" type="rect" r:blip="">
             <dgm:adjLst/>
           </dgm:shape>
           <dgm:presOf axis="self" ptType="node"/>
           <dgm:constrLst>
-            <dgm:constr type="lMarg"/>
-            <dgm:constr type="rMarg"/>
-            <dgm:constr type="tMarg"/>
-            <dgm:constr type="bMarg"/>
+            <dgm:constr type="lMarg" refType="h" fact="0.3"/>
+            <dgm:constr type="rMarg" refType="h" fact="0.3"/>
+            <dgm:constr type="tMarg" refType="h" fact="0.3"/>
+            <dgm:constr type="bMarg" refType="h" fact="0.3"/>
           </dgm:constrLst>
           <dgm:ruleLst>
-            <dgm:rule type="primFontSz" val="11" fact="NaN" max="NaN"/>
+            <dgm:rule type="primFontSz" val="14" fact="NaN" max="NaN"/>
             <dgm:rule type="h" val="INF" fact="NaN" max="NaN"/>
           </dgm:ruleLst>
         </dgm:layoutNode>
+        <dgm:choose name="Name12">
+          <dgm:if name="Name13" axis="ch" ptType="node" func="cnt" op="gte" val="1">
+            <dgm:layoutNode name="desTx" styleLbl="revTx">
+              <dgm:varLst/>
+              <dgm:alg type="tx">
+                <dgm:param type="txAnchorVertCh" val="mid"/>
+                <dgm:param type="parTxLTRAlign" val="l"/>
+                <dgm:param type="shpTxLTRAlignCh" val="l"/>
+                <dgm:param type="parTxRTLAlign" val="r"/>
+                <dgm:param type="shpTxRTLAlignCh" val="r"/>
+                <dgm:param type="stBulletLvl" val="0"/>
+              </dgm:alg>
+              <dgm:shape xmlns:r="http://schemas.openxmlformats.org/officeDocument/2006/relationships" type="rect" r:blip="">
+                <dgm:adjLst/>
+              </dgm:shape>
+              <dgm:presOf axis="des" ptType="node"/>
+              <dgm:constrLst>
+                <dgm:constr type="primFontSz" val="18"/>
+                <dgm:constr type="secFontSz" refType="primFontSz"/>
+                <dgm:constr type="lMarg" refType="h" fact="0.3"/>
+                <dgm:constr type="rMarg" refType="h" fact="0.3"/>
+                <dgm:constr type="tMarg" refType="h" fact="0.3"/>
+                <dgm:constr type="bMarg" refType="h" fact="0.3"/>
+              </dgm:constrLst>
+              <dgm:ruleLst>
+                <dgm:rule type="primFontSz" val="11" fact="NaN" max="NaN"/>
+              </dgm:ruleLst>
+            </dgm:layoutNode>
+          </dgm:if>
+          <dgm:else name="Name14"/>
+        </dgm:choose>
       </dgm:layoutNode>
-      <dgm:forEach name="Name9" axis="followSib" ptType="sibTrans" cnt="1">
+      <dgm:forEach name="Name15" axis="followSib" ptType="sibTrans" cnt="1">
         <dgm:layoutNode name="sibTrans">
           <dgm:alg type="sp"/>
           <dgm:shape xmlns:r="http://schemas.openxmlformats.org/officeDocument/2006/relationships" r:blip="">
@@ -10171,8 +12033,306 @@
           <a:lnSpc>
             <a:spcPct val="100000"/>
           </a:lnSpc>
-          <a:defRPr cap="all"/>
         </a:lvl1pPr>
+        <a:lvl2pPr>
+          <a:lnSpc>
+            <a:spcPct val="100000"/>
+          </a:lnSpc>
+        </a:lvl2pPr>
+      </dgm1612:lstStyle>
+    </a:ext>
+  </dgm:extLst>
+</dgm:layoutDef>
+</file>
+
+<file path=ppt/diagrams/layout5.xml><?xml version="1.0" encoding="utf-8"?>
+<dgm:layoutDef xmlns:dgm="http://schemas.openxmlformats.org/drawingml/2006/diagram" xmlns:a="http://schemas.openxmlformats.org/drawingml/2006/main" uniqueId="urn:microsoft.com/office/officeart/2018/2/layout/IconVerticalSolidList">
+  <dgm:title val="Icon Vertical Solid List"/>
+  <dgm:desc val="Use to show a series of visuals from top to bottom with Level 1 or Level 1 and Level 2 text grouped in a shape. Works best with icons or small pictures with lengthier descriptions."/>
+  <dgm:catLst>
+    <dgm:cat type="icon" pri="500"/>
+  </dgm:catLst>
+  <dgm:sampData useDef="1">
+    <dgm:dataModel>
+      <dgm:ptLst/>
+      <dgm:bg/>
+      <dgm:whole/>
+    </dgm:dataModel>
+  </dgm:sampData>
+  <dgm:styleData useDef="1">
+    <dgm:dataModel>
+      <dgm:ptLst/>
+      <dgm:bg/>
+      <dgm:whole/>
+    </dgm:dataModel>
+  </dgm:styleData>
+  <dgm:clrData useDef="1">
+    <dgm:dataModel>
+      <dgm:ptLst/>
+      <dgm:bg/>
+      <dgm:whole/>
+    </dgm:dataModel>
+  </dgm:clrData>
+  <dgm:layoutNode name="root">
+    <dgm:varLst>
+      <dgm:dir/>
+      <dgm:resizeHandles val="exact"/>
+    </dgm:varLst>
+    <dgm:choose name="Name0">
+      <dgm:if name="Name1" axis="self" func="var" arg="dir" op="equ" val="norm">
+        <dgm:alg type="lin">
+          <dgm:param type="linDir" val="fromT"/>
+          <dgm:param type="nodeHorzAlign" val="l"/>
+        </dgm:alg>
+      </dgm:if>
+      <dgm:else name="Name2">
+        <dgm:alg type="lin">
+          <dgm:param type="linDir" val="fromT"/>
+          <dgm:param type="nodeHorzAlign" val="r"/>
+        </dgm:alg>
+      </dgm:else>
+    </dgm:choose>
+    <dgm:shape xmlns:r="http://schemas.openxmlformats.org/officeDocument/2006/relationships" r:blip="">
+      <dgm:adjLst/>
+    </dgm:shape>
+    <dgm:presOf/>
+    <dgm:choose name="Name3">
+      <dgm:if name="Name4" axis="ch" ptType="node" func="cnt" op="lte" val="3">
+        <dgm:constrLst>
+          <dgm:constr type="h" for="ch" forName="compNode" refType="h" fact="0.3"/>
+          <dgm:constr type="w" for="ch" forName="compNode" refType="w"/>
+          <dgm:constr type="h" for="ch" forName="sibTrans" refType="h" refFor="ch" refForName="compNode" fact="0.25"/>
+          <dgm:constr type="primFontSz" for="des" forName="parTx" val="25"/>
+          <dgm:constr type="primFontSz" for="des" forName="desTx" refType="primFontSz" refFor="des" refForName="parTx" op="lte" fact="0.75"/>
+          <dgm:constr type="h" for="des" forName="compNode" op="equ"/>
+          <dgm:constr type="h" for="des" forName="bgRect" op="equ"/>
+          <dgm:constr type="h" for="des" forName="iconRect" op="equ"/>
+          <dgm:constr type="w" for="des" forName="iconRect" op="equ"/>
+          <dgm:constr type="h" for="des" forName="spaceRect" op="equ"/>
+          <dgm:constr type="h" for="des" forName="parTx" op="equ"/>
+          <dgm:constr type="h" for="des" forName="desTx" op="equ"/>
+        </dgm:constrLst>
+      </dgm:if>
+      <dgm:if name="Name5" axis="ch" ptType="node" func="cnt" op="lte" val="4">
+        <dgm:constrLst>
+          <dgm:constr type="h" for="ch" forName="compNode" refType="h" fact="0.3"/>
+          <dgm:constr type="w" for="ch" forName="compNode" refType="w"/>
+          <dgm:constr type="h" for="ch" forName="sibTrans" refType="h" refFor="ch" refForName="compNode" fact="0.25"/>
+          <dgm:constr type="primFontSz" for="des" forName="parTx" val="22"/>
+          <dgm:constr type="primFontSz" for="des" forName="desTx" refType="primFontSz" refFor="des" refForName="parTx" op="lte" fact="0.75"/>
+          <dgm:constr type="h" for="des" forName="compNode" op="equ"/>
+          <dgm:constr type="h" for="des" forName="bgRect" op="equ"/>
+          <dgm:constr type="h" for="des" forName="iconRect" op="equ"/>
+          <dgm:constr type="w" for="des" forName="iconRect" op="equ"/>
+          <dgm:constr type="h" for="des" forName="spaceRect" op="equ"/>
+          <dgm:constr type="h" for="des" forName="parTx" op="equ"/>
+          <dgm:constr type="h" for="des" forName="desTx" op="equ"/>
+        </dgm:constrLst>
+      </dgm:if>
+      <dgm:if name="Name6" axis="ch" ptType="node" func="cnt" op="lte" val="6">
+        <dgm:constrLst>
+          <dgm:constr type="h" for="ch" forName="compNode" refType="h" fact="0.3"/>
+          <dgm:constr type="w" for="ch" forName="compNode" refType="w"/>
+          <dgm:constr type="h" for="ch" forName="sibTrans" refType="h" refFor="ch" refForName="compNode" fact="0.25"/>
+          <dgm:constr type="primFontSz" for="des" forName="parTx" val="19"/>
+          <dgm:constr type="primFontSz" for="des" forName="desTx" refType="primFontSz" refFor="des" refForName="parTx" op="lte" fact="0.75"/>
+          <dgm:constr type="h" for="des" forName="compNode" op="equ"/>
+          <dgm:constr type="h" for="des" forName="bgRect" op="equ"/>
+          <dgm:constr type="h" for="des" forName="iconRect" op="equ"/>
+          <dgm:constr type="w" for="des" forName="iconRect" op="equ"/>
+          <dgm:constr type="h" for="des" forName="spaceRect" op="equ"/>
+          <dgm:constr type="h" for="des" forName="parTx" op="equ"/>
+          <dgm:constr type="h" for="des" forName="desTx" op="equ"/>
+        </dgm:constrLst>
+      </dgm:if>
+      <dgm:else name="Name7">
+        <dgm:constrLst>
+          <dgm:constr type="h" for="ch" forName="compNode" refType="h" fact="0.3"/>
+          <dgm:constr type="w" for="ch" forName="compNode" refType="w"/>
+          <dgm:constr type="h" for="ch" forName="sibTrans" refType="h" refFor="ch" refForName="compNode" fact="0.25"/>
+          <dgm:constr type="primFontSz" for="des" forName="parTx" val="16"/>
+          <dgm:constr type="primFontSz" for="des" forName="desTx" refType="primFontSz" refFor="des" refForName="parTx" op="lte" fact="0.75"/>
+          <dgm:constr type="h" for="des" forName="compNode" op="equ"/>
+          <dgm:constr type="h" for="des" forName="bgRect" op="equ"/>
+          <dgm:constr type="h" for="des" forName="iconRect" op="equ"/>
+          <dgm:constr type="w" for="des" forName="iconRect" op="equ"/>
+          <dgm:constr type="h" for="des" forName="spaceRect" op="equ"/>
+          <dgm:constr type="h" for="des" forName="parTx" op="equ"/>
+          <dgm:constr type="h" for="des" forName="desTx" op="equ"/>
+        </dgm:constrLst>
+      </dgm:else>
+    </dgm:choose>
+    <dgm:ruleLst>
+      <dgm:rule type="h" for="ch" forName="compNode" val="0" fact="NaN" max="NaN"/>
+    </dgm:ruleLst>
+    <dgm:forEach name="Name8" axis="ch" ptType="node">
+      <dgm:layoutNode name="compNode">
+        <dgm:alg type="composite"/>
+        <dgm:shape xmlns:r="http://schemas.openxmlformats.org/officeDocument/2006/relationships" r:blip="">
+          <dgm:adjLst/>
+        </dgm:shape>
+        <dgm:presOf axis="self"/>
+        <dgm:choose name="Name9">
+          <dgm:if name="Name10" axis="ch" ptType="node" func="cnt" op="gte" val="1">
+            <dgm:constrLst>
+              <dgm:constr type="w" for="ch" forName="bgRect" refType="w"/>
+              <dgm:constr type="h" for="ch" forName="bgRect" refType="h"/>
+              <dgm:constr type="l" for="ch" forName="bgRect"/>
+              <dgm:constr type="t" for="ch" forName="bgRect"/>
+              <dgm:constr type="h" for="ch" forName="iconRect" refType="h" fact="0.55"/>
+              <dgm:constr type="w" for="ch" forName="iconRect" refType="h" refFor="ch" refForName="iconRect"/>
+              <dgm:constr type="l" for="ch" forName="iconRect" refType="h" refFor="ch" refForName="iconRect" fact="0.55"/>
+              <dgm:constr type="ctrY" for="ch" forName="iconRect" refType="ctrY" refFor="ch" refForName="bgRect"/>
+              <dgm:constr type="w" for="ch" forName="spaceRect" refType="l" refFor="ch" refForName="iconRect"/>
+              <dgm:constr type="h" for="ch" forName="spaceRect" refType="h"/>
+              <dgm:constr type="l" for="ch" forName="spaceRect" refType="r" refFor="ch" refForName="iconRect"/>
+              <dgm:constr type="t" for="ch" forName="spaceRect"/>
+              <dgm:constr type="w" for="ch" forName="parTx" refType="w" fact="0.45"/>
+              <dgm:constr type="h" for="ch" forName="parTx" refType="h"/>
+              <dgm:constr type="l" for="ch" forName="parTx" refType="r" refFor="ch" refForName="spaceRect"/>
+              <dgm:constr type="t" for="ch" forName="parTx"/>
+              <dgm:constr type="h" for="ch" forName="desTx" refType="h"/>
+              <dgm:constr type="l" for="ch" forName="desTx" refType="r" refFor="ch" refForName="parTx"/>
+              <dgm:constr type="t" for="ch" forName="desTx"/>
+            </dgm:constrLst>
+          </dgm:if>
+          <dgm:else name="Name11">
+            <dgm:constrLst>
+              <dgm:constr type="w" for="ch" forName="bgRect" refType="w"/>
+              <dgm:constr type="h" for="ch" forName="bgRect" refType="h"/>
+              <dgm:constr type="l" for="ch" forName="bgRect"/>
+              <dgm:constr type="t" for="ch" forName="bgRect"/>
+              <dgm:constr type="h" for="ch" forName="iconRect" refType="h" fact="0.55"/>
+              <dgm:constr type="w" for="ch" forName="iconRect" refType="h" refFor="ch" refForName="iconRect"/>
+              <dgm:constr type="l" for="ch" forName="iconRect" refType="h" refFor="ch" refForName="iconRect" fact="0.55"/>
+              <dgm:constr type="ctrY" for="ch" forName="iconRect" refType="ctrY" refFor="ch" refForName="bgRect"/>
+              <dgm:constr type="w" for="ch" forName="spaceRect" refType="l" refFor="ch" refForName="iconRect"/>
+              <dgm:constr type="h" for="ch" forName="spaceRect" refType="h"/>
+              <dgm:constr type="l" for="ch" forName="spaceRect" refType="r" refFor="ch" refForName="iconRect"/>
+              <dgm:constr type="t" for="ch" forName="spaceRect"/>
+              <dgm:constr type="h" for="ch" forName="parTx" refType="h"/>
+              <dgm:constr type="l" for="ch" forName="parTx" refType="r" refFor="ch" refForName="spaceRect"/>
+              <dgm:constr type="t" for="ch" forName="parTx"/>
+            </dgm:constrLst>
+          </dgm:else>
+        </dgm:choose>
+        <dgm:ruleLst>
+          <dgm:rule type="h" val="INF" fact="NaN" max="NaN"/>
+        </dgm:ruleLst>
+        <dgm:layoutNode name="bgRect" styleLbl="bgShp">
+          <dgm:alg type="sp"/>
+          <dgm:shape xmlns:r="http://schemas.openxmlformats.org/officeDocument/2006/relationships" type="roundRect" r:blip="">
+            <dgm:adjLst>
+              <dgm:adj idx="1" val="0.1"/>
+            </dgm:adjLst>
+          </dgm:shape>
+          <dgm:presOf/>
+          <dgm:constrLst/>
+          <dgm:ruleLst/>
+        </dgm:layoutNode>
+        <dgm:layoutNode name="iconRect" styleLbl="node1">
+          <dgm:alg type="sp"/>
+          <dgm:shape xmlns:r="http://schemas.openxmlformats.org/officeDocument/2006/relationships" type="rect" r:blip="" blipPhldr="1">
+            <dgm:adjLst/>
+          </dgm:shape>
+          <dgm:presOf/>
+          <dgm:constrLst/>
+          <dgm:ruleLst/>
+        </dgm:layoutNode>
+        <dgm:layoutNode name="spaceRect">
+          <dgm:alg type="sp"/>
+          <dgm:shape xmlns:r="http://schemas.openxmlformats.org/officeDocument/2006/relationships" r:blip="">
+            <dgm:adjLst/>
+          </dgm:shape>
+          <dgm:presOf/>
+          <dgm:constrLst/>
+          <dgm:ruleLst/>
+        </dgm:layoutNode>
+        <dgm:layoutNode name="parTx" styleLbl="revTx">
+          <dgm:varLst>
+            <dgm:chMax val="0"/>
+            <dgm:chPref val="0"/>
+          </dgm:varLst>
+          <dgm:alg type="tx">
+            <dgm:param type="txAnchorVert" val="mid"/>
+            <dgm:param type="parTxLTRAlign" val="l"/>
+            <dgm:param type="shpTxLTRAlignCh" val="l"/>
+            <dgm:param type="parTxRTLAlign" val="r"/>
+            <dgm:param type="shpTxRTLAlignCh" val="r"/>
+          </dgm:alg>
+          <dgm:shape xmlns:r="http://schemas.openxmlformats.org/officeDocument/2006/relationships" type="rect" r:blip="">
+            <dgm:adjLst/>
+          </dgm:shape>
+          <dgm:presOf axis="self" ptType="node"/>
+          <dgm:constrLst>
+            <dgm:constr type="lMarg" refType="h" fact="0.3"/>
+            <dgm:constr type="rMarg" refType="h" fact="0.3"/>
+            <dgm:constr type="tMarg" refType="h" fact="0.3"/>
+            <dgm:constr type="bMarg" refType="h" fact="0.3"/>
+          </dgm:constrLst>
+          <dgm:ruleLst>
+            <dgm:rule type="primFontSz" val="14" fact="NaN" max="NaN"/>
+            <dgm:rule type="h" val="INF" fact="NaN" max="NaN"/>
+          </dgm:ruleLst>
+        </dgm:layoutNode>
+        <dgm:choose name="Name12">
+          <dgm:if name="Name13" axis="ch" ptType="node" func="cnt" op="gte" val="1">
+            <dgm:layoutNode name="desTx" styleLbl="revTx">
+              <dgm:varLst/>
+              <dgm:alg type="tx">
+                <dgm:param type="txAnchorVertCh" val="mid"/>
+                <dgm:param type="parTxLTRAlign" val="l"/>
+                <dgm:param type="shpTxLTRAlignCh" val="l"/>
+                <dgm:param type="parTxRTLAlign" val="r"/>
+                <dgm:param type="shpTxRTLAlignCh" val="r"/>
+                <dgm:param type="stBulletLvl" val="0"/>
+              </dgm:alg>
+              <dgm:shape xmlns:r="http://schemas.openxmlformats.org/officeDocument/2006/relationships" type="rect" r:blip="">
+                <dgm:adjLst/>
+              </dgm:shape>
+              <dgm:presOf axis="des" ptType="node"/>
+              <dgm:constrLst>
+                <dgm:constr type="primFontSz" val="18"/>
+                <dgm:constr type="secFontSz" refType="primFontSz"/>
+                <dgm:constr type="lMarg" refType="h" fact="0.3"/>
+                <dgm:constr type="rMarg" refType="h" fact="0.3"/>
+                <dgm:constr type="tMarg" refType="h" fact="0.3"/>
+                <dgm:constr type="bMarg" refType="h" fact="0.3"/>
+              </dgm:constrLst>
+              <dgm:ruleLst>
+                <dgm:rule type="primFontSz" val="11" fact="NaN" max="NaN"/>
+              </dgm:ruleLst>
+            </dgm:layoutNode>
+          </dgm:if>
+          <dgm:else name="Name14"/>
+        </dgm:choose>
+      </dgm:layoutNode>
+      <dgm:forEach name="Name15" axis="followSib" ptType="sibTrans" cnt="1">
+        <dgm:layoutNode name="sibTrans">
+          <dgm:alg type="sp"/>
+          <dgm:shape xmlns:r="http://schemas.openxmlformats.org/officeDocument/2006/relationships" r:blip="">
+            <dgm:adjLst/>
+          </dgm:shape>
+          <dgm:presOf axis="self"/>
+          <dgm:constrLst/>
+          <dgm:ruleLst/>
+        </dgm:layoutNode>
+      </dgm:forEach>
+    </dgm:forEach>
+  </dgm:layoutNode>
+  <dgm:extLst>
+    <a:ext uri="{68A01E43-0DF5-4B5B-8FA6-DAF915123BFB}">
+      <dgm1612:lstStyle xmlns:dgm1612="http://schemas.microsoft.com/office/drawing/2016/12/diagram">
+        <a:lvl1pPr>
+          <a:lnSpc>
+            <a:spcPct val="100000"/>
+          </a:lnSpc>
+        </a:lvl1pPr>
+        <a:lvl2pPr>
+          <a:lnSpc>
+            <a:spcPct val="100000"/>
+          </a:lnSpc>
+        </a:lvl2pPr>
       </dgm1612:lstStyle>
     </a:ext>
   </dgm:extLst>
@@ -13282,6 +15442,1040 @@
 </file>
 
 <file path=ppt/diagrams/quickStyle4.xml><?xml version="1.0" encoding="utf-8"?>
+<dgm:styleDef xmlns:dgm="http://schemas.openxmlformats.org/drawingml/2006/diagram" xmlns:a="http://schemas.openxmlformats.org/drawingml/2006/main" uniqueId="urn:microsoft.com/office/officeart/2005/8/quickstyle/simple1">
+  <dgm:title val=""/>
+  <dgm:desc val=""/>
+  <dgm:catLst>
+    <dgm:cat type="simple" pri="10100"/>
+  </dgm:catLst>
+  <dgm:scene3d>
+    <a:camera prst="orthographicFront"/>
+    <a:lightRig rig="threePt" dir="t"/>
+  </dgm:scene3d>
+  <dgm:styleLbl name="node0">
+    <dgm:scene3d>
+      <a:camera prst="orthographicFront"/>
+      <a:lightRig rig="threePt" dir="t"/>
+    </dgm:scene3d>
+    <dgm:sp3d/>
+    <dgm:txPr/>
+    <dgm:style>
+      <a:lnRef idx="2">
+        <a:scrgbClr r="0" g="0" b="0"/>
+      </a:lnRef>
+      <a:fillRef idx="1">
+        <a:scrgbClr r="0" g="0" b="0"/>
+      </a:fillRef>
+      <a:effectRef idx="0">
+        <a:scrgbClr r="0" g="0" b="0"/>
+      </a:effectRef>
+      <a:fontRef idx="minor">
+        <a:schemeClr val="lt1"/>
+      </a:fontRef>
+    </dgm:style>
+  </dgm:styleLbl>
+  <dgm:styleLbl name="lnNode1">
+    <dgm:scene3d>
+      <a:camera prst="orthographicFront"/>
+      <a:lightRig rig="threePt" dir="t"/>
+    </dgm:scene3d>
+    <dgm:sp3d/>
+    <dgm:txPr/>
+    <dgm:style>
+      <a:lnRef idx="2">
+        <a:scrgbClr r="0" g="0" b="0"/>
+      </a:lnRef>
+      <a:fillRef idx="1">
+        <a:scrgbClr r="0" g="0" b="0"/>
+      </a:fillRef>
+      <a:effectRef idx="0">
+        <a:scrgbClr r="0" g="0" b="0"/>
+      </a:effectRef>
+      <a:fontRef idx="minor">
+        <a:schemeClr val="lt1"/>
+      </a:fontRef>
+    </dgm:style>
+  </dgm:styleLbl>
+  <dgm:styleLbl name="vennNode1">
+    <dgm:scene3d>
+      <a:camera prst="orthographicFront"/>
+      <a:lightRig rig="threePt" dir="t"/>
+    </dgm:scene3d>
+    <dgm:sp3d/>
+    <dgm:txPr/>
+    <dgm:style>
+      <a:lnRef idx="2">
+        <a:scrgbClr r="0" g="0" b="0"/>
+      </a:lnRef>
+      <a:fillRef idx="1">
+        <a:scrgbClr r="0" g="0" b="0"/>
+      </a:fillRef>
+      <a:effectRef idx="0">
+        <a:scrgbClr r="0" g="0" b="0"/>
+      </a:effectRef>
+      <a:fontRef idx="minor">
+        <a:schemeClr val="tx1"/>
+      </a:fontRef>
+    </dgm:style>
+  </dgm:styleLbl>
+  <dgm:styleLbl name="alignNode1">
+    <dgm:scene3d>
+      <a:camera prst="orthographicFront"/>
+      <a:lightRig rig="threePt" dir="t"/>
+    </dgm:scene3d>
+    <dgm:sp3d/>
+    <dgm:txPr/>
+    <dgm:style>
+      <a:lnRef idx="2">
+        <a:scrgbClr r="0" g="0" b="0"/>
+      </a:lnRef>
+      <a:fillRef idx="1">
+        <a:scrgbClr r="0" g="0" b="0"/>
+      </a:fillRef>
+      <a:effectRef idx="0">
+        <a:scrgbClr r="0" g="0" b="0"/>
+      </a:effectRef>
+      <a:fontRef idx="minor">
+        <a:schemeClr val="lt1"/>
+      </a:fontRef>
+    </dgm:style>
+  </dgm:styleLbl>
+  <dgm:styleLbl name="node1">
+    <dgm:scene3d>
+      <a:camera prst="orthographicFront"/>
+      <a:lightRig rig="threePt" dir="t"/>
+    </dgm:scene3d>
+    <dgm:sp3d/>
+    <dgm:txPr/>
+    <dgm:style>
+      <a:lnRef idx="2">
+        <a:scrgbClr r="0" g="0" b="0"/>
+      </a:lnRef>
+      <a:fillRef idx="1">
+        <a:scrgbClr r="0" g="0" b="0"/>
+      </a:fillRef>
+      <a:effectRef idx="0">
+        <a:scrgbClr r="0" g="0" b="0"/>
+      </a:effectRef>
+      <a:fontRef idx="minor">
+        <a:schemeClr val="lt1"/>
+      </a:fontRef>
+    </dgm:style>
+  </dgm:styleLbl>
+  <dgm:styleLbl name="node2">
+    <dgm:scene3d>
+      <a:camera prst="orthographicFront"/>
+      <a:lightRig rig="threePt" dir="t"/>
+    </dgm:scene3d>
+    <dgm:sp3d/>
+    <dgm:txPr/>
+    <dgm:style>
+      <a:lnRef idx="2">
+        <a:scrgbClr r="0" g="0" b="0"/>
+      </a:lnRef>
+      <a:fillRef idx="1">
+        <a:scrgbClr r="0" g="0" b="0"/>
+      </a:fillRef>
+      <a:effectRef idx="0">
+        <a:scrgbClr r="0" g="0" b="0"/>
+      </a:effectRef>
+      <a:fontRef idx="minor">
+        <a:schemeClr val="lt1"/>
+      </a:fontRef>
+    </dgm:style>
+  </dgm:styleLbl>
+  <dgm:styleLbl name="node3">
+    <dgm:scene3d>
+      <a:camera prst="orthographicFront"/>
+      <a:lightRig rig="threePt" dir="t"/>
+    </dgm:scene3d>
+    <dgm:sp3d/>
+    <dgm:txPr/>
+    <dgm:style>
+      <a:lnRef idx="2">
+        <a:scrgbClr r="0" g="0" b="0"/>
+      </a:lnRef>
+      <a:fillRef idx="1">
+        <a:scrgbClr r="0" g="0" b="0"/>
+      </a:fillRef>
+      <a:effectRef idx="0">
+        <a:scrgbClr r="0" g="0" b="0"/>
+      </a:effectRef>
+      <a:fontRef idx="minor">
+        <a:schemeClr val="lt1"/>
+      </a:fontRef>
+    </dgm:style>
+  </dgm:styleLbl>
+  <dgm:styleLbl name="node4">
+    <dgm:scene3d>
+      <a:camera prst="orthographicFront"/>
+      <a:lightRig rig="threePt" dir="t"/>
+    </dgm:scene3d>
+    <dgm:sp3d/>
+    <dgm:txPr/>
+    <dgm:style>
+      <a:lnRef idx="2">
+        <a:scrgbClr r="0" g="0" b="0"/>
+      </a:lnRef>
+      <a:fillRef idx="1">
+        <a:scrgbClr r="0" g="0" b="0"/>
+      </a:fillRef>
+      <a:effectRef idx="0">
+        <a:scrgbClr r="0" g="0" b="0"/>
+      </a:effectRef>
+      <a:fontRef idx="minor">
+        <a:schemeClr val="lt1"/>
+      </a:fontRef>
+    </dgm:style>
+  </dgm:styleLbl>
+  <dgm:styleLbl name="fgImgPlace1">
+    <dgm:scene3d>
+      <a:camera prst="orthographicFront"/>
+      <a:lightRig rig="threePt" dir="t"/>
+    </dgm:scene3d>
+    <dgm:sp3d/>
+    <dgm:txPr/>
+    <dgm:style>
+      <a:lnRef idx="2">
+        <a:scrgbClr r="0" g="0" b="0"/>
+      </a:lnRef>
+      <a:fillRef idx="1">
+        <a:scrgbClr r="0" g="0" b="0"/>
+      </a:fillRef>
+      <a:effectRef idx="0">
+        <a:scrgbClr r="0" g="0" b="0"/>
+      </a:effectRef>
+      <a:fontRef idx="minor"/>
+    </dgm:style>
+  </dgm:styleLbl>
+  <dgm:styleLbl name="alignImgPlace1">
+    <dgm:scene3d>
+      <a:camera prst="orthographicFront"/>
+      <a:lightRig rig="threePt" dir="t"/>
+    </dgm:scene3d>
+    <dgm:sp3d/>
+    <dgm:txPr/>
+    <dgm:style>
+      <a:lnRef idx="2">
+        <a:scrgbClr r="0" g="0" b="0"/>
+      </a:lnRef>
+      <a:fillRef idx="1">
+        <a:scrgbClr r="0" g="0" b="0"/>
+      </a:fillRef>
+      <a:effectRef idx="0">
+        <a:scrgbClr r="0" g="0" b="0"/>
+      </a:effectRef>
+      <a:fontRef idx="minor"/>
+    </dgm:style>
+  </dgm:styleLbl>
+  <dgm:styleLbl name="bgImgPlace1">
+    <dgm:scene3d>
+      <a:camera prst="orthographicFront"/>
+      <a:lightRig rig="threePt" dir="t"/>
+    </dgm:scene3d>
+    <dgm:sp3d/>
+    <dgm:txPr/>
+    <dgm:style>
+      <a:lnRef idx="2">
+        <a:scrgbClr r="0" g="0" b="0"/>
+      </a:lnRef>
+      <a:fillRef idx="1">
+        <a:scrgbClr r="0" g="0" b="0"/>
+      </a:fillRef>
+      <a:effectRef idx="0">
+        <a:scrgbClr r="0" g="0" b="0"/>
+      </a:effectRef>
+      <a:fontRef idx="minor"/>
+    </dgm:style>
+  </dgm:styleLbl>
+  <dgm:styleLbl name="sibTrans2D1">
+    <dgm:scene3d>
+      <a:camera prst="orthographicFront"/>
+      <a:lightRig rig="threePt" dir="t"/>
+    </dgm:scene3d>
+    <dgm:sp3d/>
+    <dgm:txPr/>
+    <dgm:style>
+      <a:lnRef idx="0">
+        <a:scrgbClr r="0" g="0" b="0"/>
+      </a:lnRef>
+      <a:fillRef idx="1">
+        <a:scrgbClr r="0" g="0" b="0"/>
+      </a:fillRef>
+      <a:effectRef idx="0">
+        <a:scrgbClr r="0" g="0" b="0"/>
+      </a:effectRef>
+      <a:fontRef idx="minor">
+        <a:schemeClr val="lt1"/>
+      </a:fontRef>
+    </dgm:style>
+  </dgm:styleLbl>
+  <dgm:styleLbl name="fgSibTrans2D1">
+    <dgm:scene3d>
+      <a:camera prst="orthographicFront"/>
+      <a:lightRig rig="threePt" dir="t"/>
+    </dgm:scene3d>
+    <dgm:sp3d/>
+    <dgm:txPr/>
+    <dgm:style>
+      <a:lnRef idx="0">
+        <a:scrgbClr r="0" g="0" b="0"/>
+      </a:lnRef>
+      <a:fillRef idx="1">
+        <a:scrgbClr r="0" g="0" b="0"/>
+      </a:fillRef>
+      <a:effectRef idx="0">
+        <a:scrgbClr r="0" g="0" b="0"/>
+      </a:effectRef>
+      <a:fontRef idx="minor">
+        <a:schemeClr val="lt1"/>
+      </a:fontRef>
+    </dgm:style>
+  </dgm:styleLbl>
+  <dgm:styleLbl name="bgSibTrans2D1">
+    <dgm:scene3d>
+      <a:camera prst="orthographicFront"/>
+      <a:lightRig rig="threePt" dir="t"/>
+    </dgm:scene3d>
+    <dgm:sp3d/>
+    <dgm:txPr/>
+    <dgm:style>
+      <a:lnRef idx="0">
+        <a:scrgbClr r="0" g="0" b="0"/>
+      </a:lnRef>
+      <a:fillRef idx="1">
+        <a:scrgbClr r="0" g="0" b="0"/>
+      </a:fillRef>
+      <a:effectRef idx="0">
+        <a:scrgbClr r="0" g="0" b="0"/>
+      </a:effectRef>
+      <a:fontRef idx="minor">
+        <a:schemeClr val="lt1"/>
+      </a:fontRef>
+    </dgm:style>
+  </dgm:styleLbl>
+  <dgm:styleLbl name="sibTrans1D1">
+    <dgm:scene3d>
+      <a:camera prst="orthographicFront"/>
+      <a:lightRig rig="threePt" dir="t"/>
+    </dgm:scene3d>
+    <dgm:sp3d/>
+    <dgm:txPr/>
+    <dgm:style>
+      <a:lnRef idx="1">
+        <a:scrgbClr r="0" g="0" b="0"/>
+      </a:lnRef>
+      <a:fillRef idx="0">
+        <a:scrgbClr r="0" g="0" b="0"/>
+      </a:fillRef>
+      <a:effectRef idx="0">
+        <a:scrgbClr r="0" g="0" b="0"/>
+      </a:effectRef>
+      <a:fontRef idx="minor"/>
+    </dgm:style>
+  </dgm:styleLbl>
+  <dgm:styleLbl name="callout">
+    <dgm:scene3d>
+      <a:camera prst="orthographicFront"/>
+      <a:lightRig rig="threePt" dir="t"/>
+    </dgm:scene3d>
+    <dgm:sp3d/>
+    <dgm:txPr/>
+    <dgm:style>
+      <a:lnRef idx="2">
+        <a:scrgbClr r="0" g="0" b="0"/>
+      </a:lnRef>
+      <a:fillRef idx="1">
+        <a:scrgbClr r="0" g="0" b="0"/>
+      </a:fillRef>
+      <a:effectRef idx="0">
+        <a:scrgbClr r="0" g="0" b="0"/>
+      </a:effectRef>
+      <a:fontRef idx="minor"/>
+    </dgm:style>
+  </dgm:styleLbl>
+  <dgm:styleLbl name="asst0">
+    <dgm:scene3d>
+      <a:camera prst="orthographicFront"/>
+      <a:lightRig rig="threePt" dir="t"/>
+    </dgm:scene3d>
+    <dgm:sp3d/>
+    <dgm:txPr/>
+    <dgm:style>
+      <a:lnRef idx="2">
+        <a:scrgbClr r="0" g="0" b="0"/>
+      </a:lnRef>
+      <a:fillRef idx="1">
+        <a:scrgbClr r="0" g="0" b="0"/>
+      </a:fillRef>
+      <a:effectRef idx="0">
+        <a:scrgbClr r="0" g="0" b="0"/>
+      </a:effectRef>
+      <a:fontRef idx="minor">
+        <a:schemeClr val="lt1"/>
+      </a:fontRef>
+    </dgm:style>
+  </dgm:styleLbl>
+  <dgm:styleLbl name="asst1">
+    <dgm:scene3d>
+      <a:camera prst="orthographicFront"/>
+      <a:lightRig rig="threePt" dir="t"/>
+    </dgm:scene3d>
+    <dgm:sp3d/>
+    <dgm:txPr/>
+    <dgm:style>
+      <a:lnRef idx="2">
+        <a:scrgbClr r="0" g="0" b="0"/>
+      </a:lnRef>
+      <a:fillRef idx="1">
+        <a:scrgbClr r="0" g="0" b="0"/>
+      </a:fillRef>
+      <a:effectRef idx="0">
+        <a:scrgbClr r="0" g="0" b="0"/>
+      </a:effectRef>
+      <a:fontRef idx="minor">
+        <a:schemeClr val="lt1"/>
+      </a:fontRef>
+    </dgm:style>
+  </dgm:styleLbl>
+  <dgm:styleLbl name="asst2">
+    <dgm:scene3d>
+      <a:camera prst="orthographicFront"/>
+      <a:lightRig rig="threePt" dir="t"/>
+    </dgm:scene3d>
+    <dgm:sp3d/>
+    <dgm:txPr/>
+    <dgm:style>
+      <a:lnRef idx="2">
+        <a:scrgbClr r="0" g="0" b="0"/>
+      </a:lnRef>
+      <a:fillRef idx="1">
+        <a:scrgbClr r="0" g="0" b="0"/>
+      </a:fillRef>
+      <a:effectRef idx="0">
+        <a:scrgbClr r="0" g="0" b="0"/>
+      </a:effectRef>
+      <a:fontRef idx="minor">
+        <a:schemeClr val="lt1"/>
+      </a:fontRef>
+    </dgm:style>
+  </dgm:styleLbl>
+  <dgm:styleLbl name="asst3">
+    <dgm:scene3d>
+      <a:camera prst="orthographicFront"/>
+      <a:lightRig rig="threePt" dir="t"/>
+    </dgm:scene3d>
+    <dgm:sp3d/>
+    <dgm:txPr/>
+    <dgm:style>
+      <a:lnRef idx="2">
+        <a:scrgbClr r="0" g="0" b="0"/>
+      </a:lnRef>
+      <a:fillRef idx="1">
+        <a:scrgbClr r="0" g="0" b="0"/>
+      </a:fillRef>
+      <a:effectRef idx="0">
+        <a:scrgbClr r="0" g="0" b="0"/>
+      </a:effectRef>
+      <a:fontRef idx="minor">
+        <a:schemeClr val="lt1"/>
+      </a:fontRef>
+    </dgm:style>
+  </dgm:styleLbl>
+  <dgm:styleLbl name="asst4">
+    <dgm:scene3d>
+      <a:camera prst="orthographicFront"/>
+      <a:lightRig rig="threePt" dir="t"/>
+    </dgm:scene3d>
+    <dgm:sp3d/>
+    <dgm:txPr/>
+    <dgm:style>
+      <a:lnRef idx="2">
+        <a:scrgbClr r="0" g="0" b="0"/>
+      </a:lnRef>
+      <a:fillRef idx="1">
+        <a:scrgbClr r="0" g="0" b="0"/>
+      </a:fillRef>
+      <a:effectRef idx="0">
+        <a:scrgbClr r="0" g="0" b="0"/>
+      </a:effectRef>
+      <a:fontRef idx="minor">
+        <a:schemeClr val="lt1"/>
+      </a:fontRef>
+    </dgm:style>
+  </dgm:styleLbl>
+  <dgm:styleLbl name="parChTrans2D1">
+    <dgm:scene3d>
+      <a:camera prst="orthographicFront"/>
+      <a:lightRig rig="threePt" dir="t"/>
+    </dgm:scene3d>
+    <dgm:sp3d/>
+    <dgm:txPr/>
+    <dgm:style>
+      <a:lnRef idx="2">
+        <a:scrgbClr r="0" g="0" b="0"/>
+      </a:lnRef>
+      <a:fillRef idx="1">
+        <a:scrgbClr r="0" g="0" b="0"/>
+      </a:fillRef>
+      <a:effectRef idx="0">
+        <a:scrgbClr r="0" g="0" b="0"/>
+      </a:effectRef>
+      <a:fontRef idx="minor">
+        <a:schemeClr val="lt1"/>
+      </a:fontRef>
+    </dgm:style>
+  </dgm:styleLbl>
+  <dgm:styleLbl name="parChTrans2D2">
+    <dgm:scene3d>
+      <a:camera prst="orthographicFront"/>
+      <a:lightRig rig="threePt" dir="t"/>
+    </dgm:scene3d>
+    <dgm:sp3d/>
+    <dgm:txPr/>
+    <dgm:style>
+      <a:lnRef idx="2">
+        <a:scrgbClr r="0" g="0" b="0"/>
+      </a:lnRef>
+      <a:fillRef idx="1">
+        <a:scrgbClr r="0" g="0" b="0"/>
+      </a:fillRef>
+      <a:effectRef idx="0">
+        <a:scrgbClr r="0" g="0" b="0"/>
+      </a:effectRef>
+      <a:fontRef idx="minor">
+        <a:schemeClr val="lt1"/>
+      </a:fontRef>
+    </dgm:style>
+  </dgm:styleLbl>
+  <dgm:styleLbl name="parChTrans2D3">
+    <dgm:scene3d>
+      <a:camera prst="orthographicFront"/>
+      <a:lightRig rig="threePt" dir="t"/>
+    </dgm:scene3d>
+    <dgm:sp3d/>
+    <dgm:txPr/>
+    <dgm:style>
+      <a:lnRef idx="2">
+        <a:scrgbClr r="0" g="0" b="0"/>
+      </a:lnRef>
+      <a:fillRef idx="1">
+        <a:scrgbClr r="0" g="0" b="0"/>
+      </a:fillRef>
+      <a:effectRef idx="0">
+        <a:scrgbClr r="0" g="0" b="0"/>
+      </a:effectRef>
+      <a:fontRef idx="minor">
+        <a:schemeClr val="lt1"/>
+      </a:fontRef>
+    </dgm:style>
+  </dgm:styleLbl>
+  <dgm:styleLbl name="parChTrans2D4">
+    <dgm:scene3d>
+      <a:camera prst="orthographicFront"/>
+      <a:lightRig rig="threePt" dir="t"/>
+    </dgm:scene3d>
+    <dgm:sp3d/>
+    <dgm:txPr/>
+    <dgm:style>
+      <a:lnRef idx="2">
+        <a:scrgbClr r="0" g="0" b="0"/>
+      </a:lnRef>
+      <a:fillRef idx="1">
+        <a:scrgbClr r="0" g="0" b="0"/>
+      </a:fillRef>
+      <a:effectRef idx="0">
+        <a:scrgbClr r="0" g="0" b="0"/>
+      </a:effectRef>
+      <a:fontRef idx="minor">
+        <a:schemeClr val="lt1"/>
+      </a:fontRef>
+    </dgm:style>
+  </dgm:styleLbl>
+  <dgm:styleLbl name="parChTrans1D1">
+    <dgm:scene3d>
+      <a:camera prst="orthographicFront"/>
+      <a:lightRig rig="threePt" dir="t"/>
+    </dgm:scene3d>
+    <dgm:sp3d/>
+    <dgm:txPr/>
+    <dgm:style>
+      <a:lnRef idx="2">
+        <a:scrgbClr r="0" g="0" b="0"/>
+      </a:lnRef>
+      <a:fillRef idx="0">
+        <a:scrgbClr r="0" g="0" b="0"/>
+      </a:fillRef>
+      <a:effectRef idx="0">
+        <a:scrgbClr r="0" g="0" b="0"/>
+      </a:effectRef>
+      <a:fontRef idx="minor"/>
+    </dgm:style>
+  </dgm:styleLbl>
+  <dgm:styleLbl name="parChTrans1D2">
+    <dgm:scene3d>
+      <a:camera prst="orthographicFront"/>
+      <a:lightRig rig="threePt" dir="t"/>
+    </dgm:scene3d>
+    <dgm:sp3d/>
+    <dgm:txPr/>
+    <dgm:style>
+      <a:lnRef idx="2">
+        <a:scrgbClr r="0" g="0" b="0"/>
+      </a:lnRef>
+      <a:fillRef idx="0">
+        <a:scrgbClr r="0" g="0" b="0"/>
+      </a:fillRef>
+      <a:effectRef idx="0">
+        <a:scrgbClr r="0" g="0" b="0"/>
+      </a:effectRef>
+      <a:fontRef idx="minor"/>
+    </dgm:style>
+  </dgm:styleLbl>
+  <dgm:styleLbl name="parChTrans1D3">
+    <dgm:scene3d>
+      <a:camera prst="orthographicFront"/>
+      <a:lightRig rig="threePt" dir="t"/>
+    </dgm:scene3d>
+    <dgm:sp3d/>
+    <dgm:txPr/>
+    <dgm:style>
+      <a:lnRef idx="2">
+        <a:scrgbClr r="0" g="0" b="0"/>
+      </a:lnRef>
+      <a:fillRef idx="0">
+        <a:scrgbClr r="0" g="0" b="0"/>
+      </a:fillRef>
+      <a:effectRef idx="0">
+        <a:scrgbClr r="0" g="0" b="0"/>
+      </a:effectRef>
+      <a:fontRef idx="minor"/>
+    </dgm:style>
+  </dgm:styleLbl>
+  <dgm:styleLbl name="parChTrans1D4">
+    <dgm:scene3d>
+      <a:camera prst="orthographicFront"/>
+      <a:lightRig rig="threePt" dir="t"/>
+    </dgm:scene3d>
+    <dgm:sp3d/>
+    <dgm:txPr/>
+    <dgm:style>
+      <a:lnRef idx="2">
+        <a:scrgbClr r="0" g="0" b="0"/>
+      </a:lnRef>
+      <a:fillRef idx="0">
+        <a:scrgbClr r="0" g="0" b="0"/>
+      </a:fillRef>
+      <a:effectRef idx="0">
+        <a:scrgbClr r="0" g="0" b="0"/>
+      </a:effectRef>
+      <a:fontRef idx="minor"/>
+    </dgm:style>
+  </dgm:styleLbl>
+  <dgm:styleLbl name="fgAcc1">
+    <dgm:scene3d>
+      <a:camera prst="orthographicFront"/>
+      <a:lightRig rig="threePt" dir="t"/>
+    </dgm:scene3d>
+    <dgm:sp3d/>
+    <dgm:txPr/>
+    <dgm:style>
+      <a:lnRef idx="2">
+        <a:scrgbClr r="0" g="0" b="0"/>
+      </a:lnRef>
+      <a:fillRef idx="1">
+        <a:scrgbClr r="0" g="0" b="0"/>
+      </a:fillRef>
+      <a:effectRef idx="0">
+        <a:scrgbClr r="0" g="0" b="0"/>
+      </a:effectRef>
+      <a:fontRef idx="minor"/>
+    </dgm:style>
+  </dgm:styleLbl>
+  <dgm:styleLbl name="conFgAcc1">
+    <dgm:scene3d>
+      <a:camera prst="orthographicFront"/>
+      <a:lightRig rig="threePt" dir="t"/>
+    </dgm:scene3d>
+    <dgm:sp3d/>
+    <dgm:txPr/>
+    <dgm:style>
+      <a:lnRef idx="2">
+        <a:scrgbClr r="0" g="0" b="0"/>
+      </a:lnRef>
+      <a:fillRef idx="1">
+        <a:scrgbClr r="0" g="0" b="0"/>
+      </a:fillRef>
+      <a:effectRef idx="0">
+        <a:scrgbClr r="0" g="0" b="0"/>
+      </a:effectRef>
+      <a:fontRef idx="minor"/>
+    </dgm:style>
+  </dgm:styleLbl>
+  <dgm:styleLbl name="alignAcc1">
+    <dgm:scene3d>
+      <a:camera prst="orthographicFront"/>
+      <a:lightRig rig="threePt" dir="t"/>
+    </dgm:scene3d>
+    <dgm:sp3d/>
+    <dgm:txPr/>
+    <dgm:style>
+      <a:lnRef idx="2">
+        <a:scrgbClr r="0" g="0" b="0"/>
+      </a:lnRef>
+      <a:fillRef idx="1">
+        <a:scrgbClr r="0" g="0" b="0"/>
+      </a:fillRef>
+      <a:effectRef idx="0">
+        <a:scrgbClr r="0" g="0" b="0"/>
+      </a:effectRef>
+      <a:fontRef idx="minor"/>
+    </dgm:style>
+  </dgm:styleLbl>
+  <dgm:styleLbl name="trAlignAcc1">
+    <dgm:scene3d>
+      <a:camera prst="orthographicFront"/>
+      <a:lightRig rig="threePt" dir="t"/>
+    </dgm:scene3d>
+    <dgm:sp3d/>
+    <dgm:txPr/>
+    <dgm:style>
+      <a:lnRef idx="1">
+        <a:scrgbClr r="0" g="0" b="0"/>
+      </a:lnRef>
+      <a:fillRef idx="1">
+        <a:scrgbClr r="0" g="0" b="0"/>
+      </a:fillRef>
+      <a:effectRef idx="0">
+        <a:scrgbClr r="0" g="0" b="0"/>
+      </a:effectRef>
+      <a:fontRef idx="minor"/>
+    </dgm:style>
+  </dgm:styleLbl>
+  <dgm:styleLbl name="bgAcc1">
+    <dgm:scene3d>
+      <a:camera prst="orthographicFront"/>
+      <a:lightRig rig="threePt" dir="t"/>
+    </dgm:scene3d>
+    <dgm:sp3d/>
+    <dgm:txPr/>
+    <dgm:style>
+      <a:lnRef idx="2">
+        <a:scrgbClr r="0" g="0" b="0"/>
+      </a:lnRef>
+      <a:fillRef idx="1">
+        <a:scrgbClr r="0" g="0" b="0"/>
+      </a:fillRef>
+      <a:effectRef idx="0">
+        <a:scrgbClr r="0" g="0" b="0"/>
+      </a:effectRef>
+      <a:fontRef idx="minor"/>
+    </dgm:style>
+  </dgm:styleLbl>
+  <dgm:styleLbl name="solidFgAcc1">
+    <dgm:scene3d>
+      <a:camera prst="orthographicFront"/>
+      <a:lightRig rig="threePt" dir="t"/>
+    </dgm:scene3d>
+    <dgm:sp3d/>
+    <dgm:txPr/>
+    <dgm:style>
+      <a:lnRef idx="2">
+        <a:scrgbClr r="0" g="0" b="0"/>
+      </a:lnRef>
+      <a:fillRef idx="1">
+        <a:scrgbClr r="0" g="0" b="0"/>
+      </a:fillRef>
+      <a:effectRef idx="0">
+        <a:scrgbClr r="0" g="0" b="0"/>
+      </a:effectRef>
+      <a:fontRef idx="minor"/>
+    </dgm:style>
+  </dgm:styleLbl>
+  <dgm:styleLbl name="solidAlignAcc1">
+    <dgm:scene3d>
+      <a:camera prst="orthographicFront"/>
+      <a:lightRig rig="threePt" dir="t"/>
+    </dgm:scene3d>
+    <dgm:sp3d/>
+    <dgm:txPr/>
+    <dgm:style>
+      <a:lnRef idx="2">
+        <a:scrgbClr r="0" g="0" b="0"/>
+      </a:lnRef>
+      <a:fillRef idx="1">
+        <a:scrgbClr r="0" g="0" b="0"/>
+      </a:fillRef>
+      <a:effectRef idx="0">
+        <a:scrgbClr r="0" g="0" b="0"/>
+      </a:effectRef>
+      <a:fontRef idx="minor"/>
+    </dgm:style>
+  </dgm:styleLbl>
+  <dgm:styleLbl name="solidBgAcc1">
+    <dgm:scene3d>
+      <a:camera prst="orthographicFront"/>
+      <a:lightRig rig="threePt" dir="t"/>
+    </dgm:scene3d>
+    <dgm:sp3d/>
+    <dgm:txPr/>
+    <dgm:style>
+      <a:lnRef idx="2">
+        <a:scrgbClr r="0" g="0" b="0"/>
+      </a:lnRef>
+      <a:fillRef idx="1">
+        <a:scrgbClr r="0" g="0" b="0"/>
+      </a:fillRef>
+      <a:effectRef idx="0">
+        <a:scrgbClr r="0" g="0" b="0"/>
+      </a:effectRef>
+      <a:fontRef idx="minor"/>
+    </dgm:style>
+  </dgm:styleLbl>
+  <dgm:styleLbl name="fgAccFollowNode1">
+    <dgm:scene3d>
+      <a:camera prst="orthographicFront"/>
+      <a:lightRig rig="threePt" dir="t"/>
+    </dgm:scene3d>
+    <dgm:sp3d/>
+    <dgm:txPr/>
+    <dgm:style>
+      <a:lnRef idx="2">
+        <a:scrgbClr r="0" g="0" b="0"/>
+      </a:lnRef>
+      <a:fillRef idx="1">
+        <a:scrgbClr r="0" g="0" b="0"/>
+      </a:fillRef>
+      <a:effectRef idx="0">
+        <a:scrgbClr r="0" g="0" b="0"/>
+      </a:effectRef>
+      <a:fontRef idx="minor"/>
+    </dgm:style>
+  </dgm:styleLbl>
+  <dgm:styleLbl name="alignAccFollowNode1">
+    <dgm:scene3d>
+      <a:camera prst="orthographicFront"/>
+      <a:lightRig rig="threePt" dir="t"/>
+    </dgm:scene3d>
+    <dgm:sp3d/>
+    <dgm:txPr/>
+    <dgm:style>
+      <a:lnRef idx="2">
+        <a:scrgbClr r="0" g="0" b="0"/>
+      </a:lnRef>
+      <a:fillRef idx="1">
+        <a:scrgbClr r="0" g="0" b="0"/>
+      </a:fillRef>
+      <a:effectRef idx="0">
+        <a:scrgbClr r="0" g="0" b="0"/>
+      </a:effectRef>
+      <a:fontRef idx="minor"/>
+    </dgm:style>
+  </dgm:styleLbl>
+  <dgm:styleLbl name="bgAccFollowNode1">
+    <dgm:scene3d>
+      <a:camera prst="orthographicFront"/>
+      <a:lightRig rig="threePt" dir="t"/>
+    </dgm:scene3d>
+    <dgm:sp3d/>
+    <dgm:txPr/>
+    <dgm:style>
+      <a:lnRef idx="2">
+        <a:scrgbClr r="0" g="0" b="0"/>
+      </a:lnRef>
+      <a:fillRef idx="1">
+        <a:scrgbClr r="0" g="0" b="0"/>
+      </a:fillRef>
+      <a:effectRef idx="0">
+        <a:scrgbClr r="0" g="0" b="0"/>
+      </a:effectRef>
+      <a:fontRef idx="minor"/>
+    </dgm:style>
+  </dgm:styleLbl>
+  <dgm:styleLbl name="fgAcc0">
+    <dgm:scene3d>
+      <a:camera prst="orthographicFront"/>
+      <a:lightRig rig="threePt" dir="t"/>
+    </dgm:scene3d>
+    <dgm:sp3d/>
+    <dgm:txPr/>
+    <dgm:style>
+      <a:lnRef idx="2">
+        <a:scrgbClr r="0" g="0" b="0"/>
+      </a:lnRef>
+      <a:fillRef idx="1">
+        <a:scrgbClr r="0" g="0" b="0"/>
+      </a:fillRef>
+      <a:effectRef idx="0">
+        <a:scrgbClr r="0" g="0" b="0"/>
+      </a:effectRef>
+      <a:fontRef idx="minor"/>
+    </dgm:style>
+  </dgm:styleLbl>
+  <dgm:styleLbl name="fgAcc2">
+    <dgm:scene3d>
+      <a:camera prst="orthographicFront"/>
+      <a:lightRig rig="threePt" dir="t"/>
+    </dgm:scene3d>
+    <dgm:sp3d/>
+    <dgm:txPr/>
+    <dgm:style>
+      <a:lnRef idx="2">
+        <a:scrgbClr r="0" g="0" b="0"/>
+      </a:lnRef>
+      <a:fillRef idx="1">
+        <a:scrgbClr r="0" g="0" b="0"/>
+      </a:fillRef>
+      <a:effectRef idx="0">
+        <a:scrgbClr r="0" g="0" b="0"/>
+      </a:effectRef>
+      <a:fontRef idx="minor"/>
+    </dgm:style>
+  </dgm:styleLbl>
+  <dgm:styleLbl name="fgAcc3">
+    <dgm:scene3d>
+      <a:camera prst="orthographicFront"/>
+      <a:lightRig rig="threePt" dir="t"/>
+    </dgm:scene3d>
+    <dgm:sp3d/>
+    <dgm:txPr/>
+    <dgm:style>
+      <a:lnRef idx="2">
+        <a:scrgbClr r="0" g="0" b="0"/>
+      </a:lnRef>
+      <a:fillRef idx="1">
+        <a:scrgbClr r="0" g="0" b="0"/>
+      </a:fillRef>
+      <a:effectRef idx="0">
+        <a:scrgbClr r="0" g="0" b="0"/>
+      </a:effectRef>
+      <a:fontRef idx="minor"/>
+    </dgm:style>
+  </dgm:styleLbl>
+  <dgm:styleLbl name="fgAcc4">
+    <dgm:scene3d>
+      <a:camera prst="orthographicFront"/>
+      <a:lightRig rig="threePt" dir="t"/>
+    </dgm:scene3d>
+    <dgm:sp3d/>
+    <dgm:txPr/>
+    <dgm:style>
+      <a:lnRef idx="2">
+        <a:scrgbClr r="0" g="0" b="0"/>
+      </a:lnRef>
+      <a:fillRef idx="1">
+        <a:scrgbClr r="0" g="0" b="0"/>
+      </a:fillRef>
+      <a:effectRef idx="0">
+        <a:scrgbClr r="0" g="0" b="0"/>
+      </a:effectRef>
+      <a:fontRef idx="minor"/>
+    </dgm:style>
+  </dgm:styleLbl>
+  <dgm:styleLbl name="bgShp">
+    <dgm:scene3d>
+      <a:camera prst="orthographicFront"/>
+      <a:lightRig rig="threePt" dir="t"/>
+    </dgm:scene3d>
+    <dgm:sp3d/>
+    <dgm:txPr/>
+    <dgm:style>
+      <a:lnRef idx="0">
+        <a:scrgbClr r="0" g="0" b="0"/>
+      </a:lnRef>
+      <a:fillRef idx="1">
+        <a:scrgbClr r="0" g="0" b="0"/>
+      </a:fillRef>
+      <a:effectRef idx="0">
+        <a:scrgbClr r="0" g="0" b="0"/>
+      </a:effectRef>
+      <a:fontRef idx="minor"/>
+    </dgm:style>
+  </dgm:styleLbl>
+  <dgm:styleLbl name="dkBgShp">
+    <dgm:scene3d>
+      <a:camera prst="orthographicFront"/>
+      <a:lightRig rig="threePt" dir="t"/>
+    </dgm:scene3d>
+    <dgm:sp3d/>
+    <dgm:txPr/>
+    <dgm:style>
+      <a:lnRef idx="0">
+        <a:scrgbClr r="0" g="0" b="0"/>
+      </a:lnRef>
+      <a:fillRef idx="1">
+        <a:scrgbClr r="0" g="0" b="0"/>
+      </a:fillRef>
+      <a:effectRef idx="0">
+        <a:scrgbClr r="0" g="0" b="0"/>
+      </a:effectRef>
+      <a:fontRef idx="minor"/>
+    </dgm:style>
+  </dgm:styleLbl>
+  <dgm:styleLbl name="trBgShp">
+    <dgm:scene3d>
+      <a:camera prst="orthographicFront"/>
+      <a:lightRig rig="threePt" dir="t"/>
+    </dgm:scene3d>
+    <dgm:sp3d/>
+    <dgm:txPr/>
+    <dgm:style>
+      <a:lnRef idx="0">
+        <a:scrgbClr r="0" g="0" b="0"/>
+      </a:lnRef>
+      <a:fillRef idx="1">
+        <a:scrgbClr r="0" g="0" b="0"/>
+      </a:fillRef>
+      <a:effectRef idx="0">
+        <a:scrgbClr r="0" g="0" b="0"/>
+      </a:effectRef>
+      <a:fontRef idx="minor"/>
+    </dgm:style>
+  </dgm:styleLbl>
+  <dgm:styleLbl name="fgShp">
+    <dgm:scene3d>
+      <a:camera prst="orthographicFront"/>
+      <a:lightRig rig="threePt" dir="t"/>
+    </dgm:scene3d>
+    <dgm:sp3d/>
+    <dgm:txPr/>
+    <dgm:style>
+      <a:lnRef idx="2">
+        <a:scrgbClr r="0" g="0" b="0"/>
+      </a:lnRef>
+      <a:fillRef idx="1">
+        <a:scrgbClr r="0" g="0" b="0"/>
+      </a:fillRef>
+      <a:effectRef idx="0">
+        <a:scrgbClr r="0" g="0" b="0"/>
+      </a:effectRef>
+      <a:fontRef idx="minor"/>
+    </dgm:style>
+  </dgm:styleLbl>
+  <dgm:styleLbl name="revTx">
+    <dgm:scene3d>
+      <a:camera prst="orthographicFront"/>
+      <a:lightRig rig="threePt" dir="t"/>
+    </dgm:scene3d>
+    <dgm:sp3d/>
+    <dgm:txPr/>
+    <dgm:style>
+      <a:lnRef idx="0">
+        <a:scrgbClr r="0" g="0" b="0"/>
+      </a:lnRef>
+      <a:fillRef idx="0">
+        <a:scrgbClr r="0" g="0" b="0"/>
+      </a:fillRef>
+      <a:effectRef idx="0">
+        <a:scrgbClr r="0" g="0" b="0"/>
+      </a:effectRef>
+      <a:fontRef idx="minor"/>
+    </dgm:style>
+  </dgm:styleLbl>
+</dgm:styleDef>
+</file>
+
+<file path=ppt/diagrams/quickStyle5.xml><?xml version="1.0" encoding="utf-8"?>
 <dgm:styleDef xmlns:dgm="http://schemas.openxmlformats.org/drawingml/2006/diagram" xmlns:a="http://schemas.openxmlformats.org/drawingml/2006/main" uniqueId="urn:microsoft.com/office/officeart/2005/8/quickstyle/simple1">
   <dgm:title val=""/>
   <dgm:desc val=""/>
@@ -21483,6 +24677,221 @@
   <p:cSld>
     <p:bg>
       <p:bgPr>
+        <a:solidFill>
+          <a:schemeClr val="bg1"/>
+        </a:solidFill>
+        <a:effectLst/>
+      </p:bgPr>
+    </p:bg>
+    <p:spTree>
+      <p:nvGrpSpPr>
+        <p:cNvPr id="1" name=""/>
+        <p:cNvGrpSpPr/>
+        <p:nvPr/>
+      </p:nvGrpSpPr>
+      <p:grpSpPr>
+        <a:xfrm>
+          <a:off x="0" y="0"/>
+          <a:ext cx="0" cy="0"/>
+          <a:chOff x="0" y="0"/>
+          <a:chExt cx="0" cy="0"/>
+        </a:xfrm>
+      </p:grpSpPr>
+      <p:sp>
+        <p:nvSpPr>
+          <p:cNvPr id="2" name="Title 1">
+            <a:extLst>
+              <a:ext uri="{FF2B5EF4-FFF2-40B4-BE49-F238E27FC236}">
+                <a16:creationId xmlns:a16="http://schemas.microsoft.com/office/drawing/2014/main" id="{5B040558-A365-4CCE-92FA-5A48CD98F9C9}"/>
+              </a:ext>
+            </a:extLst>
+          </p:cNvPr>
+          <p:cNvSpPr>
+            <a:spLocks noGrp="1"/>
+          </p:cNvSpPr>
+          <p:nvPr>
+            <p:ph type="title"/>
+          </p:nvPr>
+        </p:nvSpPr>
+        <p:spPr>
+          <a:xfrm>
+            <a:off x="581192" y="702156"/>
+            <a:ext cx="11029616" cy="1013800"/>
+          </a:xfrm>
+        </p:spPr>
+        <p:txBody>
+          <a:bodyPr>
+            <a:normAutofit/>
+          </a:bodyPr>
+          <a:lstStyle/>
+          <a:p>
+            <a:r>
+              <a:rPr lang="en-US"/>
+              <a:t>How Can Blockchain Help?</a:t>
+            </a:r>
+          </a:p>
+        </p:txBody>
+      </p:sp>
+      <p:sp>
+        <p:nvSpPr>
+          <p:cNvPr id="49" name="Rectangle 48">
+            <a:extLst>
+              <a:ext uri="{FF2B5EF4-FFF2-40B4-BE49-F238E27FC236}">
+                <a16:creationId xmlns:a16="http://schemas.microsoft.com/office/drawing/2014/main" id="{3FE9758B-E361-4084-8D9F-729FA6C4AD7E}"/>
+              </a:ext>
+              <a:ext uri="{C183D7F6-B498-43B3-948B-1728B52AA6E4}">
+                <adec:decorative xmlns:adec="http://schemas.microsoft.com/office/drawing/2017/decorative" val="1"/>
+              </a:ext>
+            </a:extLst>
+          </p:cNvPr>
+          <p:cNvSpPr>
+            <a:spLocks noGrp="1" noRot="1" noChangeAspect="1" noMove="1" noResize="1" noEditPoints="1" noAdjustHandles="1" noChangeArrowheads="1" noChangeShapeType="1" noTextEdit="1"/>
+          </p:cNvSpPr>
+          <p:nvPr>
+            <p:extLst>
+              <p:ext uri="{386F3935-93C4-4BCD-93E2-E3B085C9AB24}">
+                <p16:designElem xmlns:p16="http://schemas.microsoft.com/office/powerpoint/2015/main" val="1"/>
+              </p:ext>
+            </p:extLst>
+          </p:nvPr>
+        </p:nvSpPr>
+        <p:spPr>
+          <a:xfrm>
+            <a:off x="446533" y="2180496"/>
+            <a:ext cx="5404639" cy="4045683"/>
+          </a:xfrm>
+          <a:prstGeom prst="rect">
+            <a:avLst/>
+          </a:prstGeom>
+          <a:solidFill>
+            <a:schemeClr val="bg1"/>
+          </a:solidFill>
+          <a:ln w="38100">
+            <a:solidFill>
+              <a:schemeClr val="accent1"/>
+            </a:solidFill>
+          </a:ln>
+        </p:spPr>
+        <p:style>
+          <a:lnRef idx="2">
+            <a:schemeClr val="accent1">
+              <a:shade val="50000"/>
+            </a:schemeClr>
+          </a:lnRef>
+          <a:fillRef idx="1">
+            <a:schemeClr val="accent1"/>
+          </a:fillRef>
+          <a:effectRef idx="0">
+            <a:schemeClr val="accent1"/>
+          </a:effectRef>
+          <a:fontRef idx="minor">
+            <a:schemeClr val="lt1"/>
+          </a:fontRef>
+        </p:style>
+        <p:txBody>
+          <a:bodyPr rtlCol="0" anchor="ctr"/>
+          <a:lstStyle/>
+          <a:p>
+            <a:pPr algn="ctr"/>
+            <a:endParaRPr lang="en-US"/>
+          </a:p>
+        </p:txBody>
+      </p:sp>
+      <p:pic>
+        <p:nvPicPr>
+          <p:cNvPr id="15" name="Picture 2" descr="Timeline&#10;&#10;Description automatically generated">
+            <a:extLst>
+              <a:ext uri="{FF2B5EF4-FFF2-40B4-BE49-F238E27FC236}">
+                <a16:creationId xmlns:a16="http://schemas.microsoft.com/office/drawing/2014/main" id="{ECA5B92F-8466-E54A-AE45-061A30BCDA67}"/>
+              </a:ext>
+            </a:extLst>
+          </p:cNvPr>
+          <p:cNvPicPr>
+            <a:picLocks noChangeAspect="1" noChangeArrowheads="1"/>
+          </p:cNvPicPr>
+          <p:nvPr/>
+        </p:nvPicPr>
+        <p:blipFill>
+          <a:blip r:embed="rId3">
+            <a:extLst>
+              <a:ext uri="{28A0092B-C50C-407E-A947-70E740481C1C}">
+                <a14:useLocalDpi xmlns:a14="http://schemas.microsoft.com/office/drawing/2010/main" val="0"/>
+              </a:ext>
+            </a:extLst>
+          </a:blip>
+          <a:stretch>
+            <a:fillRect/>
+          </a:stretch>
+        </p:blipFill>
+        <p:spPr bwMode="auto">
+          <a:xfrm>
+            <a:off x="657225" y="2789955"/>
+            <a:ext cx="4962525" cy="2791420"/>
+          </a:xfrm>
+          <a:prstGeom prst="rect">
+            <a:avLst/>
+          </a:prstGeom>
+          <a:noFill/>
+          <a:extLst>
+            <a:ext uri="{909E8E84-426E-40DD-AFC4-6F175D3DCCD1}">
+              <a14:hiddenFill xmlns:a14="http://schemas.microsoft.com/office/drawing/2010/main">
+                <a:solidFill>
+                  <a:srgbClr val="FFFFFF"/>
+                </a:solidFill>
+              </a14:hiddenFill>
+            </a:ext>
+          </a:extLst>
+        </p:spPr>
+      </p:pic>
+      <p:graphicFrame>
+        <p:nvGraphicFramePr>
+          <p:cNvPr id="4" name="Content Placeholder 3" descr="icon SmartArt graphic">
+            <a:extLst>
+              <a:ext uri="{FF2B5EF4-FFF2-40B4-BE49-F238E27FC236}">
+                <a16:creationId xmlns:a16="http://schemas.microsoft.com/office/drawing/2014/main" id="{81E592E1-99DF-4294-A2E9-EF46299BD3F4}"/>
+              </a:ext>
+            </a:extLst>
+          </p:cNvPr>
+          <p:cNvGraphicFramePr>
+            <a:graphicFrameLocks noGrp="1"/>
+          </p:cNvGraphicFramePr>
+          <p:nvPr>
+            <p:ph idx="1"/>
+            <p:extLst>
+              <p:ext uri="{D42A27DB-BD31-4B8C-83A1-F6EECF244321}">
+                <p14:modId xmlns:p14="http://schemas.microsoft.com/office/powerpoint/2010/main" val="452732985"/>
+              </p:ext>
+            </p:extLst>
+          </p:nvPr>
+        </p:nvGraphicFramePr>
+        <p:xfrm>
+          <a:off x="6335805" y="2180496"/>
+          <a:ext cx="5275001" cy="4045683"/>
+        </p:xfrm>
+        <a:graphic>
+          <a:graphicData uri="http://schemas.openxmlformats.org/drawingml/2006/diagram">
+            <dgm:relIds xmlns:dgm="http://schemas.openxmlformats.org/drawingml/2006/diagram" xmlns:r="http://schemas.openxmlformats.org/officeDocument/2006/relationships" r:dm="rId4" r:lo="rId5" r:qs="rId6" r:cs="rId7"/>
+          </a:graphicData>
+        </a:graphic>
+      </p:graphicFrame>
+    </p:spTree>
+    <p:extLst>
+      <p:ext uri="{BB962C8B-B14F-4D97-AF65-F5344CB8AC3E}">
+        <p14:creationId xmlns:p14="http://schemas.microsoft.com/office/powerpoint/2010/main" val="1703342593"/>
+      </p:ext>
+    </p:extLst>
+  </p:cSld>
+  <p:clrMapOvr>
+    <a:masterClrMapping/>
+  </p:clrMapOvr>
+</p:sld>
+</file>
+
+<file path=ppt/slides/slide6.xml><?xml version="1.0" encoding="utf-8"?>
+<p:sld xmlns:a="http://schemas.openxmlformats.org/drawingml/2006/main" xmlns:r="http://schemas.openxmlformats.org/officeDocument/2006/relationships" xmlns:p="http://schemas.openxmlformats.org/presentationml/2006/main">
+  <p:cSld>
+    <p:bg>
+      <p:bgPr>
         <a:gradFill rotWithShape="1">
           <a:gsLst>
             <a:gs pos="0">
@@ -21522,10 +24931,10 @@
       </p:grpSpPr>
       <p:sp>
         <p:nvSpPr>
-          <p:cNvPr id="36" name="Rectangle 35">
+          <p:cNvPr id="3080" name="Rectangle 74">
             <a:extLst>
               <a:ext uri="{FF2B5EF4-FFF2-40B4-BE49-F238E27FC236}">
-                <a16:creationId xmlns:a16="http://schemas.microsoft.com/office/drawing/2014/main" id="{66274610-0B8D-4F68-A77F-F6160E3C80BB}"/>
+                <a16:creationId xmlns:a16="http://schemas.microsoft.com/office/drawing/2014/main" id="{CE8BCA1D-ACDF-4D63-9AA0-366C4F8553DD}"/>
               </a:ext>
               <a:ext uri="{C183D7F6-B498-43B3-948B-1728B52AA6E4}">
                 <adec:decorative xmlns:adec="http://schemas.microsoft.com/office/drawing/2017/decorative" val="1"/>
@@ -21588,7 +24997,7 @@
           <p:cNvPr id="2" name="Title 1">
             <a:extLst>
               <a:ext uri="{FF2B5EF4-FFF2-40B4-BE49-F238E27FC236}">
-                <a16:creationId xmlns:a16="http://schemas.microsoft.com/office/drawing/2014/main" id="{5B040558-A365-4CCE-92FA-5A48CD98F9C9}"/>
+                <a16:creationId xmlns:a16="http://schemas.microsoft.com/office/drawing/2014/main" id="{67F20060-3BCE-3248-AC52-6DD6C8666BD6}"/>
               </a:ext>
             </a:extLst>
           </p:cNvPr>
@@ -21601,8 +25010,8 @@
         </p:nvSpPr>
         <p:spPr>
           <a:xfrm>
-            <a:off x="446534" y="4999383"/>
-            <a:ext cx="11293599" cy="952428"/>
+            <a:off x="746228" y="1037967"/>
+            <a:ext cx="3054091" cy="4709131"/>
           </a:xfrm>
         </p:spPr>
         <p:txBody>
@@ -21612,18 +25021,22 @@
           <a:lstStyle/>
           <a:p>
             <a:r>
-              <a:rPr lang="en-US"/>
-              <a:t>How Can Blockchain Help?</a:t>
+              <a:rPr lang="en-US">
+                <a:solidFill>
+                  <a:schemeClr val="accent1"/>
+                </a:solidFill>
+              </a:rPr>
+              <a:t>Building the KYC System </a:t>
             </a:r>
           </a:p>
         </p:txBody>
       </p:sp>
       <p:sp>
         <p:nvSpPr>
-          <p:cNvPr id="38" name="Rectangle 37">
+          <p:cNvPr id="77" name="Rectangle 76">
             <a:extLst>
               <a:ext uri="{FF2B5EF4-FFF2-40B4-BE49-F238E27FC236}">
-                <a16:creationId xmlns:a16="http://schemas.microsoft.com/office/drawing/2014/main" id="{A8820321-1BC7-42E1-B710-A84C5A220CD9}"/>
+                <a16:creationId xmlns:a16="http://schemas.microsoft.com/office/drawing/2014/main" id="{5DB82E3F-D9C4-42E7-AABF-D760C2F5615B}"/>
               </a:ext>
               <a:ext uri="{C183D7F6-B498-43B3-948B-1728B52AA6E4}">
                 <adec:decorative xmlns:adec="http://schemas.microsoft.com/office/drawing/2017/decorative" val="1"/>
@@ -21643,61 +25056,7 @@
         </p:nvSpPr>
         <p:spPr>
           <a:xfrm>
-            <a:off x="446534" y="457201"/>
-            <a:ext cx="11298933" cy="4377032"/>
-          </a:xfrm>
-          <a:prstGeom prst="rect">
-            <a:avLst/>
-          </a:prstGeom>
-          <a:solidFill>
-            <a:schemeClr val="accent1"/>
-          </a:solidFill>
-          <a:ln>
-            <a:noFill/>
-          </a:ln>
-          <a:effectLst/>
-        </p:spPr>
-        <p:style>
-          <a:lnRef idx="1">
-            <a:schemeClr val="accent1"/>
-          </a:lnRef>
-          <a:fillRef idx="3">
-            <a:schemeClr val="accent1"/>
-          </a:fillRef>
-          <a:effectRef idx="2">
-            <a:schemeClr val="accent1"/>
-          </a:effectRef>
-          <a:fontRef idx="minor">
-            <a:schemeClr val="lt1"/>
-          </a:fontRef>
-        </p:style>
-      </p:sp>
-      <p:sp>
-        <p:nvSpPr>
-          <p:cNvPr id="40" name="Rectangle 39">
-            <a:extLst>
-              <a:ext uri="{FF2B5EF4-FFF2-40B4-BE49-F238E27FC236}">
-                <a16:creationId xmlns:a16="http://schemas.microsoft.com/office/drawing/2014/main" id="{F2C26AE0-EBFE-438D-AA3D-CAA6DAC633B9}"/>
-              </a:ext>
-              <a:ext uri="{C183D7F6-B498-43B3-948B-1728B52AA6E4}">
-                <adec:decorative xmlns:adec="http://schemas.microsoft.com/office/drawing/2017/decorative" val="1"/>
-              </a:ext>
-            </a:extLst>
-          </p:cNvPr>
-          <p:cNvSpPr>
-            <a:spLocks noGrp="1" noRot="1" noChangeAspect="1" noMove="1" noResize="1" noEditPoints="1" noAdjustHandles="1" noChangeArrowheads="1" noChangeShapeType="1" noTextEdit="1"/>
-          </p:cNvSpPr>
-          <p:nvPr>
-            <p:extLst>
-              <p:ext uri="{386F3935-93C4-4BCD-93E2-E3B085C9AB24}">
-                <p16:designElem xmlns:p16="http://schemas.microsoft.com/office/powerpoint/2015/main" val="1"/>
-              </p:ext>
-            </p:extLst>
-          </p:nvPr>
-        </p:nvSpPr>
-        <p:spPr>
-          <a:xfrm>
-            <a:off x="446534" y="6057326"/>
+            <a:off x="446534" y="457200"/>
             <a:ext cx="3703320" cy="94997"/>
           </a:xfrm>
           <a:prstGeom prst="rect">
@@ -21728,10 +25087,10 @@
       </p:sp>
       <p:sp>
         <p:nvSpPr>
-          <p:cNvPr id="42" name="Rectangle 41">
+          <p:cNvPr id="79" name="Rectangle 78">
             <a:extLst>
               <a:ext uri="{FF2B5EF4-FFF2-40B4-BE49-F238E27FC236}">
-                <a16:creationId xmlns:a16="http://schemas.microsoft.com/office/drawing/2014/main" id="{828057AF-D878-40E9-BA0D-638F35F0554E}"/>
+                <a16:creationId xmlns:a16="http://schemas.microsoft.com/office/drawing/2014/main" id="{5F145784-B126-48E6-B33B-0BEA2EBF1884}"/>
               </a:ext>
               <a:ext uri="{C183D7F6-B498-43B3-948B-1728B52AA6E4}">
                 <adec:decorative xmlns:adec="http://schemas.microsoft.com/office/drawing/2017/decorative" val="1"/>
@@ -21751,7 +25110,7 @@
         </p:nvSpPr>
         <p:spPr>
           <a:xfrm>
-            <a:off x="4241830" y="6057326"/>
+            <a:off x="4241830" y="457200"/>
             <a:ext cx="3703320" cy="91440"/>
           </a:xfrm>
           <a:prstGeom prst="rect">
@@ -21782,10 +25141,10 @@
       </p:sp>
       <p:sp>
         <p:nvSpPr>
-          <p:cNvPr id="44" name="Rectangle 43">
+          <p:cNvPr id="81" name="Rectangle 80">
             <a:extLst>
               <a:ext uri="{FF2B5EF4-FFF2-40B4-BE49-F238E27FC236}">
-                <a16:creationId xmlns:a16="http://schemas.microsoft.com/office/drawing/2014/main" id="{10E46F63-BF3A-400A-A34D-308744F04A8A}"/>
+                <a16:creationId xmlns:a16="http://schemas.microsoft.com/office/drawing/2014/main" id="{06AD7FED-ECA8-4F84-9067-C1B1E9610F13}"/>
               </a:ext>
               <a:ext uri="{C183D7F6-B498-43B3-948B-1728B52AA6E4}">
                 <adec:decorative xmlns:adec="http://schemas.microsoft.com/office/drawing/2017/decorative" val="1"/>
@@ -21805,7 +25164,7 @@
         </p:nvSpPr>
         <p:spPr>
           <a:xfrm>
-            <a:off x="8042147" y="6053769"/>
+            <a:off x="8042147" y="453643"/>
             <a:ext cx="3703320" cy="98554"/>
           </a:xfrm>
           <a:prstGeom prst="rect">
@@ -21834,12 +25193,66 @@
           </a:fontRef>
         </p:style>
       </p:sp>
+      <p:sp>
+        <p:nvSpPr>
+          <p:cNvPr id="83" name="Rectangle 82">
+            <a:extLst>
+              <a:ext uri="{FF2B5EF4-FFF2-40B4-BE49-F238E27FC236}">
+                <a16:creationId xmlns:a16="http://schemas.microsoft.com/office/drawing/2014/main" id="{74DF12F2-5059-41AC-A8BD-D5E115CDC266}"/>
+              </a:ext>
+              <a:ext uri="{C183D7F6-B498-43B3-948B-1728B52AA6E4}">
+                <adec:decorative xmlns:adec="http://schemas.microsoft.com/office/drawing/2017/decorative" val="1"/>
+              </a:ext>
+            </a:extLst>
+          </p:cNvPr>
+          <p:cNvSpPr>
+            <a:spLocks noGrp="1" noRot="1" noChangeAspect="1" noMove="1" noResize="1" noEditPoints="1" noAdjustHandles="1" noChangeArrowheads="1" noChangeShapeType="1" noTextEdit="1"/>
+          </p:cNvSpPr>
+          <p:nvPr>
+            <p:extLst>
+              <p:ext uri="{386F3935-93C4-4BCD-93E2-E3B085C9AB24}">
+                <p16:designElem xmlns:p16="http://schemas.microsoft.com/office/powerpoint/2015/main" val="1"/>
+              </p:ext>
+            </p:extLst>
+          </p:nvPr>
+        </p:nvSpPr>
+        <p:spPr>
+          <a:xfrm>
+            <a:off x="4246851" y="723898"/>
+            <a:ext cx="7498616" cy="5676901"/>
+          </a:xfrm>
+          <a:prstGeom prst="rect">
+            <a:avLst/>
+          </a:prstGeom>
+          <a:solidFill>
+            <a:schemeClr val="accent1"/>
+          </a:solidFill>
+          <a:ln>
+            <a:noFill/>
+          </a:ln>
+          <a:effectLst/>
+        </p:spPr>
+        <p:style>
+          <a:lnRef idx="1">
+            <a:schemeClr val="accent1"/>
+          </a:lnRef>
+          <a:fillRef idx="3">
+            <a:schemeClr val="accent1"/>
+          </a:fillRef>
+          <a:effectRef idx="2">
+            <a:schemeClr val="accent1"/>
+          </a:effectRef>
+          <a:fontRef idx="minor">
+            <a:schemeClr val="lt1"/>
+          </a:fontRef>
+        </p:style>
+      </p:sp>
       <p:graphicFrame>
         <p:nvGraphicFramePr>
-          <p:cNvPr id="4" name="Content Placeholder 3" descr="icon SmartArt graphic">
+          <p:cNvPr id="3078" name="Content Placeholder 2">
             <a:extLst>
               <a:ext uri="{FF2B5EF4-FFF2-40B4-BE49-F238E27FC236}">
-                <a16:creationId xmlns:a16="http://schemas.microsoft.com/office/drawing/2014/main" id="{81E592E1-99DF-4294-A2E9-EF46299BD3F4}"/>
+                <a16:creationId xmlns:a16="http://schemas.microsoft.com/office/drawing/2014/main" id="{9A10CC1E-31FF-429D-BBA2-3077C60C0F21}"/>
               </a:ext>
             </a:extLst>
           </p:cNvPr>
@@ -21850,14 +25263,14 @@
             <p:ph idx="1"/>
             <p:extLst>
               <p:ext uri="{D42A27DB-BD31-4B8C-83A1-F6EECF244321}">
-                <p14:modId xmlns:p14="http://schemas.microsoft.com/office/powerpoint/2010/main" val="1306015841"/>
+                <p14:modId xmlns:p14="http://schemas.microsoft.com/office/powerpoint/2010/main" val="4103577196"/>
               </p:ext>
             </p:extLst>
           </p:nvPr>
         </p:nvGraphicFramePr>
         <p:xfrm>
-          <a:off x="1090001" y="1093924"/>
-          <a:ext cx="10004654" cy="3145733"/>
+          <a:off x="4598438" y="1037967"/>
+          <a:ext cx="7012370" cy="4709131"/>
         </p:xfrm>
         <a:graphic>
           <a:graphicData uri="http://schemas.openxmlformats.org/drawingml/2006/diagram">
@@ -21868,190 +25281,12 @@
     </p:spTree>
     <p:extLst>
       <p:ext uri="{BB962C8B-B14F-4D97-AF65-F5344CB8AC3E}">
-        <p14:creationId xmlns:p14="http://schemas.microsoft.com/office/powerpoint/2010/main" val="1703342593"/>
+        <p14:creationId xmlns:p14="http://schemas.microsoft.com/office/powerpoint/2010/main" val="1473094093"/>
       </p:ext>
     </p:extLst>
   </p:cSld>
   <p:clrMapOvr>
     <a:overrideClrMapping bg1="dk1" tx1="lt1" bg2="dk2" tx2="lt2" accent1="accent1" accent2="accent2" accent3="accent3" accent4="accent4" accent5="accent5" accent6="accent6" hlink="hlink" folHlink="folHlink"/>
-  </p:clrMapOvr>
-</p:sld>
-</file>
-
-<file path=ppt/slides/slide6.xml><?xml version="1.0" encoding="utf-8"?>
-<p:sld xmlns:a="http://schemas.openxmlformats.org/drawingml/2006/main" xmlns:r="http://schemas.openxmlformats.org/officeDocument/2006/relationships" xmlns:p="http://schemas.openxmlformats.org/presentationml/2006/main">
-  <p:cSld>
-    <p:spTree>
-      <p:nvGrpSpPr>
-        <p:cNvPr id="1" name=""/>
-        <p:cNvGrpSpPr/>
-        <p:nvPr/>
-      </p:nvGrpSpPr>
-      <p:grpSpPr>
-        <a:xfrm>
-          <a:off x="0" y="0"/>
-          <a:ext cx="0" cy="0"/>
-          <a:chOff x="0" y="0"/>
-          <a:chExt cx="0" cy="0"/>
-        </a:xfrm>
-      </p:grpSpPr>
-      <p:sp>
-        <p:nvSpPr>
-          <p:cNvPr id="2" name="Title 1">
-            <a:extLst>
-              <a:ext uri="{FF2B5EF4-FFF2-40B4-BE49-F238E27FC236}">
-                <a16:creationId xmlns:a16="http://schemas.microsoft.com/office/drawing/2014/main" id="{67F20060-3BCE-3248-AC52-6DD6C8666BD6}"/>
-              </a:ext>
-            </a:extLst>
-          </p:cNvPr>
-          <p:cNvSpPr>
-            <a:spLocks noGrp="1"/>
-          </p:cNvSpPr>
-          <p:nvPr>
-            <p:ph type="title"/>
-          </p:nvPr>
-        </p:nvSpPr>
-        <p:spPr/>
-        <p:txBody>
-          <a:bodyPr/>
-          <a:lstStyle/>
-          <a:p>
-            <a:r>
-              <a:rPr lang="en-US" dirty="0"/>
-              <a:t>Building the KYC System </a:t>
-            </a:r>
-          </a:p>
-        </p:txBody>
-      </p:sp>
-      <p:sp>
-        <p:nvSpPr>
-          <p:cNvPr id="3" name="Content Placeholder 2">
-            <a:extLst>
-              <a:ext uri="{FF2B5EF4-FFF2-40B4-BE49-F238E27FC236}">
-                <a16:creationId xmlns:a16="http://schemas.microsoft.com/office/drawing/2014/main" id="{46ECA92F-B715-EA40-9168-F5ADAF126AEB}"/>
-              </a:ext>
-            </a:extLst>
-          </p:cNvPr>
-          <p:cNvSpPr>
-            <a:spLocks noGrp="1"/>
-          </p:cNvSpPr>
-          <p:nvPr>
-            <p:ph idx="1"/>
-          </p:nvPr>
-        </p:nvSpPr>
-        <p:spPr/>
-        <p:txBody>
-          <a:bodyPr/>
-          <a:lstStyle/>
-          <a:p>
-            <a:pPr marL="342900" indent="-342900">
-              <a:buFont typeface="+mj-lt"/>
-              <a:buAutoNum type="arabicPeriod"/>
-            </a:pPr>
-            <a:r>
-              <a:rPr lang="en-US" dirty="0"/>
-              <a:t>A Smart contract is created `</a:t>
-            </a:r>
-            <a:r>
-              <a:rPr lang="en-US" dirty="0" err="1"/>
-              <a:t>kyccontract.sol</a:t>
-            </a:r>
-            <a:r>
-              <a:rPr lang="en-US" dirty="0"/>
-              <a:t>` with functions to register KYC information and update the data. Also, to track the validity of the KYC details; where the information is valid up to `365 days` after which one needs to update the information.</a:t>
-            </a:r>
-          </a:p>
-          <a:p>
-            <a:pPr marL="342900" indent="-342900">
-              <a:buFont typeface="+mj-lt"/>
-              <a:buAutoNum type="arabicPeriod"/>
-            </a:pPr>
-            <a:r>
-              <a:rPr lang="en-US" dirty="0"/>
-              <a:t>This contract is deployed in Remix IDE.</a:t>
-            </a:r>
-          </a:p>
-          <a:p>
-            <a:pPr marL="342900" indent="-342900">
-              <a:buFont typeface="+mj-lt"/>
-              <a:buAutoNum type="arabicPeriod"/>
-            </a:pPr>
-            <a:r>
-              <a:rPr lang="en-US" dirty="0"/>
-              <a:t>A new `</a:t>
-            </a:r>
-            <a:r>
-              <a:rPr lang="en-US" dirty="0" err="1"/>
-              <a:t>KYC_frontend</a:t>
-            </a:r>
-            <a:r>
-              <a:rPr lang="en-US" dirty="0"/>
-              <a:t>` directory is created where a `.env` file is stored with Pinata API Key and Secret API Key, address of the deployed smart contract and the WEB3 provider </a:t>
-            </a:r>
-            <a:r>
-              <a:rPr lang="en-US" dirty="0" err="1"/>
-              <a:t>uri</a:t>
-            </a:r>
-            <a:r>
-              <a:rPr lang="en-US" dirty="0"/>
-              <a:t>.</a:t>
-            </a:r>
-          </a:p>
-          <a:p>
-            <a:pPr marL="342900" indent="-342900">
-              <a:buFont typeface="+mj-lt"/>
-              <a:buAutoNum type="arabicPeriod"/>
-            </a:pPr>
-            <a:r>
-              <a:rPr lang="en-US" dirty="0"/>
-              <a:t>The deployed `</a:t>
-            </a:r>
-            <a:r>
-              <a:rPr lang="en-US" dirty="0" err="1"/>
-              <a:t>kyccontract.sol</a:t>
-            </a:r>
-            <a:r>
-              <a:rPr lang="en-US" dirty="0"/>
-              <a:t>` contract ABI is copied and stored in a `</a:t>
-            </a:r>
-            <a:r>
-              <a:rPr lang="en-US" dirty="0" err="1"/>
-              <a:t>kyc.json</a:t>
-            </a:r>
-            <a:r>
-              <a:rPr lang="en-US" dirty="0"/>
-              <a:t>` file.</a:t>
-            </a:r>
-          </a:p>
-          <a:p>
-            <a:pPr marL="342900" indent="-342900">
-              <a:buFont typeface="+mj-lt"/>
-              <a:buAutoNum type="arabicPeriod"/>
-            </a:pPr>
-            <a:r>
-              <a:rPr lang="en-US" dirty="0"/>
-              <a:t>A Python file `</a:t>
-            </a:r>
-            <a:r>
-              <a:rPr lang="en-US" dirty="0" err="1"/>
-              <a:t>kyc.py</a:t>
-            </a:r>
-            <a:r>
-              <a:rPr lang="en-US" dirty="0"/>
-              <a:t>` is created.</a:t>
-            </a:r>
-          </a:p>
-        </p:txBody>
-      </p:sp>
-    </p:spTree>
-    <p:extLst>
-      <p:ext uri="{BB962C8B-B14F-4D97-AF65-F5344CB8AC3E}">
-        <p14:creationId xmlns:p14="http://schemas.microsoft.com/office/powerpoint/2010/main" val="1473094093"/>
-      </p:ext>
-    </p:extLst>
-  </p:cSld>
-  <p:clrMapOvr>
-    <a:masterClrMapping/>
   </p:clrMapOvr>
 </p:sld>
 </file>

--- a/Presentation .pptx
+++ b/Presentation .pptx
@@ -5,10 +5,10 @@
     <p:sldMasterId id="2147483672" r:id="rId4"/>
   </p:sldMasterIdLst>
   <p:notesMasterIdLst>
-    <p:notesMasterId r:id="rId12"/>
+    <p:notesMasterId r:id="rId13"/>
   </p:notesMasterIdLst>
   <p:handoutMasterIdLst>
-    <p:handoutMasterId r:id="rId13"/>
+    <p:handoutMasterId r:id="rId14"/>
   </p:handoutMasterIdLst>
   <p:sldIdLst>
     <p:sldId id="256" r:id="rId5"/>
@@ -17,7 +17,8 @@
     <p:sldId id="259" r:id="rId8"/>
     <p:sldId id="261" r:id="rId9"/>
     <p:sldId id="264" r:id="rId10"/>
-    <p:sldId id="260" r:id="rId11"/>
+    <p:sldId id="265" r:id="rId11"/>
+    <p:sldId id="260" r:id="rId12"/>
   </p:sldIdLst>
   <p:sldSz cx="12192000" cy="6858000"/>
   <p:notesSz cx="6858000" cy="9144000"/>
@@ -18773,6 +18774,177 @@
           <a:bodyPr/>
           <a:lstStyle/>
           <a:p>
+            <a:r>
+              <a:rPr lang="en-US" dirty="0"/>
+              <a:t>In the future, blockchain-based KYC utilities will help bring cost savings to any industry that relies on identity verification. This is because the technology will allow banks and other financial organizations to rely on a more secure organized unified model of data handling.</a:t>
+            </a:r>
+          </a:p>
+        </p:txBody>
+      </p:sp>
+      <p:sp>
+        <p:nvSpPr>
+          <p:cNvPr id="4" name="Slide Number Placeholder 3"/>
+          <p:cNvSpPr>
+            <a:spLocks noGrp="1"/>
+          </p:cNvSpPr>
+          <p:nvPr>
+            <p:ph type="sldNum" sz="quarter" idx="5"/>
+          </p:nvPr>
+        </p:nvSpPr>
+        <p:spPr/>
+        <p:txBody>
+          <a:bodyPr/>
+          <a:lstStyle/>
+          <a:p>
+            <a:fld id="{C6B3AB32-59DF-41F1-9618-EDFBF5049629}" type="slidenum">
+              <a:rPr lang="en-US" smtClean="0"/>
+              <a:t>7</a:t>
+            </a:fld>
+            <a:endParaRPr lang="en-US" dirty="0"/>
+          </a:p>
+        </p:txBody>
+      </p:sp>
+    </p:spTree>
+    <p:extLst>
+      <p:ext uri="{BB962C8B-B14F-4D97-AF65-F5344CB8AC3E}">
+        <p14:creationId xmlns:p14="http://schemas.microsoft.com/office/powerpoint/2010/main" val="1931859891"/>
+      </p:ext>
+    </p:extLst>
+  </p:cSld>
+  <p:clrMapOvr>
+    <a:masterClrMapping/>
+  </p:clrMapOvr>
+</p:notes>
+</file>
+
+<file path=ppt/notesSlides/notesSlide8.xml><?xml version="1.0" encoding="utf-8"?>
+<p:notes xmlns:a="http://schemas.openxmlformats.org/drawingml/2006/main" xmlns:r="http://schemas.openxmlformats.org/officeDocument/2006/relationships" xmlns:p="http://schemas.openxmlformats.org/presentationml/2006/main">
+  <p:cSld>
+    <p:spTree>
+      <p:nvGrpSpPr>
+        <p:cNvPr id="1" name=""/>
+        <p:cNvGrpSpPr/>
+        <p:nvPr/>
+      </p:nvGrpSpPr>
+      <p:grpSpPr>
+        <a:xfrm>
+          <a:off x="0" y="0"/>
+          <a:ext cx="0" cy="0"/>
+          <a:chOff x="0" y="0"/>
+          <a:chExt cx="0" cy="0"/>
+        </a:xfrm>
+      </p:grpSpPr>
+      <p:sp>
+        <p:nvSpPr>
+          <p:cNvPr id="2" name="Slide Image Placeholder 1"/>
+          <p:cNvSpPr>
+            <a:spLocks noGrp="1" noRot="1" noChangeAspect="1"/>
+          </p:cNvSpPr>
+          <p:nvPr>
+            <p:ph type="sldImg"/>
+          </p:nvPr>
+        </p:nvSpPr>
+        <p:spPr/>
+      </p:sp>
+      <p:sp>
+        <p:nvSpPr>
+          <p:cNvPr id="3" name="Notes Placeholder 2"/>
+          <p:cNvSpPr>
+            <a:spLocks noGrp="1"/>
+          </p:cNvSpPr>
+          <p:nvPr>
+            <p:ph type="body" idx="1"/>
+          </p:nvPr>
+        </p:nvSpPr>
+        <p:spPr/>
+        <p:txBody>
+          <a:bodyPr/>
+          <a:lstStyle/>
+          <a:p>
+            <a:pPr rtl="0"/>
+            <a:r>
+              <a:rPr lang="en-CA" sz="1200" b="0" i="0" u="none" strike="noStrike" kern="1200" dirty="0">
+                <a:solidFill>
+                  <a:schemeClr val="tx1"/>
+                </a:solidFill>
+                <a:effectLst/>
+                <a:latin typeface="+mn-lt"/>
+                <a:ea typeface="+mn-ea"/>
+                <a:cs typeface="+mn-cs"/>
+              </a:rPr>
+              <a:t>Jessica Carmichael</a:t>
+            </a:r>
+            <a:endParaRPr lang="en-CA" b="0" dirty="0">
+              <a:effectLst/>
+            </a:endParaRPr>
+          </a:p>
+          <a:p>
+            <a:pPr rtl="0"/>
+            <a:r>
+              <a:rPr lang="en-CA" sz="1200" b="0" i="0" u="none" strike="noStrike" kern="1200" dirty="0">
+                <a:solidFill>
+                  <a:schemeClr val="tx1"/>
+                </a:solidFill>
+                <a:effectLst/>
+                <a:latin typeface="+mn-lt"/>
+                <a:ea typeface="+mn-ea"/>
+                <a:cs typeface="+mn-cs"/>
+              </a:rPr>
+              <a:t>Elizabeth Morris</a:t>
+            </a:r>
+            <a:endParaRPr lang="en-CA" b="0" dirty="0">
+              <a:effectLst/>
+            </a:endParaRPr>
+          </a:p>
+          <a:p>
+            <a:pPr rtl="0"/>
+            <a:r>
+              <a:rPr lang="en-CA" sz="1200" b="0" i="0" u="none" strike="noStrike" kern="1200" dirty="0">
+                <a:solidFill>
+                  <a:schemeClr val="tx1"/>
+                </a:solidFill>
+                <a:effectLst/>
+                <a:latin typeface="+mn-lt"/>
+                <a:ea typeface="+mn-ea"/>
+                <a:cs typeface="+mn-cs"/>
+              </a:rPr>
+              <a:t>Daniel Lynes</a:t>
+            </a:r>
+            <a:endParaRPr lang="en-CA" b="0" dirty="0">
+              <a:effectLst/>
+            </a:endParaRPr>
+          </a:p>
+          <a:p>
+            <a:pPr rtl="0"/>
+            <a:r>
+              <a:rPr lang="en-CA" sz="1200" b="0" i="0" u="none" strike="noStrike" kern="1200" dirty="0" err="1">
+                <a:solidFill>
+                  <a:schemeClr val="tx1"/>
+                </a:solidFill>
+                <a:effectLst/>
+                <a:latin typeface="+mn-lt"/>
+                <a:ea typeface="+mn-ea"/>
+                <a:cs typeface="+mn-cs"/>
+              </a:rPr>
+              <a:t>Manjari</a:t>
+            </a:r>
+            <a:r>
+              <a:rPr lang="en-CA" sz="1200" b="0" i="0" u="none" strike="noStrike" kern="1200" dirty="0">
+                <a:solidFill>
+                  <a:schemeClr val="tx1"/>
+                </a:solidFill>
+                <a:effectLst/>
+                <a:latin typeface="+mn-lt"/>
+                <a:ea typeface="+mn-ea"/>
+                <a:cs typeface="+mn-cs"/>
+              </a:rPr>
+              <a:t> Shukla</a:t>
+            </a:r>
+            <a:endParaRPr lang="en-CA" b="0" dirty="0">
+              <a:effectLst/>
+            </a:endParaRPr>
+          </a:p>
+          <a:p>
             <a:endParaRPr lang="en-US" dirty="0"/>
           </a:p>
         </p:txBody>
@@ -18794,7 +18966,7 @@
           <a:p>
             <a:fld id="{C6B3AB32-59DF-41F1-9618-EDFBF5049629}" type="slidenum">
               <a:rPr lang="en-US" smtClean="0"/>
-              <a:t>7</a:t>
+              <a:t>8</a:t>
             </a:fld>
             <a:endParaRPr lang="en-US" dirty="0"/>
           </a:p>
@@ -25318,6 +25490,294 @@
       </p:grpSpPr>
       <p:sp useBgFill="1">
         <p:nvSpPr>
+          <p:cNvPr id="144" name="Rectangle 143">
+            <a:extLst>
+              <a:ext uri="{FF2B5EF4-FFF2-40B4-BE49-F238E27FC236}">
+                <a16:creationId xmlns:a16="http://schemas.microsoft.com/office/drawing/2014/main" id="{8F404549-B4DC-481C-926C-DED3EF1C585B}"/>
+              </a:ext>
+              <a:ext uri="{C183D7F6-B498-43B3-948B-1728B52AA6E4}">
+                <adec:decorative xmlns:adec="http://schemas.microsoft.com/office/drawing/2017/decorative" val="1"/>
+              </a:ext>
+            </a:extLst>
+          </p:cNvPr>
+          <p:cNvSpPr>
+            <a:spLocks noGrp="1" noRot="1" noChangeAspect="1" noMove="1" noResize="1" noEditPoints="1" noAdjustHandles="1" noChangeArrowheads="1" noChangeShapeType="1" noTextEdit="1"/>
+          </p:cNvSpPr>
+          <p:nvPr>
+            <p:extLst>
+              <p:ext uri="{386F3935-93C4-4BCD-93E2-E3B085C9AB24}">
+                <p16:designElem xmlns:p16="http://schemas.microsoft.com/office/powerpoint/2015/main" val="1"/>
+              </p:ext>
+            </p:extLst>
+          </p:nvPr>
+        </p:nvSpPr>
+        <p:spPr>
+          <a:xfrm>
+            <a:off x="0" y="614406"/>
+            <a:ext cx="12192000" cy="6243593"/>
+          </a:xfrm>
+          <a:prstGeom prst="rect">
+            <a:avLst/>
+          </a:prstGeom>
+          <a:ln>
+            <a:noFill/>
+          </a:ln>
+        </p:spPr>
+        <p:style>
+          <a:lnRef idx="2">
+            <a:schemeClr val="accent1">
+              <a:shade val="50000"/>
+            </a:schemeClr>
+          </a:lnRef>
+          <a:fillRef idx="1">
+            <a:schemeClr val="accent1"/>
+          </a:fillRef>
+          <a:effectRef idx="0">
+            <a:schemeClr val="accent1"/>
+          </a:effectRef>
+          <a:fontRef idx="minor">
+            <a:schemeClr val="lt1"/>
+          </a:fontRef>
+        </p:style>
+        <p:txBody>
+          <a:bodyPr rtlCol="0" anchor="ctr"/>
+          <a:lstStyle/>
+          <a:p>
+            <a:pPr algn="ctr"/>
+            <a:endParaRPr lang="en-US"/>
+          </a:p>
+        </p:txBody>
+      </p:sp>
+      <p:sp>
+        <p:nvSpPr>
+          <p:cNvPr id="146" name="Rectangle 145">
+            <a:extLst>
+              <a:ext uri="{FF2B5EF4-FFF2-40B4-BE49-F238E27FC236}">
+                <a16:creationId xmlns:a16="http://schemas.microsoft.com/office/drawing/2014/main" id="{1E8FD5CD-351E-4B06-8B78-BD5102D00908}"/>
+              </a:ext>
+              <a:ext uri="{C183D7F6-B498-43B3-948B-1728B52AA6E4}">
+                <adec:decorative xmlns:adec="http://schemas.microsoft.com/office/drawing/2017/decorative" val="1"/>
+              </a:ext>
+            </a:extLst>
+          </p:cNvPr>
+          <p:cNvSpPr>
+            <a:spLocks noGrp="1" noRot="1" noChangeAspect="1" noMove="1" noResize="1" noEditPoints="1" noAdjustHandles="1" noChangeArrowheads="1" noChangeShapeType="1" noTextEdit="1"/>
+          </p:cNvSpPr>
+          <p:nvPr>
+            <p:extLst>
+              <p:ext uri="{386F3935-93C4-4BCD-93E2-E3B085C9AB24}">
+                <p16:designElem xmlns:p16="http://schemas.microsoft.com/office/powerpoint/2015/main" val="1"/>
+              </p:ext>
+            </p:extLst>
+          </p:nvPr>
+        </p:nvSpPr>
+        <p:spPr>
+          <a:xfrm>
+            <a:off x="442377" y="614407"/>
+            <a:ext cx="3707477" cy="5611772"/>
+          </a:xfrm>
+          <a:prstGeom prst="rect">
+            <a:avLst/>
+          </a:prstGeom>
+          <a:solidFill>
+            <a:schemeClr val="accent1"/>
+          </a:solidFill>
+          <a:ln>
+            <a:noFill/>
+          </a:ln>
+          <a:effectLst/>
+        </p:spPr>
+        <p:style>
+          <a:lnRef idx="1">
+            <a:schemeClr val="accent1"/>
+          </a:lnRef>
+          <a:fillRef idx="3">
+            <a:schemeClr val="accent1"/>
+          </a:fillRef>
+          <a:effectRef idx="2">
+            <a:schemeClr val="accent1"/>
+          </a:effectRef>
+          <a:fontRef idx="minor">
+            <a:schemeClr val="lt1"/>
+          </a:fontRef>
+        </p:style>
+      </p:sp>
+      <p:sp>
+        <p:nvSpPr>
+          <p:cNvPr id="2" name="Title 1">
+            <a:extLst>
+              <a:ext uri="{FF2B5EF4-FFF2-40B4-BE49-F238E27FC236}">
+                <a16:creationId xmlns:a16="http://schemas.microsoft.com/office/drawing/2014/main" id="{2894C1AC-D1A6-9A4E-9334-D425FB5552F0}"/>
+              </a:ext>
+            </a:extLst>
+          </p:cNvPr>
+          <p:cNvSpPr>
+            <a:spLocks noGrp="1"/>
+          </p:cNvSpPr>
+          <p:nvPr>
+            <p:ph type="title"/>
+          </p:nvPr>
+        </p:nvSpPr>
+        <p:spPr>
+          <a:xfrm>
+            <a:off x="601255" y="702156"/>
+            <a:ext cx="3409783" cy="1013800"/>
+          </a:xfrm>
+        </p:spPr>
+        <p:txBody>
+          <a:bodyPr vert="horz" lIns="91440" tIns="45720" rIns="91440" bIns="45720" rtlCol="0">
+            <a:normAutofit/>
+          </a:bodyPr>
+          <a:lstStyle/>
+          <a:p>
+            <a:r>
+              <a:rPr lang="en-US" dirty="0"/>
+              <a:t>Conclusion </a:t>
+            </a:r>
+          </a:p>
+        </p:txBody>
+      </p:sp>
+      <p:sp>
+        <p:nvSpPr>
+          <p:cNvPr id="5133" name="Content Placeholder 5132">
+            <a:extLst>
+              <a:ext uri="{FF2B5EF4-FFF2-40B4-BE49-F238E27FC236}">
+                <a16:creationId xmlns:a16="http://schemas.microsoft.com/office/drawing/2014/main" id="{7D1129CC-823F-4BA9-B743-5F877CE841EC}"/>
+              </a:ext>
+            </a:extLst>
+          </p:cNvPr>
+          <p:cNvSpPr>
+            <a:spLocks noGrp="1"/>
+          </p:cNvSpPr>
+          <p:nvPr>
+            <p:ph idx="1"/>
+          </p:nvPr>
+        </p:nvSpPr>
+        <p:spPr>
+          <a:xfrm>
+            <a:off x="601255" y="1964168"/>
+            <a:ext cx="3409782" cy="4036582"/>
+          </a:xfrm>
+        </p:spPr>
+        <p:txBody>
+          <a:bodyPr>
+            <a:normAutofit/>
+          </a:bodyPr>
+          <a:lstStyle/>
+          <a:p>
+            <a:r>
+              <a:rPr lang="en-US" dirty="0">
+                <a:solidFill>
+                  <a:schemeClr val="bg1"/>
+                </a:solidFill>
+              </a:rPr>
+              <a:t>Blockchain based KYC systems will significantly reduce compliance costs</a:t>
+            </a:r>
+          </a:p>
+          <a:p>
+            <a:r>
+              <a:rPr lang="en-US" dirty="0">
+                <a:solidFill>
+                  <a:schemeClr val="bg1"/>
+                </a:solidFill>
+              </a:rPr>
+              <a:t>This technology will allow banks and other financial organizations to rely on a more secure and unified model of data handling </a:t>
+            </a:r>
+          </a:p>
+          <a:p>
+            <a:endParaRPr lang="en-US" dirty="0">
+              <a:solidFill>
+                <a:schemeClr val="bg1"/>
+              </a:solidFill>
+            </a:endParaRPr>
+          </a:p>
+        </p:txBody>
+      </p:sp>
+      <p:pic>
+        <p:nvPicPr>
+          <p:cNvPr id="5122" name="Picture 2" descr="Diagram&#10;&#10;Description automatically generated">
+            <a:extLst>
+              <a:ext uri="{FF2B5EF4-FFF2-40B4-BE49-F238E27FC236}">
+                <a16:creationId xmlns:a16="http://schemas.microsoft.com/office/drawing/2014/main" id="{8E778282-99B6-DC46-8556-7AD91DB76E72}"/>
+              </a:ext>
+            </a:extLst>
+          </p:cNvPr>
+          <p:cNvPicPr>
+            <a:picLocks noChangeAspect="1" noChangeArrowheads="1"/>
+          </p:cNvPicPr>
+          <p:nvPr/>
+        </p:nvPicPr>
+        <p:blipFill rotWithShape="1">
+          <a:blip r:embed="rId3">
+            <a:extLst>
+              <a:ext uri="{28A0092B-C50C-407E-A947-70E740481C1C}">
+                <a14:useLocalDpi xmlns:a14="http://schemas.microsoft.com/office/drawing/2010/main" val="0"/>
+              </a:ext>
+            </a:extLst>
+          </a:blip>
+          <a:srcRect l="8936" r="1506"/>
+          <a:stretch/>
+        </p:blipFill>
+        <p:spPr bwMode="auto">
+          <a:xfrm>
+            <a:off x="4961774" y="1111641"/>
+            <a:ext cx="6149315" cy="4655348"/>
+          </a:xfrm>
+          <a:prstGeom prst="rect">
+            <a:avLst/>
+          </a:prstGeom>
+          <a:noFill/>
+          <a:extLst>
+            <a:ext uri="{909E8E84-426E-40DD-AFC4-6F175D3DCCD1}">
+              <a14:hiddenFill xmlns:a14="http://schemas.microsoft.com/office/drawing/2010/main">
+                <a:solidFill>
+                  <a:srgbClr val="FFFFFF"/>
+                </a:solidFill>
+              </a14:hiddenFill>
+            </a:ext>
+          </a:extLst>
+        </p:spPr>
+      </p:pic>
+    </p:spTree>
+    <p:extLst>
+      <p:ext uri="{BB962C8B-B14F-4D97-AF65-F5344CB8AC3E}">
+        <p14:creationId xmlns:p14="http://schemas.microsoft.com/office/powerpoint/2010/main" val="4050793261"/>
+      </p:ext>
+    </p:extLst>
+  </p:cSld>
+  <p:clrMapOvr>
+    <a:masterClrMapping/>
+  </p:clrMapOvr>
+</p:sld>
+</file>
+
+<file path=ppt/slides/slide8.xml><?xml version="1.0" encoding="utf-8"?>
+<p:sld xmlns:a="http://schemas.openxmlformats.org/drawingml/2006/main" xmlns:r="http://schemas.openxmlformats.org/officeDocument/2006/relationships" xmlns:p="http://schemas.openxmlformats.org/presentationml/2006/main">
+  <p:cSld>
+    <p:bg>
+      <p:bgPr>
+        <a:solidFill>
+          <a:schemeClr val="bg1"/>
+        </a:solidFill>
+        <a:effectLst/>
+      </p:bgPr>
+    </p:bg>
+    <p:spTree>
+      <p:nvGrpSpPr>
+        <p:cNvPr id="1" name=""/>
+        <p:cNvGrpSpPr/>
+        <p:nvPr/>
+      </p:nvGrpSpPr>
+      <p:grpSpPr>
+        <a:xfrm>
+          <a:off x="0" y="0"/>
+          <a:ext cx="0" cy="0"/>
+          <a:chOff x="0" y="0"/>
+          <a:chExt cx="0" cy="0"/>
+        </a:xfrm>
+      </p:grpSpPr>
+      <p:sp useBgFill="1">
+        <p:nvSpPr>
           <p:cNvPr id="10" name="Rectangle 9">
             <a:extLst>
               <a:ext uri="{FF2B5EF4-FFF2-40B4-BE49-F238E27FC236}">
@@ -25499,7 +25959,29 @@
                   <a:srgbClr val="FFFFFF"/>
                 </a:solidFill>
               </a:rPr>
-              <a:t>Thank You</a:t>
+              <a:t>Thank You!</a:t>
+            </a:r>
+            <a:br>
+              <a:rPr lang="en-US" dirty="0">
+                <a:solidFill>
+                  <a:srgbClr val="FFFFFF"/>
+                </a:solidFill>
+              </a:rPr>
+            </a:br>
+            <a:br>
+              <a:rPr lang="en-US" dirty="0">
+                <a:solidFill>
+                  <a:srgbClr val="FFFFFF"/>
+                </a:solidFill>
+              </a:rPr>
+            </a:br>
+            <a:r>
+              <a:rPr lang="en-US" dirty="0">
+                <a:solidFill>
+                  <a:srgbClr val="FFFFFF"/>
+                </a:solidFill>
+              </a:rPr>
+              <a:t>Questions?</a:t>
             </a:r>
           </a:p>
         </p:txBody>
@@ -25522,27 +26004,129 @@
         </p:nvSpPr>
         <p:spPr>
           <a:xfrm>
-            <a:off x="8296275" y="3505095"/>
-            <a:ext cx="3081576" cy="2629006"/>
+            <a:off x="8296275" y="4571999"/>
+            <a:ext cx="3081576" cy="1562101"/>
           </a:xfrm>
         </p:spPr>
         <p:txBody>
-          <a:bodyPr>
-            <a:normAutofit/>
+          <a:bodyPr anchor="b">
+            <a:normAutofit fontScale="25000" lnSpcReduction="20000"/>
           </a:bodyPr>
           <a:lstStyle/>
           <a:p>
+            <a:endParaRPr lang="en-US" dirty="0">
+              <a:solidFill>
+                <a:schemeClr val="bg2"/>
+              </a:solidFill>
+            </a:endParaRPr>
+          </a:p>
+          <a:p>
+            <a:pPr algn="r"/>
+            <a:endParaRPr lang="en-US" dirty="0">
+              <a:solidFill>
+                <a:schemeClr val="bg2"/>
+              </a:solidFill>
+            </a:endParaRPr>
+          </a:p>
+          <a:p>
+            <a:endParaRPr lang="en-US" dirty="0">
+              <a:solidFill>
+                <a:schemeClr val="bg2"/>
+              </a:solidFill>
+            </a:endParaRPr>
+          </a:p>
+          <a:p>
+            <a:pPr algn="r"/>
             <a:r>
-              <a:rPr lang="en-US" dirty="0">
+              <a:rPr lang="en-US" sz="4400" dirty="0">
                 <a:solidFill>
                   <a:schemeClr val="bg2"/>
                 </a:solidFill>
               </a:rPr>
-              <a:t>someone@example.com</a:t>
+              <a:t>Jessica Carmichael</a:t>
             </a:r>
           </a:p>
           <a:p>
-            <a:endParaRPr lang="en-US" dirty="0">
+            <a:pPr algn="r"/>
+            <a:r>
+              <a:rPr lang="en-US" sz="4400" dirty="0">
+                <a:solidFill>
+                  <a:schemeClr val="bg2"/>
+                </a:solidFill>
+              </a:rPr>
+              <a:t>Elizabeth </a:t>
+            </a:r>
+            <a:r>
+              <a:rPr lang="en-US" sz="4400" dirty="0" err="1">
+                <a:solidFill>
+                  <a:schemeClr val="bg2"/>
+                </a:solidFill>
+              </a:rPr>
+              <a:t>morris</a:t>
+            </a:r>
+            <a:r>
+              <a:rPr lang="en-US" sz="4400" dirty="0">
+                <a:solidFill>
+                  <a:schemeClr val="bg2"/>
+                </a:solidFill>
+              </a:rPr>
+              <a:t> </a:t>
+            </a:r>
+          </a:p>
+          <a:p>
+            <a:pPr algn="r"/>
+            <a:r>
+              <a:rPr lang="en-US" sz="4400" dirty="0">
+                <a:solidFill>
+                  <a:schemeClr val="bg2"/>
+                </a:solidFill>
+              </a:rPr>
+              <a:t>Daniel </a:t>
+            </a:r>
+            <a:r>
+              <a:rPr lang="en-US" sz="4400" dirty="0" err="1">
+                <a:solidFill>
+                  <a:schemeClr val="bg2"/>
+                </a:solidFill>
+              </a:rPr>
+              <a:t>lynes</a:t>
+            </a:r>
+            <a:r>
+              <a:rPr lang="en-US" sz="4400" dirty="0">
+                <a:solidFill>
+                  <a:schemeClr val="bg2"/>
+                </a:solidFill>
+              </a:rPr>
+              <a:t> </a:t>
+            </a:r>
+          </a:p>
+          <a:p>
+            <a:pPr algn="r"/>
+            <a:r>
+              <a:rPr lang="en-US" sz="4400" dirty="0" err="1">
+                <a:solidFill>
+                  <a:schemeClr val="bg2"/>
+                </a:solidFill>
+              </a:rPr>
+              <a:t>Manjari</a:t>
+            </a:r>
+            <a:r>
+              <a:rPr lang="en-US" sz="4400" dirty="0">
+                <a:solidFill>
+                  <a:schemeClr val="bg2"/>
+                </a:solidFill>
+              </a:rPr>
+              <a:t> </a:t>
+            </a:r>
+            <a:r>
+              <a:rPr lang="en-US" sz="4400" dirty="0" err="1">
+                <a:solidFill>
+                  <a:schemeClr val="bg2"/>
+                </a:solidFill>
+              </a:rPr>
+              <a:t>shukla</a:t>
+            </a:r>
+            <a:endParaRPr lang="en-US" sz="4400" dirty="0">
               <a:solidFill>
                 <a:schemeClr val="bg2"/>
               </a:solidFill>
